--- a/research_showcase/dynamicProgramming_aryan_ritwajeet_jha.pptx
+++ b/research_showcase/dynamicProgramming_aryan_ritwajeet_jha.pptx
@@ -5,10 +5,10 @@
     <p:sldMasterId id="2147483686" r:id="rId1"/>
   </p:sldMasterIdLst>
   <p:notesMasterIdLst>
-    <p:notesMasterId r:id="rId14"/>
+    <p:notesMasterId r:id="rId12"/>
   </p:notesMasterIdLst>
   <p:handoutMasterIdLst>
-    <p:handoutMasterId r:id="rId15"/>
+    <p:handoutMasterId r:id="rId13"/>
   </p:handoutMasterIdLst>
   <p:sldIdLst>
     <p:sldId id="257" r:id="rId2"/>
@@ -16,13 +16,11 @@
     <p:sldId id="264" r:id="rId4"/>
     <p:sldId id="282" r:id="rId5"/>
     <p:sldId id="281" r:id="rId6"/>
-    <p:sldId id="265" r:id="rId7"/>
-    <p:sldId id="280" r:id="rId8"/>
-    <p:sldId id="266" r:id="rId9"/>
-    <p:sldId id="267" r:id="rId10"/>
-    <p:sldId id="277" r:id="rId11"/>
-    <p:sldId id="270" r:id="rId12"/>
-    <p:sldId id="273" r:id="rId13"/>
+    <p:sldId id="283" r:id="rId7"/>
+    <p:sldId id="267" r:id="rId8"/>
+    <p:sldId id="277" r:id="rId9"/>
+    <p:sldId id="270" r:id="rId10"/>
+    <p:sldId id="273" r:id="rId11"/>
   </p:sldIdLst>
   <p:sldSz cx="12192000" cy="6858000"/>
   <p:notesSz cx="6858000" cy="9144000"/>
@@ -6192,7 +6190,14 @@
           <a:p>
             <a:r>
               <a:rPr lang="en-US" dirty="0"/>
-              <a:t>Dynamic Programming for Power Systems</a:t>
+              <a:t>Dynamic Programming for </a:t>
+            </a:r>
+            <a:br>
+              <a:rPr lang="en-US" dirty="0"/>
+            </a:br>
+            <a:r>
+              <a:rPr lang="en-US" dirty="0"/>
+              <a:t>Power Systems</a:t>
             </a:r>
           </a:p>
         </p:txBody>
@@ -6281,278 +6286,6 @@
         </p:nvSpPr>
         <p:spPr>
           <a:xfrm>
-            <a:off x="1079404" y="627807"/>
-            <a:ext cx="7171757" cy="1272756"/>
-          </a:xfrm>
-        </p:spPr>
-        <p:txBody>
-          <a:bodyPr/>
-          <a:lstStyle/>
-          <a:p>
-            <a:r>
-              <a:rPr lang="en-US" dirty="0"/>
-              <a:t>LOCA VORE CARDIGAN SHORTS CHARTREUSE</a:t>
-            </a:r>
-          </a:p>
-        </p:txBody>
-      </p:sp>
-      <p:sp>
-        <p:nvSpPr>
-          <p:cNvPr id="6" name="Content Placeholder 5">
-            <a:extLst>
-              <a:ext uri="{FF2B5EF4-FFF2-40B4-BE49-F238E27FC236}">
-                <a16:creationId xmlns:a16="http://schemas.microsoft.com/office/drawing/2014/main" id="{F79BD561-90E0-4007-A8CB-DAF84D917E20}"/>
-              </a:ext>
-            </a:extLst>
-          </p:cNvPr>
-          <p:cNvSpPr>
-            <a:spLocks noGrp="1"/>
-          </p:cNvSpPr>
-          <p:nvPr>
-            <p:ph type="body" sz="quarter" idx="13"/>
-          </p:nvPr>
-        </p:nvSpPr>
-        <p:spPr>
-          <a:xfrm>
-            <a:off x="1079404" y="2469732"/>
-            <a:ext cx="5264150" cy="4041599"/>
-          </a:xfrm>
-        </p:spPr>
-        <p:txBody>
-          <a:bodyPr>
-            <a:spAutoFit/>
-          </a:bodyPr>
-          <a:lstStyle/>
-          <a:p>
-            <a:r>
-              <a:rPr lang="en-US" dirty="0"/>
-              <a:t>Banh mi polaroid church-key skateboard gastropub, you probably haven't heard of them cardigan tofu hoodie. Health goth literally chartreuse, fixie hashtag hexagon humblebrag heirloom fashion axe </a:t>
-            </a:r>
-            <a:r>
-              <a:rPr lang="en-US" dirty="0" err="1"/>
-              <a:t>chicharrones</a:t>
-            </a:r>
-            <a:r>
-              <a:rPr lang="en-US" dirty="0"/>
-              <a:t>.</a:t>
-            </a:r>
-          </a:p>
-        </p:txBody>
-      </p:sp>
-    </p:spTree>
-    <p:extLst>
-      <p:ext uri="{BB962C8B-B14F-4D97-AF65-F5344CB8AC3E}">
-        <p14:creationId xmlns:p14="http://schemas.microsoft.com/office/powerpoint/2010/main" val="1781137045"/>
-      </p:ext>
-    </p:extLst>
-  </p:cSld>
-  <p:clrMapOvr>
-    <a:masterClrMapping/>
-  </p:clrMapOvr>
-</p:sld>
-</file>
-
-<file path=ppt/slides/slide11.xml><?xml version="1.0" encoding="utf-8"?>
-<p:sld xmlns:a="http://schemas.openxmlformats.org/drawingml/2006/main" xmlns:r="http://schemas.openxmlformats.org/officeDocument/2006/relationships" xmlns:p="http://schemas.openxmlformats.org/presentationml/2006/main">
-  <p:cSld>
-    <p:spTree>
-      <p:nvGrpSpPr>
-        <p:cNvPr id="1" name=""/>
-        <p:cNvGrpSpPr/>
-        <p:nvPr/>
-      </p:nvGrpSpPr>
-      <p:grpSpPr>
-        <a:xfrm>
-          <a:off x="0" y="0"/>
-          <a:ext cx="0" cy="0"/>
-          <a:chOff x="0" y="0"/>
-          <a:chExt cx="0" cy="0"/>
-        </a:xfrm>
-      </p:grpSpPr>
-      <p:sp>
-        <p:nvSpPr>
-          <p:cNvPr id="34" name="Title 33">
-            <a:extLst>
-              <a:ext uri="{FF2B5EF4-FFF2-40B4-BE49-F238E27FC236}">
-                <a16:creationId xmlns:a16="http://schemas.microsoft.com/office/drawing/2014/main" id="{8AC96926-49B1-4DFB-A717-827828860CC4}"/>
-              </a:ext>
-            </a:extLst>
-          </p:cNvPr>
-          <p:cNvSpPr>
-            <a:spLocks noGrp="1"/>
-          </p:cNvSpPr>
-          <p:nvPr>
-            <p:ph type="title"/>
-          </p:nvPr>
-        </p:nvSpPr>
-        <p:spPr>
-          <a:xfrm>
-            <a:off x="1079404" y="560638"/>
-            <a:ext cx="5578468" cy="1994392"/>
-          </a:xfrm>
-        </p:spPr>
-        <p:txBody>
-          <a:bodyPr/>
-          <a:lstStyle/>
-          <a:p>
-            <a:r>
-              <a:rPr lang="en-US" dirty="0"/>
-              <a:t>LOCA VORE CARDIGAN SHORTS CHARTREUSE</a:t>
-            </a:r>
-          </a:p>
-        </p:txBody>
-      </p:sp>
-      <p:sp>
-        <p:nvSpPr>
-          <p:cNvPr id="6" name="Content Placeholder 5">
-            <a:extLst>
-              <a:ext uri="{FF2B5EF4-FFF2-40B4-BE49-F238E27FC236}">
-                <a16:creationId xmlns:a16="http://schemas.microsoft.com/office/drawing/2014/main" id="{F79BD561-90E0-4007-A8CB-DAF84D917E20}"/>
-              </a:ext>
-            </a:extLst>
-          </p:cNvPr>
-          <p:cNvSpPr>
-            <a:spLocks noGrp="1"/>
-          </p:cNvSpPr>
-          <p:nvPr>
-            <p:ph type="body" sz="quarter" idx="13"/>
-          </p:nvPr>
-        </p:nvSpPr>
-        <p:spPr>
-          <a:xfrm>
-            <a:off x="7014575" y="618596"/>
-            <a:ext cx="4572000" cy="350865"/>
-          </a:xfrm>
-        </p:spPr>
-        <p:txBody>
-          <a:bodyPr>
-            <a:spAutoFit/>
-          </a:bodyPr>
-          <a:lstStyle/>
-          <a:p>
-            <a:r>
-              <a:rPr lang="en-US" dirty="0"/>
-              <a:t>Banh mi polaroid church-key skateboard gastropub, you probably haven't heard of them cardigan tofu hoodie. Health goth literally chartreuse, fixie hashtag hexagon humblebrag heirloom fashion axe </a:t>
-            </a:r>
-            <a:r>
-              <a:rPr lang="en-US" dirty="0" err="1"/>
-              <a:t>chicharrones</a:t>
-            </a:r>
-            <a:r>
-              <a:rPr lang="en-US" dirty="0"/>
-              <a:t>. </a:t>
-            </a:r>
-            <a:r>
-              <a:rPr lang="en-US" dirty="0" err="1"/>
-              <a:t>Cliche</a:t>
-            </a:r>
-            <a:r>
-              <a:rPr lang="en-US" dirty="0"/>
-              <a:t> </a:t>
-            </a:r>
-            <a:r>
-              <a:rPr lang="en-US" dirty="0" err="1"/>
-              <a:t>austin</a:t>
-            </a:r>
-            <a:r>
-              <a:rPr lang="en-US" dirty="0"/>
-              <a:t> shaman intelligentsia chia tacos. </a:t>
-            </a:r>
-          </a:p>
-          <a:p>
-            <a:r>
-              <a:rPr lang="en-US" dirty="0"/>
-              <a:t>Paleo </a:t>
-            </a:r>
-            <a:r>
-              <a:rPr lang="en-US" dirty="0" err="1"/>
-              <a:t>stumptown</a:t>
-            </a:r>
-            <a:r>
-              <a:rPr lang="en-US" dirty="0"/>
-              <a:t> </a:t>
-            </a:r>
-            <a:r>
-              <a:rPr lang="en-US" dirty="0" err="1"/>
-              <a:t>af</a:t>
-            </a:r>
-            <a:r>
-              <a:rPr lang="en-US" dirty="0"/>
-              <a:t> tofu, </a:t>
-            </a:r>
-            <a:r>
-              <a:rPr lang="en-US" dirty="0" err="1"/>
-              <a:t>godard</a:t>
-            </a:r>
-            <a:r>
-              <a:rPr lang="en-US" dirty="0"/>
-              <a:t> subway tile coloring book scenester waistcoat </a:t>
-            </a:r>
-            <a:r>
-              <a:rPr lang="en-US" dirty="0" err="1"/>
-              <a:t>kickstarter</a:t>
-            </a:r>
-            <a:r>
-              <a:rPr lang="en-US" dirty="0"/>
-              <a:t> palo santo squid twee. </a:t>
-            </a:r>
-          </a:p>
-          <a:p>
-            <a:r>
-              <a:rPr lang="en-US" dirty="0"/>
-              <a:t>Jianbing you probably haven't heard of them banh mi viral raclette crucifix.</a:t>
-            </a:r>
-          </a:p>
-        </p:txBody>
-      </p:sp>
-    </p:spTree>
-    <p:extLst>
-      <p:ext uri="{BB962C8B-B14F-4D97-AF65-F5344CB8AC3E}">
-        <p14:creationId xmlns:p14="http://schemas.microsoft.com/office/powerpoint/2010/main" val="1767751549"/>
-      </p:ext>
-    </p:extLst>
-  </p:cSld>
-  <p:clrMapOvr>
-    <a:masterClrMapping/>
-  </p:clrMapOvr>
-</p:sld>
-</file>
-
-<file path=ppt/slides/slide12.xml><?xml version="1.0" encoding="utf-8"?>
-<p:sld xmlns:a="http://schemas.openxmlformats.org/drawingml/2006/main" xmlns:r="http://schemas.openxmlformats.org/officeDocument/2006/relationships" xmlns:p="http://schemas.openxmlformats.org/presentationml/2006/main">
-  <p:cSld>
-    <p:spTree>
-      <p:nvGrpSpPr>
-        <p:cNvPr id="1" name=""/>
-        <p:cNvGrpSpPr/>
-        <p:nvPr/>
-      </p:nvGrpSpPr>
-      <p:grpSpPr>
-        <a:xfrm>
-          <a:off x="0" y="0"/>
-          <a:ext cx="0" cy="0"/>
-          <a:chOff x="0" y="0"/>
-          <a:chExt cx="0" cy="0"/>
-        </a:xfrm>
-      </p:grpSpPr>
-      <p:sp>
-        <p:nvSpPr>
-          <p:cNvPr id="34" name="Title 33">
-            <a:extLst>
-              <a:ext uri="{FF2B5EF4-FFF2-40B4-BE49-F238E27FC236}">
-                <a16:creationId xmlns:a16="http://schemas.microsoft.com/office/drawing/2014/main" id="{8AC96926-49B1-4DFB-A717-827828860CC4}"/>
-              </a:ext>
-            </a:extLst>
-          </p:cNvPr>
-          <p:cNvSpPr>
-            <a:spLocks noGrp="1"/>
-          </p:cNvSpPr>
-          <p:nvPr>
-            <p:ph type="title"/>
-          </p:nvPr>
-        </p:nvSpPr>
-        <p:spPr>
-          <a:xfrm>
             <a:off x="1079404" y="920635"/>
             <a:ext cx="8691516" cy="1329595"/>
           </a:xfrm>
@@ -6758,24 +6491,6 @@
                 <a:latin typeface="Corbel (Headings)"/>
               </a:rPr>
               <a:t>Problem Statements where Dynamic Programming is utilized.</a:t>
-            </a:r>
-          </a:p>
-          <a:p>
-            <a:pPr lvl="1"/>
-            <a:r>
-              <a:rPr lang="en-US" dirty="0">
-                <a:latin typeface="Corbel (Headings)"/>
-              </a:rPr>
-              <a:t>Simple: Knapsack Problem</a:t>
-            </a:r>
-          </a:p>
-          <a:p>
-            <a:pPr lvl="1"/>
-            <a:r>
-              <a:rPr lang="en-US" dirty="0">
-                <a:latin typeface="Corbel (Headings)"/>
-              </a:rPr>
-              <a:t>Hard: Travelling Salesman Problem</a:t>
             </a:r>
           </a:p>
         </p:txBody>
@@ -6836,7 +6551,7 @@
         </p:nvSpPr>
         <p:spPr>
           <a:xfrm>
-            <a:off x="1066799" y="3298376"/>
+            <a:off x="1877832" y="2431684"/>
             <a:ext cx="10063163" cy="1533002"/>
           </a:xfrm>
         </p:spPr>
@@ -6845,11 +6560,18 @@
           <a:lstStyle/>
           <a:p>
             <a:r>
-              <a:rPr lang="en-US" dirty="0"/>
+              <a:rPr lang="en-US" b="1" dirty="0"/>
               <a:t>Context:</a:t>
             </a:r>
           </a:p>
           <a:p>
+            <a:pPr marL="457200" indent="-457200">
+              <a:buClr>
+                <a:srgbClr val="00B050"/>
+              </a:buClr>
+              <a:buFont typeface="Wingdings" panose="05000000000000000000" pitchFamily="2" charset="2"/>
+              <a:buChar char="ü"/>
+            </a:pPr>
             <a:r>
               <a:rPr lang="en-US" dirty="0"/>
               <a:t>Charge </a:t>
@@ -6868,8 +6590,72 @@
             </a:r>
             <a:r>
               <a:rPr lang="en-US" dirty="0"/>
-              <a:t> charging stations (nodes).</a:t>
-            </a:r>
+              <a:t> charging stations (nodes). </a:t>
+            </a:r>
+          </a:p>
+          <a:p>
+            <a:pPr marL="914400" lvl="1" indent="-457200">
+              <a:buClr>
+                <a:srgbClr val="00B050"/>
+              </a:buClr>
+              <a:buFont typeface="Wingdings" panose="05000000000000000000" pitchFamily="2" charset="2"/>
+              <a:buChar char="§"/>
+            </a:pPr>
+            <a:r>
+              <a:rPr lang="en-US" sz="2800" dirty="0">
+                <a:solidFill>
+                  <a:schemeClr val="bg1">
+                    <a:lumMod val="85000"/>
+                  </a:schemeClr>
+                </a:solidFill>
+              </a:rPr>
+              <a:t>Night-time = 6PM to 6AM.</a:t>
+            </a:r>
+          </a:p>
+          <a:p>
+            <a:pPr marL="457200" indent="-457200">
+              <a:buClr>
+                <a:srgbClr val="00B050"/>
+              </a:buClr>
+              <a:buFont typeface="Wingdings" panose="05000000000000000000" pitchFamily="2" charset="2"/>
+              <a:buChar char="ü"/>
+            </a:pPr>
+            <a:r>
+              <a:rPr lang="en-US" dirty="0">
+                <a:solidFill>
+                  <a:schemeClr val="bg1">
+                    <a:lumMod val="85000"/>
+                  </a:schemeClr>
+                </a:solidFill>
+              </a:rPr>
+              <a:t>Charge them fully before the next morning. </a:t>
+            </a:r>
+          </a:p>
+          <a:p>
+            <a:pPr marL="914400" lvl="1" indent="-457200">
+              <a:buClr>
+                <a:srgbClr val="00B050"/>
+              </a:buClr>
+              <a:buFont typeface="Wingdings" panose="05000000000000000000" pitchFamily="2" charset="2"/>
+              <a:buChar char="§"/>
+            </a:pPr>
+            <a:r>
+              <a:rPr lang="en-US" sz="2800" dirty="0">
+                <a:solidFill>
+                  <a:schemeClr val="bg1">
+                    <a:lumMod val="85000"/>
+                  </a:schemeClr>
+                </a:solidFill>
+              </a:rPr>
+              <a:t>They aren’t leaving before 6AM, so no need to optimize the charging timings themselves.</a:t>
+            </a:r>
+            <a:endParaRPr lang="en-US" dirty="0">
+              <a:solidFill>
+                <a:schemeClr val="bg1">
+                  <a:lumMod val="85000"/>
+                </a:schemeClr>
+              </a:solidFill>
+            </a:endParaRPr>
           </a:p>
         </p:txBody>
       </p:sp>
@@ -6891,7 +6677,7 @@
         </p:nvSpPr>
         <p:spPr>
           <a:xfrm>
-            <a:off x="1066800" y="1017317"/>
+            <a:off x="1122459" y="126771"/>
             <a:ext cx="10063163" cy="1756027"/>
           </a:xfrm>
         </p:spPr>
@@ -6908,7 +6694,7 @@
             </a:br>
             <a:r>
               <a:rPr lang="en-US" sz="2400" b="0" i="1" dirty="0"/>
-              <a:t>Anamika Dubey and Surya Santoshi</a:t>
+              <a:t>Anamika Dubey and Surya Santoso  (2015)</a:t>
             </a:r>
             <a:endParaRPr lang="en-US" b="0" i="1" dirty="0"/>
           </a:p>
@@ -7046,7 +6832,7 @@
             </a:br>
             <a:r>
               <a:rPr lang="en-US" sz="2400" b="0" i="1" dirty="0"/>
-              <a:t>Anamika Dubey and Surya Santoshi</a:t>
+              <a:t>Anamika Dubey and Surya Santoso</a:t>
             </a:r>
             <a:endParaRPr lang="en-US" b="0" i="1" dirty="0"/>
           </a:p>
@@ -7118,13 +6904,13 @@
           <a:p>
             <a:r>
               <a:rPr lang="en-US" dirty="0"/>
-              <a:t>NOT Objective:</a:t>
-            </a:r>
-          </a:p>
-          <a:p>
-            <a:r>
-              <a:rPr lang="en-US" dirty="0"/>
-              <a:t>No optimization of time intended, every EV plugged in for full time period from zero to T anyway.</a:t>
+              <a:t>NOT an Objective:</a:t>
+            </a:r>
+          </a:p>
+          <a:p>
+            <a:r>
+              <a:rPr lang="en-US" dirty="0"/>
+              <a:t>No optimization of time intended; every EV plugged in for the full time period from zero to T anyway.</a:t>
             </a:r>
           </a:p>
         </p:txBody>
@@ -7164,7 +6950,7 @@
             </a:br>
             <a:r>
               <a:rPr lang="en-US" sz="2400" b="0" i="1" dirty="0"/>
-              <a:t>Anamika Dubey and Surya Santoshi</a:t>
+              <a:t>Anamika Dubey and Surya Santoso</a:t>
             </a:r>
             <a:endParaRPr lang="en-US" b="0" i="1" dirty="0"/>
           </a:p>
@@ -7186,6 +6972,14 @@
 <file path=ppt/slides/slide6.xml><?xml version="1.0" encoding="utf-8"?>
 <p:sld xmlns:a="http://schemas.openxmlformats.org/drawingml/2006/main" xmlns:r="http://schemas.openxmlformats.org/officeDocument/2006/relationships" xmlns:p="http://schemas.openxmlformats.org/presentationml/2006/main">
   <p:cSld>
+    <p:bg>
+      <p:bgPr>
+        <a:solidFill>
+          <a:schemeClr val="tx2"/>
+        </a:solidFill>
+        <a:effectLst/>
+      </p:bgPr>
+    </p:bg>
     <p:spTree>
       <p:nvGrpSpPr>
         <p:cNvPr id="1" name=""/>
@@ -7202,10 +6996,10 @@
       </p:grpSpPr>
       <p:sp>
         <p:nvSpPr>
-          <p:cNvPr id="5" name="Content Placeholder 4">
+          <p:cNvPr id="3" name="Text Placeholder 2">
             <a:extLst>
               <a:ext uri="{FF2B5EF4-FFF2-40B4-BE49-F238E27FC236}">
-                <a16:creationId xmlns:a16="http://schemas.microsoft.com/office/drawing/2014/main" id="{CAF4E33B-142F-4A0B-86CF-9E36E699BF1B}"/>
+                <a16:creationId xmlns:a16="http://schemas.microsoft.com/office/drawing/2014/main" id="{799C5043-70C7-42B6-BC83-DD09FFA9C12A}"/>
               </a:ext>
             </a:extLst>
           </p:cNvPr>
@@ -7213,13 +7007,13 @@
             <a:spLocks noGrp="1"/>
           </p:cNvSpPr>
           <p:nvPr>
-            <p:ph sz="half" idx="1"/>
+            <p:ph type="body" idx="1"/>
           </p:nvPr>
         </p:nvSpPr>
         <p:spPr>
           <a:xfrm>
-            <a:off x="1066800" y="2228568"/>
-            <a:ext cx="4670128" cy="4286532"/>
+            <a:off x="526111" y="1493429"/>
+            <a:ext cx="11321332" cy="4668831"/>
           </a:xfrm>
         </p:spPr>
         <p:txBody>
@@ -7228,174 +7022,55 @@
           <a:p>
             <a:r>
               <a:rPr lang="en-US" dirty="0"/>
-              <a:t>Ramps gluten-free drinking vinegar aesthetic distillery</a:t>
-            </a:r>
-          </a:p>
-          <a:p>
-            <a:pPr lvl="1"/>
-            <a:r>
-              <a:rPr lang="en-US" dirty="0"/>
-              <a:t>Raw denim +1 banjo</a:t>
-            </a:r>
-          </a:p>
-          <a:p>
-            <a:pPr lvl="1"/>
-            <a:r>
-              <a:rPr lang="en-US" dirty="0"/>
-              <a:t>PBR&amp;B </a:t>
-            </a:r>
-            <a:r>
-              <a:rPr lang="en-US" dirty="0" err="1"/>
-              <a:t>lomo</a:t>
-            </a:r>
-            <a:endParaRPr lang="en-US" dirty="0"/>
-          </a:p>
-          <a:p>
-            <a:r>
-              <a:rPr lang="en-US" dirty="0"/>
-              <a:t>Fam vegan organic pickled</a:t>
-            </a:r>
-          </a:p>
-          <a:p>
-            <a:pPr lvl="1"/>
-            <a:r>
-              <a:rPr lang="en-US" dirty="0"/>
-              <a:t>Messenger bag</a:t>
-            </a:r>
-          </a:p>
-          <a:p>
-            <a:r>
-              <a:rPr lang="en-US" dirty="0"/>
-              <a:t>Pop-up cloud bread tofu</a:t>
-            </a:r>
-          </a:p>
-          <a:p>
-            <a:pPr lvl="1"/>
-            <a:r>
-              <a:rPr lang="en-US" dirty="0"/>
-              <a:t>Green juice</a:t>
-            </a:r>
-          </a:p>
-          <a:p>
-            <a:r>
-              <a:rPr lang="en-US" dirty="0"/>
-              <a:t>Actually </a:t>
-            </a:r>
-            <a:r>
-              <a:rPr lang="en-US" dirty="0" err="1"/>
-              <a:t>helvetica</a:t>
-            </a:r>
-            <a:endParaRPr lang="en-US" dirty="0"/>
+              <a:t>Design Formulation:</a:t>
+            </a:r>
+          </a:p>
+          <a:p>
+            <a:pPr marL="457200" indent="-457200">
+              <a:buFontTx/>
+              <a:buChar char="-"/>
+            </a:pPr>
+            <a:r>
+              <a:rPr lang="en-US" dirty="0"/>
+              <a:t>Battery-charger power levels </a:t>
+            </a:r>
+            <a:r>
+              <a:rPr lang="en-US" i="1" dirty="0"/>
+              <a:t>P(t) </a:t>
+            </a:r>
+            <a:r>
+              <a:rPr lang="en-US" dirty="0"/>
+              <a:t>variable only in discrete-steps.</a:t>
+            </a:r>
+          </a:p>
+          <a:p>
+            <a:pPr marL="457200" indent="-457200">
+              <a:buFontTx/>
+              <a:buChar char="-"/>
+            </a:pPr>
+            <a:r>
+              <a:rPr lang="en-US" i="1" dirty="0"/>
+              <a:t>Power-flow-analysis also done in discrete time-steps.</a:t>
+            </a:r>
+          </a:p>
+          <a:p>
+            <a:pPr marL="457200" indent="-457200">
+              <a:buFontTx/>
+              <a:buChar char="-"/>
+            </a:pPr>
+            <a:r>
+              <a:rPr lang="en-US" i="1" dirty="0"/>
+              <a:t>We’re solving a discretized Optimal Control Problem.</a:t>
+            </a:r>
           </a:p>
         </p:txBody>
       </p:sp>
       <p:sp>
         <p:nvSpPr>
-          <p:cNvPr id="6" name="Content Placeholder 5">
+          <p:cNvPr id="2" name="Title 1">
             <a:extLst>
               <a:ext uri="{FF2B5EF4-FFF2-40B4-BE49-F238E27FC236}">
-                <a16:creationId xmlns:a16="http://schemas.microsoft.com/office/drawing/2014/main" id="{8795B178-DDDF-494B-AC60-2D8C9442C519}"/>
-              </a:ext>
-            </a:extLst>
-          </p:cNvPr>
-          <p:cNvSpPr>
-            <a:spLocks noGrp="1"/>
-          </p:cNvSpPr>
-          <p:nvPr>
-            <p:ph sz="half" idx="2"/>
-          </p:nvPr>
-        </p:nvSpPr>
-        <p:spPr>
-          <a:xfrm>
-            <a:off x="6459835" y="2228568"/>
-            <a:ext cx="4670128" cy="4286532"/>
-          </a:xfrm>
-        </p:spPr>
-        <p:txBody>
-          <a:bodyPr/>
-          <a:lstStyle/>
-          <a:p>
-            <a:r>
-              <a:rPr lang="en-US" dirty="0"/>
-              <a:t>Typewriter hashtag</a:t>
-            </a:r>
-          </a:p>
-          <a:p>
-            <a:pPr lvl="1"/>
-            <a:r>
-              <a:rPr lang="en-US" dirty="0"/>
-              <a:t>Blog intelligentsia</a:t>
-            </a:r>
-          </a:p>
-          <a:p>
-            <a:r>
-              <a:rPr lang="en-US" dirty="0"/>
-              <a:t>Bushwick</a:t>
-            </a:r>
-          </a:p>
-          <a:p>
-            <a:r>
-              <a:rPr lang="en-US" dirty="0"/>
-              <a:t>Activated charcoal 8-bit</a:t>
-            </a:r>
-          </a:p>
-          <a:p>
-            <a:pPr lvl="1"/>
-            <a:r>
-              <a:rPr lang="en-US" dirty="0"/>
-              <a:t>Woke occupy </a:t>
-            </a:r>
-            <a:r>
-              <a:rPr lang="en-US" dirty="0" err="1"/>
-              <a:t>taiyaki</a:t>
-            </a:r>
-            <a:r>
-              <a:rPr lang="en-US" dirty="0"/>
-              <a:t> cred</a:t>
-            </a:r>
-          </a:p>
-          <a:p>
-            <a:r>
-              <a:rPr lang="en-US" dirty="0" err="1"/>
-              <a:t>Fingerstache</a:t>
-            </a:r>
-            <a:r>
-              <a:rPr lang="en-US" dirty="0"/>
-              <a:t> green juice unicorn</a:t>
-            </a:r>
-          </a:p>
-          <a:p>
-            <a:pPr lvl="1"/>
-            <a:r>
-              <a:rPr lang="en-US" dirty="0" err="1"/>
-              <a:t>Meggings</a:t>
-            </a:r>
-            <a:r>
-              <a:rPr lang="en-US" dirty="0"/>
-              <a:t> tilde palo santo affogato hexagon small batch </a:t>
-            </a:r>
-            <a:r>
-              <a:rPr lang="en-US" dirty="0" err="1"/>
-              <a:t>austin</a:t>
-            </a:r>
-            <a:r>
-              <a:rPr lang="en-US" dirty="0"/>
-              <a:t> </a:t>
-            </a:r>
-            <a:r>
-              <a:rPr lang="en-US" dirty="0" err="1"/>
-              <a:t>chicharrones</a:t>
-            </a:r>
-            <a:endParaRPr lang="en-US" dirty="0"/>
-          </a:p>
-        </p:txBody>
-      </p:sp>
-      <p:sp>
-        <p:nvSpPr>
-          <p:cNvPr id="4" name="Title 3">
-            <a:extLst>
-              <a:ext uri="{FF2B5EF4-FFF2-40B4-BE49-F238E27FC236}">
-                <a16:creationId xmlns:a16="http://schemas.microsoft.com/office/drawing/2014/main" id="{FDA6A128-D30D-4F0B-A064-09B6DC7A7F1B}"/>
+                <a16:creationId xmlns:a16="http://schemas.microsoft.com/office/drawing/2014/main" id="{2CFEBE16-0972-41CE-A8FA-A2F80D8FFFBB}"/>
               </a:ext>
             </a:extLst>
           </p:cNvPr>
@@ -7408,34 +7083,33 @@
         </p:nvSpPr>
         <p:spPr>
           <a:xfrm>
-            <a:off x="1066800" y="355078"/>
-            <a:ext cx="10063163" cy="1272756"/>
+            <a:off x="526111" y="206285"/>
+            <a:ext cx="10063163" cy="1137485"/>
           </a:xfrm>
         </p:spPr>
         <p:txBody>
-          <a:bodyPr>
-            <a:normAutofit/>
-          </a:bodyPr>
+          <a:bodyPr/>
           <a:lstStyle/>
           <a:p>
             <a:r>
-              <a:rPr lang="en-US" dirty="0"/>
-              <a:t>TITLE AND TWO COLUMNS </a:t>
+              <a:rPr lang="en-US" sz="3200" dirty="0"/>
+              <a:t>Electric Vehicle Charging on Residential Distribution Systems: Impacts and Mitigation</a:t>
             </a:r>
             <a:br>
-              <a:rPr lang="en-US" dirty="0"/>
+              <a:rPr lang="en-US" sz="3200" dirty="0"/>
             </a:br>
             <a:r>
-              <a:rPr lang="en-US" dirty="0"/>
-              <a:t>OF BULLET POINTS</a:t>
-            </a:r>
+              <a:rPr lang="en-US" sz="1800" b="0" i="1" dirty="0"/>
+              <a:t>Anamika Dubey and Surya Santoso</a:t>
+            </a:r>
+            <a:endParaRPr lang="en-US" sz="3200" b="0" i="1" dirty="0"/>
           </a:p>
         </p:txBody>
       </p:sp>
     </p:spTree>
     <p:extLst>
       <p:ext uri="{BB962C8B-B14F-4D97-AF65-F5344CB8AC3E}">
-        <p14:creationId xmlns:p14="http://schemas.microsoft.com/office/powerpoint/2010/main" val="2524266291"/>
+        <p14:creationId xmlns:p14="http://schemas.microsoft.com/office/powerpoint/2010/main" val="1379508693"/>
       </p:ext>
     </p:extLst>
   </p:cSld>
@@ -7462,308 +7136,10 @@
           <a:chExt cx="0" cy="0"/>
         </a:xfrm>
       </p:grpSpPr>
-      <p:sp>
-        <p:nvSpPr>
-          <p:cNvPr id="2" name="Text Placeholder 1">
-            <a:extLst>
-              <a:ext uri="{FF2B5EF4-FFF2-40B4-BE49-F238E27FC236}">
-                <a16:creationId xmlns:a16="http://schemas.microsoft.com/office/drawing/2014/main" id="{99BB120D-D619-4A22-82D2-6FA82B10B075}"/>
-              </a:ext>
-            </a:extLst>
-          </p:cNvPr>
-          <p:cNvSpPr>
-            <a:spLocks noGrp="1"/>
-          </p:cNvSpPr>
-          <p:nvPr>
-            <p:ph type="body" idx="1"/>
-          </p:nvPr>
-        </p:nvSpPr>
-        <p:spPr>
-          <a:xfrm>
-            <a:off x="1066800" y="1949373"/>
-            <a:ext cx="4537075" cy="806904"/>
-          </a:xfrm>
-        </p:spPr>
-        <p:txBody>
-          <a:bodyPr/>
-          <a:lstStyle/>
-          <a:p>
-            <a:r>
-              <a:rPr lang="en-US" dirty="0"/>
-              <a:t>Subtitle here</a:t>
-            </a:r>
-          </a:p>
-        </p:txBody>
-      </p:sp>
-      <p:sp>
-        <p:nvSpPr>
-          <p:cNvPr id="5" name="Content Placeholder 4">
-            <a:extLst>
-              <a:ext uri="{FF2B5EF4-FFF2-40B4-BE49-F238E27FC236}">
-                <a16:creationId xmlns:a16="http://schemas.microsoft.com/office/drawing/2014/main" id="{CAF4E33B-142F-4A0B-86CF-9E36E699BF1B}"/>
-              </a:ext>
-            </a:extLst>
-          </p:cNvPr>
-          <p:cNvSpPr>
-            <a:spLocks noGrp="1"/>
-          </p:cNvSpPr>
-          <p:nvPr>
-            <p:ph sz="half" idx="2"/>
-          </p:nvPr>
-        </p:nvSpPr>
-        <p:spPr>
-          <a:xfrm>
-            <a:off x="1066800" y="2874659"/>
-            <a:ext cx="4537075" cy="3608620"/>
-          </a:xfrm>
-        </p:spPr>
-        <p:txBody>
-          <a:bodyPr/>
-          <a:lstStyle/>
-          <a:p>
-            <a:r>
-              <a:rPr lang="en-US" dirty="0"/>
-              <a:t>Ramps gluten-free drinking vinegar aesthetic distillery</a:t>
-            </a:r>
-          </a:p>
-          <a:p>
-            <a:pPr lvl="1"/>
-            <a:r>
-              <a:rPr lang="en-US" dirty="0"/>
-              <a:t>Raw denim +1 banjo</a:t>
-            </a:r>
-          </a:p>
-          <a:p>
-            <a:pPr lvl="1"/>
-            <a:r>
-              <a:rPr lang="en-US" dirty="0"/>
-              <a:t>PBR&amp;B </a:t>
-            </a:r>
-            <a:r>
-              <a:rPr lang="en-US" dirty="0" err="1"/>
-              <a:t>lomo</a:t>
-            </a:r>
-            <a:endParaRPr lang="en-US" dirty="0"/>
-          </a:p>
-          <a:p>
-            <a:r>
-              <a:rPr lang="en-US" dirty="0"/>
-              <a:t>Fam vegan organic pickled</a:t>
-            </a:r>
-          </a:p>
-          <a:p>
-            <a:pPr lvl="1"/>
-            <a:r>
-              <a:rPr lang="en-US" dirty="0"/>
-              <a:t>Messenger bag</a:t>
-            </a:r>
-          </a:p>
-          <a:p>
-            <a:r>
-              <a:rPr lang="en-US" dirty="0"/>
-              <a:t>Pop-up cloud bread tofu</a:t>
-            </a:r>
-          </a:p>
-          <a:p>
-            <a:pPr lvl="1"/>
-            <a:r>
-              <a:rPr lang="en-US" dirty="0"/>
-              <a:t>Green juice</a:t>
-            </a:r>
-          </a:p>
-          <a:p>
-            <a:r>
-              <a:rPr lang="en-US" dirty="0"/>
-              <a:t>Actually </a:t>
-            </a:r>
-            <a:r>
-              <a:rPr lang="en-US" dirty="0" err="1"/>
-              <a:t>helvetica</a:t>
-            </a:r>
-            <a:endParaRPr lang="en-US" dirty="0"/>
-          </a:p>
-        </p:txBody>
-      </p:sp>
-      <p:sp>
-        <p:nvSpPr>
-          <p:cNvPr id="3" name="Text Placeholder 2">
-            <a:extLst>
-              <a:ext uri="{FF2B5EF4-FFF2-40B4-BE49-F238E27FC236}">
-                <a16:creationId xmlns:a16="http://schemas.microsoft.com/office/drawing/2014/main" id="{C58DD630-38D3-4531-9AF4-44C6F48CC5C5}"/>
-              </a:ext>
-            </a:extLst>
-          </p:cNvPr>
-          <p:cNvSpPr>
-            <a:spLocks noGrp="1"/>
-          </p:cNvSpPr>
-          <p:nvPr>
-            <p:ph type="body" sz="quarter" idx="3"/>
-          </p:nvPr>
-        </p:nvSpPr>
-        <p:spPr>
-          <a:xfrm>
-            <a:off x="6591301" y="1938488"/>
-            <a:ext cx="4561114" cy="817789"/>
-          </a:xfrm>
-        </p:spPr>
-        <p:txBody>
-          <a:bodyPr/>
-          <a:lstStyle/>
-          <a:p>
-            <a:r>
-              <a:rPr lang="en-US" dirty="0"/>
-              <a:t>Subtitle here</a:t>
-            </a:r>
-          </a:p>
-        </p:txBody>
-      </p:sp>
-      <p:sp>
-        <p:nvSpPr>
-          <p:cNvPr id="6" name="Content Placeholder 5">
-            <a:extLst>
-              <a:ext uri="{FF2B5EF4-FFF2-40B4-BE49-F238E27FC236}">
-                <a16:creationId xmlns:a16="http://schemas.microsoft.com/office/drawing/2014/main" id="{8795B178-DDDF-494B-AC60-2D8C9442C519}"/>
-              </a:ext>
-            </a:extLst>
-          </p:cNvPr>
-          <p:cNvSpPr>
-            <a:spLocks noGrp="1"/>
-          </p:cNvSpPr>
-          <p:nvPr>
-            <p:ph sz="quarter" idx="4"/>
-          </p:nvPr>
-        </p:nvSpPr>
-        <p:spPr>
-          <a:xfrm>
-            <a:off x="6591301" y="2874659"/>
-            <a:ext cx="4535424" cy="3640442"/>
-          </a:xfrm>
-        </p:spPr>
-        <p:txBody>
-          <a:bodyPr/>
-          <a:lstStyle/>
-          <a:p>
-            <a:r>
-              <a:rPr lang="en-US" dirty="0"/>
-              <a:t>Typewriter hashtag</a:t>
-            </a:r>
-          </a:p>
-          <a:p>
-            <a:pPr lvl="1"/>
-            <a:r>
-              <a:rPr lang="en-US" dirty="0"/>
-              <a:t>Blog intelligentsia</a:t>
-            </a:r>
-          </a:p>
-          <a:p>
-            <a:r>
-              <a:rPr lang="en-US" dirty="0"/>
-              <a:t>Bushwick</a:t>
-            </a:r>
-          </a:p>
-          <a:p>
-            <a:r>
-              <a:rPr lang="en-US" dirty="0"/>
-              <a:t>Activated charcoal 8-bit</a:t>
-            </a:r>
-          </a:p>
-          <a:p>
-            <a:pPr lvl="1"/>
-            <a:r>
-              <a:rPr lang="en-US" dirty="0"/>
-              <a:t>Woke occupy </a:t>
-            </a:r>
-            <a:r>
-              <a:rPr lang="en-US" dirty="0" err="1"/>
-              <a:t>taiyaki</a:t>
-            </a:r>
-            <a:r>
-              <a:rPr lang="en-US" dirty="0"/>
-              <a:t> cred</a:t>
-            </a:r>
-          </a:p>
-          <a:p>
-            <a:r>
-              <a:rPr lang="en-US" dirty="0" err="1"/>
-              <a:t>Fingerstache</a:t>
-            </a:r>
-            <a:r>
-              <a:rPr lang="en-US" dirty="0"/>
-              <a:t> green juice unicorn</a:t>
-            </a:r>
-          </a:p>
-          <a:p>
-            <a:pPr lvl="1"/>
-            <a:r>
-              <a:rPr lang="en-US" dirty="0" err="1"/>
-              <a:t>Meggings</a:t>
-            </a:r>
-            <a:r>
-              <a:rPr lang="en-US" dirty="0"/>
-              <a:t> tilde palo santo affogato hexagon small batch </a:t>
-            </a:r>
-            <a:r>
-              <a:rPr lang="en-US" dirty="0" err="1"/>
-              <a:t>austin</a:t>
-            </a:r>
-            <a:r>
-              <a:rPr lang="en-US" dirty="0"/>
-              <a:t> </a:t>
-            </a:r>
-            <a:r>
-              <a:rPr lang="en-US" dirty="0" err="1"/>
-              <a:t>chicharrones</a:t>
-            </a:r>
-            <a:endParaRPr lang="en-US" dirty="0"/>
-          </a:p>
-        </p:txBody>
-      </p:sp>
-      <p:sp>
-        <p:nvSpPr>
-          <p:cNvPr id="4" name="Title 3">
-            <a:extLst>
-              <a:ext uri="{FF2B5EF4-FFF2-40B4-BE49-F238E27FC236}">
-                <a16:creationId xmlns:a16="http://schemas.microsoft.com/office/drawing/2014/main" id="{FDA6A128-D30D-4F0B-A064-09B6DC7A7F1B}"/>
-              </a:ext>
-            </a:extLst>
-          </p:cNvPr>
-          <p:cNvSpPr>
-            <a:spLocks noGrp="1"/>
-          </p:cNvSpPr>
-          <p:nvPr>
-            <p:ph type="title"/>
-          </p:nvPr>
-        </p:nvSpPr>
-        <p:spPr>
-          <a:xfrm>
-            <a:off x="1066800" y="355078"/>
-            <a:ext cx="10063163" cy="1272756"/>
-          </a:xfrm>
-        </p:spPr>
-        <p:txBody>
-          <a:bodyPr>
-            <a:normAutofit/>
-          </a:bodyPr>
-          <a:lstStyle/>
-          <a:p>
-            <a:r>
-              <a:rPr lang="en-US" dirty="0"/>
-              <a:t>TITLE AND TWO COLUMNS </a:t>
-            </a:r>
-            <a:br>
-              <a:rPr lang="en-US" dirty="0"/>
-            </a:br>
-            <a:r>
-              <a:rPr lang="en-US" dirty="0"/>
-              <a:t>OF BULLET POINTS</a:t>
-            </a:r>
-          </a:p>
-        </p:txBody>
-      </p:sp>
     </p:spTree>
     <p:extLst>
       <p:ext uri="{BB962C8B-B14F-4D97-AF65-F5344CB8AC3E}">
-        <p14:creationId xmlns:p14="http://schemas.microsoft.com/office/powerpoint/2010/main" val="2829197193"/>
+        <p14:creationId xmlns:p14="http://schemas.microsoft.com/office/powerpoint/2010/main" val="1059548903"/>
       </p:ext>
     </p:extLst>
   </p:cSld>
@@ -7792,10 +7168,10 @@
       </p:grpSpPr>
       <p:sp>
         <p:nvSpPr>
-          <p:cNvPr id="2" name="Title 1">
+          <p:cNvPr id="34" name="Title 33">
             <a:extLst>
               <a:ext uri="{FF2B5EF4-FFF2-40B4-BE49-F238E27FC236}">
-                <a16:creationId xmlns:a16="http://schemas.microsoft.com/office/drawing/2014/main" id="{A3921E37-22FC-4845-87EE-5CDDC7718273}"/>
+                <a16:creationId xmlns:a16="http://schemas.microsoft.com/office/drawing/2014/main" id="{8AC96926-49B1-4DFB-A717-827828860CC4}"/>
               </a:ext>
             </a:extLst>
           </p:cNvPr>
@@ -7808,8 +7184,8 @@
         </p:nvSpPr>
         <p:spPr>
           <a:xfrm>
-            <a:off x="1066800" y="355078"/>
-            <a:ext cx="10063163" cy="1272756"/>
+            <a:off x="1079404" y="627807"/>
+            <a:ext cx="7171757" cy="1272756"/>
           </a:xfrm>
         </p:spPr>
         <p:txBody>
@@ -7818,7 +7194,50 @@
           <a:p>
             <a:r>
               <a:rPr lang="en-US" dirty="0"/>
-              <a:t>TITLE ADD YOUR GRAPHICS</a:t>
+              <a:t>LOCA VORE CARDIGAN SHORTS CHARTREUSE</a:t>
+            </a:r>
+          </a:p>
+        </p:txBody>
+      </p:sp>
+      <p:sp>
+        <p:nvSpPr>
+          <p:cNvPr id="6" name="Content Placeholder 5">
+            <a:extLst>
+              <a:ext uri="{FF2B5EF4-FFF2-40B4-BE49-F238E27FC236}">
+                <a16:creationId xmlns:a16="http://schemas.microsoft.com/office/drawing/2014/main" id="{F79BD561-90E0-4007-A8CB-DAF84D917E20}"/>
+              </a:ext>
+            </a:extLst>
+          </p:cNvPr>
+          <p:cNvSpPr>
+            <a:spLocks noGrp="1"/>
+          </p:cNvSpPr>
+          <p:nvPr>
+            <p:ph type="body" sz="quarter" idx="13"/>
+          </p:nvPr>
+        </p:nvSpPr>
+        <p:spPr>
+          <a:xfrm>
+            <a:off x="1079404" y="2469732"/>
+            <a:ext cx="5264150" cy="4041599"/>
+          </a:xfrm>
+        </p:spPr>
+        <p:txBody>
+          <a:bodyPr>
+            <a:spAutoFit/>
+          </a:bodyPr>
+          <a:lstStyle/>
+          <a:p>
+            <a:r>
+              <a:rPr lang="en-US" dirty="0"/>
+              <a:t>Banh mi polaroid church-key skateboard gastropub, you probably haven't heard of them cardigan tofu hoodie. Health goth literally chartreuse, fixie hashtag hexagon humblebrag heirloom fashion axe </a:t>
+            </a:r>
+            <a:r>
+              <a:rPr lang="en-US" dirty="0" err="1"/>
+              <a:t>chicharrones</a:t>
+            </a:r>
+            <a:r>
+              <a:rPr lang="en-US" dirty="0"/>
+              <a:t>.</a:t>
             </a:r>
           </a:p>
         </p:txBody>
@@ -7826,7 +7245,7 @@
     </p:spTree>
     <p:extLst>
       <p:ext uri="{BB962C8B-B14F-4D97-AF65-F5344CB8AC3E}">
-        <p14:creationId xmlns:p14="http://schemas.microsoft.com/office/powerpoint/2010/main" val="558608459"/>
+        <p14:creationId xmlns:p14="http://schemas.microsoft.com/office/powerpoint/2010/main" val="1781137045"/>
       </p:ext>
     </p:extLst>
   </p:cSld>
@@ -7853,10 +7272,552 @@
           <a:chExt cx="0" cy="0"/>
         </a:xfrm>
       </p:grpSpPr>
+      <p:sp>
+        <p:nvSpPr>
+          <p:cNvPr id="34" name="Title 33">
+            <a:extLst>
+              <a:ext uri="{FF2B5EF4-FFF2-40B4-BE49-F238E27FC236}">
+                <a16:creationId xmlns:a16="http://schemas.microsoft.com/office/drawing/2014/main" id="{8AC96926-49B1-4DFB-A717-827828860CC4}"/>
+              </a:ext>
+            </a:extLst>
+          </p:cNvPr>
+          <p:cNvSpPr>
+            <a:spLocks noGrp="1"/>
+          </p:cNvSpPr>
+          <p:nvPr>
+            <p:ph type="title"/>
+          </p:nvPr>
+        </p:nvSpPr>
+        <p:spPr>
+          <a:xfrm>
+            <a:off x="1294089" y="324901"/>
+            <a:ext cx="5578468" cy="553998"/>
+          </a:xfrm>
+        </p:spPr>
+        <p:txBody>
+          <a:bodyPr/>
+          <a:lstStyle/>
+          <a:p>
+            <a:r>
+              <a:rPr lang="en-US" dirty="0"/>
+              <a:t>References </a:t>
+            </a:r>
+            <a:r>
+              <a:rPr lang="en-US" sz="1600" dirty="0"/>
+              <a:t>(not in order)</a:t>
+            </a:r>
+            <a:endParaRPr lang="en-US" dirty="0"/>
+          </a:p>
+        </p:txBody>
+      </p:sp>
+      <p:sp>
+        <p:nvSpPr>
+          <p:cNvPr id="6" name="Content Placeholder 5">
+            <a:extLst>
+              <a:ext uri="{FF2B5EF4-FFF2-40B4-BE49-F238E27FC236}">
+                <a16:creationId xmlns:a16="http://schemas.microsoft.com/office/drawing/2014/main" id="{F79BD561-90E0-4007-A8CB-DAF84D917E20}"/>
+              </a:ext>
+            </a:extLst>
+          </p:cNvPr>
+          <p:cNvSpPr>
+            <a:spLocks noGrp="1"/>
+          </p:cNvSpPr>
+          <p:nvPr>
+            <p:ph type="body" sz="quarter" idx="13"/>
+          </p:nvPr>
+        </p:nvSpPr>
+        <p:spPr>
+          <a:xfrm>
+            <a:off x="1210123" y="1119528"/>
+            <a:ext cx="10231804" cy="7794954"/>
+          </a:xfrm>
+        </p:spPr>
+        <p:txBody>
+          <a:bodyPr wrap="square">
+            <a:spAutoFit/>
+          </a:bodyPr>
+          <a:lstStyle/>
+          <a:p>
+            <a:pPr marL="457200" indent="-457200">
+              <a:buAutoNum type="arabicPeriod"/>
+            </a:pPr>
+            <a:r>
+              <a:rPr lang="en-US" i="1" dirty="0">
+                <a:solidFill>
+                  <a:schemeClr val="accent4">
+                    <a:lumMod val="60000"/>
+                    <a:lumOff val="40000"/>
+                  </a:schemeClr>
+                </a:solidFill>
+                <a:hlinkClick r:id="rId2">
+                  <a:extLst>
+                    <a:ext uri="{A12FA001-AC4F-418D-AE19-62706E023703}">
+                      <ahyp:hlinkClr xmlns:ahyp="http://schemas.microsoft.com/office/drawing/2018/hyperlinkcolor" val="tx"/>
+                    </a:ext>
+                  </a:extLst>
+                </a:hlinkClick>
+              </a:rPr>
+              <a:t>CTU Prague Optimal and Robust Control -</a:t>
+            </a:r>
+            <a:r>
+              <a:rPr lang="en-US" dirty="0">
+                <a:solidFill>
+                  <a:schemeClr val="accent4">
+                    <a:lumMod val="60000"/>
+                    <a:lumOff val="40000"/>
+                  </a:schemeClr>
+                </a:solidFill>
+                <a:hlinkClick r:id="rId2">
+                  <a:extLst>
+                    <a:ext uri="{A12FA001-AC4F-418D-AE19-62706E023703}">
+                      <ahyp:hlinkClr xmlns:ahyp="http://schemas.microsoft.com/office/drawing/2018/hyperlinkcolor" val="tx"/>
+                    </a:ext>
+                  </a:extLst>
+                </a:hlinkClick>
+              </a:rPr>
+              <a:t> L5.1 - Introduction to dynamic programming and its application to discrete-time optimal control </a:t>
+            </a:r>
+            <a:endParaRPr lang="en-US" dirty="0">
+              <a:solidFill>
+                <a:schemeClr val="accent4">
+                  <a:lumMod val="60000"/>
+                  <a:lumOff val="40000"/>
+                </a:schemeClr>
+              </a:solidFill>
+            </a:endParaRPr>
+          </a:p>
+          <a:p>
+            <a:pPr marL="457200" indent="-457200">
+              <a:buFont typeface="Arial" panose="020B0604020202020204" pitchFamily="34" charset="0"/>
+              <a:buAutoNum type="arabicPeriod"/>
+            </a:pPr>
+            <a:r>
+              <a:rPr lang="en-US" i="1" dirty="0">
+                <a:solidFill>
+                  <a:schemeClr val="accent5">
+                    <a:lumMod val="60000"/>
+                    <a:lumOff val="40000"/>
+                  </a:schemeClr>
+                </a:solidFill>
+                <a:hlinkClick r:id="rId3">
+                  <a:extLst>
+                    <a:ext uri="{A12FA001-AC4F-418D-AE19-62706E023703}">
+                      <ahyp:hlinkClr xmlns:ahyp="http://schemas.microsoft.com/office/drawing/2018/hyperlinkcolor" val="tx"/>
+                    </a:ext>
+                  </a:extLst>
+                </a:hlinkClick>
+              </a:rPr>
+              <a:t>The Julia Programming Language - </a:t>
+            </a:r>
+            <a:r>
+              <a:rPr lang="en-US" dirty="0">
+                <a:solidFill>
+                  <a:schemeClr val="accent5">
+                    <a:lumMod val="60000"/>
+                    <a:lumOff val="40000"/>
+                  </a:schemeClr>
+                </a:solidFill>
+                <a:hlinkClick r:id="rId3">
+                  <a:extLst>
+                    <a:ext uri="{A12FA001-AC4F-418D-AE19-62706E023703}">
+                      <ahyp:hlinkClr xmlns:ahyp="http://schemas.microsoft.com/office/drawing/2018/hyperlinkcolor" val="tx"/>
+                    </a:ext>
+                  </a:extLst>
+                </a:hlinkClick>
+              </a:rPr>
+              <a:t>Dynamic Programming and Seam Carving | MIT Computational Thinking Spring 2021 | Lecture 6 </a:t>
+            </a:r>
+            <a:endParaRPr lang="en-US" dirty="0">
+              <a:solidFill>
+                <a:schemeClr val="accent5">
+                  <a:lumMod val="60000"/>
+                  <a:lumOff val="40000"/>
+                </a:schemeClr>
+              </a:solidFill>
+            </a:endParaRPr>
+          </a:p>
+          <a:p>
+            <a:pPr marL="457200" indent="-457200">
+              <a:buFont typeface="Arial" panose="020B0604020202020204" pitchFamily="34" charset="0"/>
+              <a:buAutoNum type="arabicPeriod"/>
+            </a:pPr>
+            <a:r>
+              <a:rPr lang="en-US" i="1" dirty="0">
+                <a:solidFill>
+                  <a:schemeClr val="accent4">
+                    <a:lumMod val="60000"/>
+                    <a:lumOff val="40000"/>
+                  </a:schemeClr>
+                </a:solidFill>
+                <a:hlinkClick r:id="rId4">
+                  <a:extLst>
+                    <a:ext uri="{A12FA001-AC4F-418D-AE19-62706E023703}">
+                      <ahyp:hlinkClr xmlns:ahyp="http://schemas.microsoft.com/office/drawing/2018/hyperlinkcolor" val="tx"/>
+                    </a:ext>
+                  </a:extLst>
+                </a:hlinkClick>
+              </a:rPr>
+              <a:t>Hu et al. (2016)</a:t>
+            </a:r>
+            <a:r>
+              <a:rPr lang="en-US" b="1" dirty="0">
+                <a:solidFill>
+                  <a:schemeClr val="accent4">
+                    <a:lumMod val="60000"/>
+                    <a:lumOff val="40000"/>
+                  </a:schemeClr>
+                </a:solidFill>
+                <a:hlinkClick r:id="rId4">
+                  <a:extLst>
+                    <a:ext uri="{A12FA001-AC4F-418D-AE19-62706E023703}">
+                      <ahyp:hlinkClr xmlns:ahyp="http://schemas.microsoft.com/office/drawing/2018/hyperlinkcolor" val="tx"/>
+                    </a:ext>
+                  </a:extLst>
+                </a:hlinkClick>
+              </a:rPr>
+              <a:t> - </a:t>
+            </a:r>
+            <a:r>
+              <a:rPr lang="en-US" dirty="0">
+                <a:solidFill>
+                  <a:schemeClr val="accent4">
+                    <a:lumMod val="60000"/>
+                    <a:lumOff val="40000"/>
+                  </a:schemeClr>
+                </a:solidFill>
+                <a:hlinkClick r:id="rId4">
+                  <a:extLst>
+                    <a:ext uri="{A12FA001-AC4F-418D-AE19-62706E023703}">
+                      <ahyp:hlinkClr xmlns:ahyp="http://schemas.microsoft.com/office/drawing/2018/hyperlinkcolor" val="tx"/>
+                    </a:ext>
+                  </a:extLst>
+                </a:hlinkClick>
+              </a:rPr>
+              <a:t>A Dynamic Programming based method for optimizing power system restoration with high wind power penetration</a:t>
+            </a:r>
+            <a:endParaRPr lang="en-US" dirty="0">
+              <a:solidFill>
+                <a:schemeClr val="accent4">
+                  <a:lumMod val="60000"/>
+                  <a:lumOff val="40000"/>
+                </a:schemeClr>
+              </a:solidFill>
+            </a:endParaRPr>
+          </a:p>
+          <a:p>
+            <a:pPr marL="457200" indent="-457200">
+              <a:buFont typeface="Arial" panose="020B0604020202020204" pitchFamily="34" charset="0"/>
+              <a:buAutoNum type="arabicPeriod"/>
+            </a:pPr>
+            <a:r>
+              <a:rPr lang="en-US" i="1" dirty="0">
+                <a:solidFill>
+                  <a:schemeClr val="accent5">
+                    <a:lumMod val="60000"/>
+                    <a:lumOff val="40000"/>
+                  </a:schemeClr>
+                </a:solidFill>
+                <a:hlinkClick r:id="rId5">
+                  <a:extLst>
+                    <a:ext uri="{A12FA001-AC4F-418D-AE19-62706E023703}">
+                      <ahyp:hlinkClr xmlns:ahyp="http://schemas.microsoft.com/office/drawing/2018/hyperlinkcolor" val="tx"/>
+                    </a:ext>
+                  </a:extLst>
+                </a:hlinkClick>
+              </a:rPr>
+              <a:t>Guerrero, </a:t>
+            </a:r>
+            <a:r>
+              <a:rPr lang="en-US" i="1" dirty="0" err="1">
+                <a:solidFill>
+                  <a:schemeClr val="accent5">
+                    <a:lumMod val="60000"/>
+                    <a:lumOff val="40000"/>
+                  </a:schemeClr>
+                </a:solidFill>
+                <a:hlinkClick r:id="rId5">
+                  <a:extLst>
+                    <a:ext uri="{A12FA001-AC4F-418D-AE19-62706E023703}">
+                      <ahyp:hlinkClr xmlns:ahyp="http://schemas.microsoft.com/office/drawing/2018/hyperlinkcolor" val="tx"/>
+                    </a:ext>
+                  </a:extLst>
+                </a:hlinkClick>
+              </a:rPr>
+              <a:t>Heydt</a:t>
+            </a:r>
+            <a:r>
+              <a:rPr lang="en-US" i="1" dirty="0">
+                <a:solidFill>
+                  <a:schemeClr val="accent5">
+                    <a:lumMod val="60000"/>
+                    <a:lumOff val="40000"/>
+                  </a:schemeClr>
+                </a:solidFill>
+                <a:hlinkClick r:id="rId5">
+                  <a:extLst>
+                    <a:ext uri="{A12FA001-AC4F-418D-AE19-62706E023703}">
+                      <ahyp:hlinkClr xmlns:ahyp="http://schemas.microsoft.com/office/drawing/2018/hyperlinkcolor" val="tx"/>
+                    </a:ext>
+                  </a:extLst>
+                </a:hlinkClick>
+              </a:rPr>
+              <a:t> et al (2008) </a:t>
+            </a:r>
+            <a:r>
+              <a:rPr lang="en-US" dirty="0">
+                <a:solidFill>
+                  <a:schemeClr val="accent5">
+                    <a:lumMod val="60000"/>
+                    <a:lumOff val="40000"/>
+                  </a:schemeClr>
+                </a:solidFill>
+                <a:hlinkClick r:id="rId5">
+                  <a:extLst>
+                    <a:ext uri="{A12FA001-AC4F-418D-AE19-62706E023703}">
+                      <ahyp:hlinkClr xmlns:ahyp="http://schemas.microsoft.com/office/drawing/2018/hyperlinkcolor" val="tx"/>
+                    </a:ext>
+                  </a:extLst>
+                </a:hlinkClick>
+              </a:rPr>
+              <a:t>- Optimal Restoration of Distribution Systems Using Dynamic Programming</a:t>
+            </a:r>
+            <a:endParaRPr lang="en-US" dirty="0">
+              <a:solidFill>
+                <a:schemeClr val="accent5">
+                  <a:lumMod val="60000"/>
+                  <a:lumOff val="40000"/>
+                </a:schemeClr>
+              </a:solidFill>
+            </a:endParaRPr>
+          </a:p>
+          <a:p>
+            <a:pPr marL="457200" indent="-457200">
+              <a:buFont typeface="Arial" panose="020B0604020202020204" pitchFamily="34" charset="0"/>
+              <a:buAutoNum type="arabicPeriod"/>
+            </a:pPr>
+            <a:r>
+              <a:rPr lang="en-US" i="1" dirty="0">
+                <a:solidFill>
+                  <a:schemeClr val="accent4">
+                    <a:lumMod val="60000"/>
+                    <a:lumOff val="40000"/>
+                  </a:schemeClr>
+                </a:solidFill>
+                <a:hlinkClick r:id="rId6">
+                  <a:extLst>
+                    <a:ext uri="{A12FA001-AC4F-418D-AE19-62706E023703}">
+                      <ahyp:hlinkClr xmlns:ahyp="http://schemas.microsoft.com/office/drawing/2018/hyperlinkcolor" val="tx"/>
+                    </a:ext>
+                  </a:extLst>
+                </a:hlinkClick>
+              </a:rPr>
+              <a:t>Anamika Dubey, Surya Santoso (2015)</a:t>
+            </a:r>
+            <a:r>
+              <a:rPr lang="en-US" dirty="0">
+                <a:solidFill>
+                  <a:schemeClr val="accent4">
+                    <a:lumMod val="60000"/>
+                    <a:lumOff val="40000"/>
+                  </a:schemeClr>
+                </a:solidFill>
+                <a:hlinkClick r:id="rId6">
+                  <a:extLst>
+                    <a:ext uri="{A12FA001-AC4F-418D-AE19-62706E023703}">
+                      <ahyp:hlinkClr xmlns:ahyp="http://schemas.microsoft.com/office/drawing/2018/hyperlinkcolor" val="tx"/>
+                    </a:ext>
+                  </a:extLst>
+                </a:hlinkClick>
+              </a:rPr>
+              <a:t> - Electric Vehicle Charging on Residential Distribution Systems: Impacts and Mitigations</a:t>
+            </a:r>
+            <a:endParaRPr lang="en-US" dirty="0">
+              <a:solidFill>
+                <a:schemeClr val="accent4">
+                  <a:lumMod val="60000"/>
+                  <a:lumOff val="40000"/>
+                </a:schemeClr>
+              </a:solidFill>
+            </a:endParaRPr>
+          </a:p>
+          <a:p>
+            <a:pPr marL="457200" indent="-457200">
+              <a:buFont typeface="Arial" panose="020B0604020202020204" pitchFamily="34" charset="0"/>
+              <a:buAutoNum type="arabicPeriod"/>
+            </a:pPr>
+            <a:r>
+              <a:rPr lang="en-US" i="1" dirty="0">
+                <a:solidFill>
+                  <a:schemeClr val="accent5">
+                    <a:lumMod val="60000"/>
+                    <a:lumOff val="40000"/>
+                  </a:schemeClr>
+                </a:solidFill>
+                <a:hlinkClick r:id="rId7">
+                  <a:extLst>
+                    <a:ext uri="{A12FA001-AC4F-418D-AE19-62706E023703}">
+                      <ahyp:hlinkClr xmlns:ahyp="http://schemas.microsoft.com/office/drawing/2018/hyperlinkcolor" val="tx"/>
+                    </a:ext>
+                  </a:extLst>
+                </a:hlinkClick>
+              </a:rPr>
+              <a:t>freeCodeCamp.org </a:t>
+            </a:r>
+            <a:r>
+              <a:rPr lang="en-US" dirty="0">
+                <a:solidFill>
+                  <a:schemeClr val="accent5">
+                    <a:lumMod val="60000"/>
+                    <a:lumOff val="40000"/>
+                  </a:schemeClr>
+                </a:solidFill>
+                <a:hlinkClick r:id="rId7">
+                  <a:extLst>
+                    <a:ext uri="{A12FA001-AC4F-418D-AE19-62706E023703}">
+                      <ahyp:hlinkClr xmlns:ahyp="http://schemas.microsoft.com/office/drawing/2018/hyperlinkcolor" val="tx"/>
+                    </a:ext>
+                  </a:extLst>
+                </a:hlinkClick>
+              </a:rPr>
+              <a:t>- Dynamic Programming - Learn to Solve Algorithmic Problems &amp; Coding Challenges</a:t>
+            </a:r>
+            <a:r>
+              <a:rPr lang="en-US" dirty="0">
+                <a:solidFill>
+                  <a:schemeClr val="accent5">
+                    <a:lumMod val="60000"/>
+                    <a:lumOff val="40000"/>
+                  </a:schemeClr>
+                </a:solidFill>
+              </a:rPr>
+              <a:t> </a:t>
+            </a:r>
+          </a:p>
+          <a:p>
+            <a:pPr marL="457200" indent="-457200">
+              <a:buFont typeface="Arial" panose="020B0604020202020204" pitchFamily="34" charset="0"/>
+              <a:buAutoNum type="arabicPeriod"/>
+            </a:pPr>
+            <a:r>
+              <a:rPr lang="en-US" i="1" dirty="0">
+                <a:solidFill>
+                  <a:schemeClr val="accent4">
+                    <a:lumMod val="60000"/>
+                    <a:lumOff val="40000"/>
+                  </a:schemeClr>
+                </a:solidFill>
+                <a:hlinkClick r:id="rId8">
+                  <a:extLst>
+                    <a:ext uri="{A12FA001-AC4F-418D-AE19-62706E023703}">
+                      <ahyp:hlinkClr xmlns:ahyp="http://schemas.microsoft.com/office/drawing/2018/hyperlinkcolor" val="tx"/>
+                    </a:ext>
+                  </a:extLst>
+                </a:hlinkClick>
+              </a:rPr>
+              <a:t>Johan </a:t>
+            </a:r>
+            <a:r>
+              <a:rPr lang="en-US" i="1" dirty="0" err="1">
+                <a:solidFill>
+                  <a:schemeClr val="accent4">
+                    <a:lumMod val="60000"/>
+                    <a:lumOff val="40000"/>
+                  </a:schemeClr>
+                </a:solidFill>
+                <a:hlinkClick r:id="rId8">
+                  <a:extLst>
+                    <a:ext uri="{A12FA001-AC4F-418D-AE19-62706E023703}">
+                      <ahyp:hlinkClr xmlns:ahyp="http://schemas.microsoft.com/office/drawing/2018/hyperlinkcolor" val="tx"/>
+                    </a:ext>
+                  </a:extLst>
+                </a:hlinkClick>
+              </a:rPr>
+              <a:t>Driesen</a:t>
+            </a:r>
+            <a:r>
+              <a:rPr lang="en-US" i="1" dirty="0">
+                <a:solidFill>
+                  <a:schemeClr val="accent4">
+                    <a:lumMod val="60000"/>
+                    <a:lumOff val="40000"/>
+                  </a:schemeClr>
+                </a:solidFill>
+                <a:hlinkClick r:id="rId8">
+                  <a:extLst>
+                    <a:ext uri="{A12FA001-AC4F-418D-AE19-62706E023703}">
+                      <ahyp:hlinkClr xmlns:ahyp="http://schemas.microsoft.com/office/drawing/2018/hyperlinkcolor" val="tx"/>
+                    </a:ext>
+                  </a:extLst>
+                </a:hlinkClick>
+              </a:rPr>
+              <a:t> et al (KU Leuven, 2009)</a:t>
+            </a:r>
+            <a:r>
+              <a:rPr lang="en-US" dirty="0">
+                <a:solidFill>
+                  <a:schemeClr val="accent4">
+                    <a:lumMod val="60000"/>
+                    <a:lumOff val="40000"/>
+                  </a:schemeClr>
+                </a:solidFill>
+                <a:hlinkClick r:id="rId8">
+                  <a:extLst>
+                    <a:ext uri="{A12FA001-AC4F-418D-AE19-62706E023703}">
+                      <ahyp:hlinkClr xmlns:ahyp="http://schemas.microsoft.com/office/drawing/2018/hyperlinkcolor" val="tx"/>
+                    </a:ext>
+                  </a:extLst>
+                </a:hlinkClick>
+              </a:rPr>
+              <a:t> - The Impact of Charging Plug-In Hybrid Electric Vehicles on a Residential Distribution Grid</a:t>
+            </a:r>
+            <a:endParaRPr lang="en-US" dirty="0">
+              <a:solidFill>
+                <a:schemeClr val="accent4">
+                  <a:lumMod val="60000"/>
+                  <a:lumOff val="40000"/>
+                </a:schemeClr>
+              </a:solidFill>
+            </a:endParaRPr>
+          </a:p>
+          <a:p>
+            <a:pPr marL="457200" indent="-457200">
+              <a:buFont typeface="Arial" panose="020B0604020202020204" pitchFamily="34" charset="0"/>
+              <a:buAutoNum type="arabicPeriod"/>
+            </a:pPr>
+            <a:endParaRPr lang="en-US" dirty="0">
+              <a:solidFill>
+                <a:schemeClr val="accent4">
+                  <a:lumMod val="60000"/>
+                  <a:lumOff val="40000"/>
+                </a:schemeClr>
+              </a:solidFill>
+            </a:endParaRPr>
+          </a:p>
+          <a:p>
+            <a:pPr marL="457200" indent="-457200">
+              <a:buFont typeface="Arial" panose="020B0604020202020204" pitchFamily="34" charset="0"/>
+              <a:buAutoNum type="arabicPeriod"/>
+            </a:pPr>
+            <a:endParaRPr lang="en-US" dirty="0"/>
+          </a:p>
+          <a:p>
+            <a:pPr marL="457200" indent="-457200">
+              <a:buAutoNum type="arabicPeriod"/>
+            </a:pPr>
+            <a:endParaRPr lang="en-US" dirty="0"/>
+          </a:p>
+          <a:p>
+            <a:endParaRPr lang="en-US" b="1" dirty="0"/>
+          </a:p>
+          <a:p>
+            <a:endParaRPr lang="en-US" dirty="0"/>
+          </a:p>
+        </p:txBody>
+      </p:sp>
     </p:spTree>
     <p:extLst>
       <p:ext uri="{BB962C8B-B14F-4D97-AF65-F5344CB8AC3E}">
-        <p14:creationId xmlns:p14="http://schemas.microsoft.com/office/powerpoint/2010/main" val="1059548903"/>
+        <p14:creationId xmlns:p14="http://schemas.microsoft.com/office/powerpoint/2010/main" val="1767751549"/>
       </p:ext>
     </p:extLst>
   </p:cSld>

--- a/research_showcase/dynamicProgramming_aryan_ritwajeet_jha.pptx
+++ b/research_showcase/dynamicProgramming_aryan_ritwajeet_jha.pptx
@@ -5,10 +5,10 @@
     <p:sldMasterId id="2147483686" r:id="rId1"/>
   </p:sldMasterIdLst>
   <p:notesMasterIdLst>
-    <p:notesMasterId r:id="rId12"/>
+    <p:notesMasterId r:id="rId11"/>
   </p:notesMasterIdLst>
   <p:handoutMasterIdLst>
-    <p:handoutMasterId r:id="rId13"/>
+    <p:handoutMasterId r:id="rId12"/>
   </p:handoutMasterIdLst>
   <p:sldIdLst>
     <p:sldId id="257" r:id="rId2"/>
@@ -17,10 +17,9 @@
     <p:sldId id="282" r:id="rId5"/>
     <p:sldId id="281" r:id="rId6"/>
     <p:sldId id="283" r:id="rId7"/>
-    <p:sldId id="267" r:id="rId8"/>
-    <p:sldId id="277" r:id="rId9"/>
+    <p:sldId id="284" r:id="rId8"/>
+    <p:sldId id="285" r:id="rId9"/>
     <p:sldId id="270" r:id="rId10"/>
-    <p:sldId id="273" r:id="rId11"/>
   </p:sldIdLst>
   <p:sldSz cx="12192000" cy="6858000"/>
   <p:notesSz cx="6858000" cy="9144000"/>
@@ -6251,112 +6250,6 @@
 </p:sld>
 </file>
 
-<file path=ppt/slides/slide10.xml><?xml version="1.0" encoding="utf-8"?>
-<p:sld xmlns:a="http://schemas.openxmlformats.org/drawingml/2006/main" xmlns:r="http://schemas.openxmlformats.org/officeDocument/2006/relationships" xmlns:p="http://schemas.openxmlformats.org/presentationml/2006/main">
-  <p:cSld>
-    <p:spTree>
-      <p:nvGrpSpPr>
-        <p:cNvPr id="1" name=""/>
-        <p:cNvGrpSpPr/>
-        <p:nvPr/>
-      </p:nvGrpSpPr>
-      <p:grpSpPr>
-        <a:xfrm>
-          <a:off x="0" y="0"/>
-          <a:ext cx="0" cy="0"/>
-          <a:chOff x="0" y="0"/>
-          <a:chExt cx="0" cy="0"/>
-        </a:xfrm>
-      </p:grpSpPr>
-      <p:sp>
-        <p:nvSpPr>
-          <p:cNvPr id="34" name="Title 33">
-            <a:extLst>
-              <a:ext uri="{FF2B5EF4-FFF2-40B4-BE49-F238E27FC236}">
-                <a16:creationId xmlns:a16="http://schemas.microsoft.com/office/drawing/2014/main" id="{8AC96926-49B1-4DFB-A717-827828860CC4}"/>
-              </a:ext>
-            </a:extLst>
-          </p:cNvPr>
-          <p:cNvSpPr>
-            <a:spLocks noGrp="1"/>
-          </p:cNvSpPr>
-          <p:nvPr>
-            <p:ph type="title"/>
-          </p:nvPr>
-        </p:nvSpPr>
-        <p:spPr>
-          <a:xfrm>
-            <a:off x="1079404" y="920635"/>
-            <a:ext cx="8691516" cy="1329595"/>
-          </a:xfrm>
-        </p:spPr>
-        <p:txBody>
-          <a:bodyPr/>
-          <a:lstStyle/>
-          <a:p>
-            <a:r>
-              <a:rPr lang="en-US" dirty="0"/>
-              <a:t>LOCA VORE CARDIGAN SHORTS CHARTREUSE</a:t>
-            </a:r>
-          </a:p>
-        </p:txBody>
-      </p:sp>
-      <p:sp>
-        <p:nvSpPr>
-          <p:cNvPr id="6" name="Content Placeholder 5">
-            <a:extLst>
-              <a:ext uri="{FF2B5EF4-FFF2-40B4-BE49-F238E27FC236}">
-                <a16:creationId xmlns:a16="http://schemas.microsoft.com/office/drawing/2014/main" id="{F79BD561-90E0-4007-A8CB-DAF84D917E20}"/>
-              </a:ext>
-            </a:extLst>
-          </p:cNvPr>
-          <p:cNvSpPr>
-            <a:spLocks noGrp="1"/>
-          </p:cNvSpPr>
-          <p:nvPr>
-            <p:ph type="body" sz="quarter" idx="13"/>
-          </p:nvPr>
-        </p:nvSpPr>
-        <p:spPr>
-          <a:xfrm>
-            <a:off x="2504210" y="3140123"/>
-            <a:ext cx="7190508" cy="2997441"/>
-          </a:xfrm>
-        </p:spPr>
-        <p:txBody>
-          <a:bodyPr>
-            <a:spAutoFit/>
-          </a:bodyPr>
-          <a:lstStyle/>
-          <a:p>
-            <a:r>
-              <a:rPr lang="en-US" dirty="0"/>
-              <a:t>Banh mi polaroid church-key skateboard gastropub, you probably haven't heard of them cardigan tofu hoodie. Health goth literally chartreuse, fixie hashtag hexagon humblebrag heirloom fashion axe </a:t>
-            </a:r>
-            <a:r>
-              <a:rPr lang="en-US" dirty="0" err="1"/>
-              <a:t>chicharrones</a:t>
-            </a:r>
-            <a:r>
-              <a:rPr lang="en-US" dirty="0"/>
-              <a:t>.</a:t>
-            </a:r>
-          </a:p>
-        </p:txBody>
-      </p:sp>
-    </p:spTree>
-    <p:extLst>
-      <p:ext uri="{BB962C8B-B14F-4D97-AF65-F5344CB8AC3E}">
-        <p14:creationId xmlns:p14="http://schemas.microsoft.com/office/powerpoint/2010/main" val="2885085244"/>
-      </p:ext>
-    </p:extLst>
-  </p:cSld>
-  <p:clrMapOvr>
-    <a:masterClrMapping/>
-  </p:clrMapOvr>
-</p:sld>
-</file>
-
 <file path=ppt/slides/slide2.xml><?xml version="1.0" encoding="utf-8"?>
 <p:sld xmlns:a="http://schemas.openxmlformats.org/drawingml/2006/main" xmlns:r="http://schemas.openxmlformats.org/officeDocument/2006/relationships" xmlns:p="http://schemas.openxmlformats.org/presentationml/2006/main">
   <p:cSld>
@@ -7136,10 +7029,159 @@
           <a:chExt cx="0" cy="0"/>
         </a:xfrm>
       </p:grpSpPr>
+      <p:sp>
+        <p:nvSpPr>
+          <p:cNvPr id="2" name="Text Placeholder 1">
+            <a:extLst>
+              <a:ext uri="{FF2B5EF4-FFF2-40B4-BE49-F238E27FC236}">
+                <a16:creationId xmlns:a16="http://schemas.microsoft.com/office/drawing/2014/main" id="{115CECA0-66F8-A232-293C-9BB14E71485D}"/>
+              </a:ext>
+            </a:extLst>
+          </p:cNvPr>
+          <p:cNvSpPr>
+            <a:spLocks noGrp="1"/>
+          </p:cNvSpPr>
+          <p:nvPr>
+            <p:ph type="body" idx="1"/>
+          </p:nvPr>
+        </p:nvSpPr>
+        <p:spPr>
+          <a:xfrm>
+            <a:off x="377719" y="1478942"/>
+            <a:ext cx="11059661" cy="5273130"/>
+          </a:xfrm>
+        </p:spPr>
+        <p:txBody>
+          <a:bodyPr/>
+          <a:lstStyle/>
+          <a:p>
+            <a:r>
+              <a:rPr lang="en-IN" sz="2800" dirty="0"/>
+              <a:t>Instead of using dynamic programming and optimization on </a:t>
+            </a:r>
+          </a:p>
+          <a:p>
+            <a:pPr marL="457200" indent="-457200">
+              <a:buFont typeface="Arial" panose="020B0604020202020204" pitchFamily="34" charset="0"/>
+              <a:buChar char="•"/>
+            </a:pPr>
+            <a:r>
+              <a:rPr lang="en-IN" sz="2800" dirty="0"/>
+              <a:t>N state variables (including memory elements like Battery SOC) </a:t>
+            </a:r>
+          </a:p>
+          <a:p>
+            <a:pPr marL="457200" indent="-457200">
+              <a:buFont typeface="Arial" panose="020B0604020202020204" pitchFamily="34" charset="0"/>
+              <a:buChar char="•"/>
+            </a:pPr>
+            <a:r>
+              <a:rPr lang="en-IN" sz="2800" dirty="0"/>
+              <a:t>C constraints for T time steps</a:t>
+            </a:r>
+          </a:p>
+          <a:p>
+            <a:pPr marL="457200" indent="-457200">
+              <a:buFont typeface="Arial" panose="020B0604020202020204" pitchFamily="34" charset="0"/>
+              <a:buChar char="•"/>
+            </a:pPr>
+            <a:endParaRPr lang="en-IN" sz="2800" dirty="0"/>
+          </a:p>
+          <a:p>
+            <a:r>
+              <a:rPr lang="en-IN" sz="2800" dirty="0"/>
+              <a:t>Why not just form:</a:t>
+            </a:r>
+          </a:p>
+          <a:p>
+            <a:pPr marL="457200" indent="-457200">
+              <a:buFont typeface="Arial" panose="020B0604020202020204" pitchFamily="34" charset="0"/>
+              <a:buChar char="•"/>
+            </a:pPr>
+            <a:r>
+              <a:rPr lang="en-IN" sz="2800" dirty="0"/>
+              <a:t> N*T state variables (including Battery SOC)</a:t>
+            </a:r>
+          </a:p>
+          <a:p>
+            <a:pPr marL="457200" indent="-457200">
+              <a:buFont typeface="Arial" panose="020B0604020202020204" pitchFamily="34" charset="0"/>
+              <a:buChar char="•"/>
+            </a:pPr>
+            <a:r>
+              <a:rPr lang="en-IN" sz="2800" dirty="0"/>
+              <a:t>C*T constraints plus T additional constraints to maintain </a:t>
+            </a:r>
+            <a:r>
+              <a:rPr lang="en-IN" sz="2800" i="1" dirty="0"/>
+              <a:t>continuity </a:t>
+            </a:r>
+            <a:r>
+              <a:rPr lang="en-IN" sz="2800" dirty="0"/>
+              <a:t>for those memory elements. </a:t>
+            </a:r>
+            <a:r>
+              <a:rPr lang="en-IN" sz="1800" dirty="0"/>
+              <a:t>(Let’s assume just one battery in our whole grid)</a:t>
+            </a:r>
+            <a:endParaRPr lang="en-IN" sz="2800" dirty="0"/>
+          </a:p>
+          <a:p>
+            <a:pPr marL="457200" indent="-457200">
+              <a:buFont typeface="Arial" panose="020B0604020202020204" pitchFamily="34" charset="0"/>
+              <a:buChar char="•"/>
+            </a:pPr>
+            <a:r>
+              <a:rPr lang="en-IN" sz="2800" dirty="0"/>
+              <a:t>All into one big ‘steady-state-like’ Optimization problem and plug it into a solver?</a:t>
+            </a:r>
+          </a:p>
+          <a:p>
+            <a:pPr marL="457200" indent="-457200">
+              <a:buFont typeface="Arial" panose="020B0604020202020204" pitchFamily="34" charset="0"/>
+              <a:buChar char="•"/>
+            </a:pPr>
+            <a:endParaRPr lang="en-IN" sz="2800" dirty="0"/>
+          </a:p>
+        </p:txBody>
+      </p:sp>
+      <p:sp>
+        <p:nvSpPr>
+          <p:cNvPr id="3" name="Title 2">
+            <a:extLst>
+              <a:ext uri="{FF2B5EF4-FFF2-40B4-BE49-F238E27FC236}">
+                <a16:creationId xmlns:a16="http://schemas.microsoft.com/office/drawing/2014/main" id="{7E0B44CE-9DAE-23DB-0CD5-295D7AA6AFA4}"/>
+              </a:ext>
+            </a:extLst>
+          </p:cNvPr>
+          <p:cNvSpPr>
+            <a:spLocks noGrp="1"/>
+          </p:cNvSpPr>
+          <p:nvPr>
+            <p:ph type="title"/>
+          </p:nvPr>
+        </p:nvSpPr>
+        <p:spPr>
+          <a:xfrm>
+            <a:off x="875967" y="190380"/>
+            <a:ext cx="10063163" cy="1073877"/>
+          </a:xfrm>
+        </p:spPr>
+        <p:txBody>
+          <a:bodyPr/>
+          <a:lstStyle/>
+          <a:p>
+            <a:r>
+              <a:rPr lang="en-IN" dirty="0"/>
+              <a:t>Do we even need a dynamic programming formulation in Power Systems?</a:t>
+            </a:r>
+          </a:p>
+        </p:txBody>
+      </p:sp>
     </p:spTree>
     <p:extLst>
       <p:ext uri="{BB962C8B-B14F-4D97-AF65-F5344CB8AC3E}">
-        <p14:creationId xmlns:p14="http://schemas.microsoft.com/office/powerpoint/2010/main" val="1059548903"/>
+        <p14:creationId xmlns:p14="http://schemas.microsoft.com/office/powerpoint/2010/main" val="3830537030"/>
       </p:ext>
     </p:extLst>
   </p:cSld>
@@ -7168,10 +7210,89 @@
       </p:grpSpPr>
       <p:sp>
         <p:nvSpPr>
-          <p:cNvPr id="34" name="Title 33">
+          <p:cNvPr id="2" name="Text Placeholder 1">
             <a:extLst>
               <a:ext uri="{FF2B5EF4-FFF2-40B4-BE49-F238E27FC236}">
-                <a16:creationId xmlns:a16="http://schemas.microsoft.com/office/drawing/2014/main" id="{8AC96926-49B1-4DFB-A717-827828860CC4}"/>
+                <a16:creationId xmlns:a16="http://schemas.microsoft.com/office/drawing/2014/main" id="{115CECA0-66F8-A232-293C-9BB14E71485D}"/>
+              </a:ext>
+            </a:extLst>
+          </p:cNvPr>
+          <p:cNvSpPr>
+            <a:spLocks noGrp="1"/>
+          </p:cNvSpPr>
+          <p:nvPr>
+            <p:ph type="body" idx="1"/>
+          </p:nvPr>
+        </p:nvSpPr>
+        <p:spPr>
+          <a:xfrm>
+            <a:off x="401573" y="1423282"/>
+            <a:ext cx="11059661" cy="5273130"/>
+          </a:xfrm>
+        </p:spPr>
+        <p:txBody>
+          <a:bodyPr/>
+          <a:lstStyle/>
+          <a:p>
+            <a:r>
+              <a:rPr lang="en-IN" sz="2800" dirty="0"/>
+              <a:t>Instead of using dynamic programming and optimization, why not just incorporate more state variables, more constraints (both by a factor of the number of time-steps: T) into one big ‘steady-state-like’ Optimization problem and plug it into a solver?</a:t>
+            </a:r>
+          </a:p>
+          <a:p>
+            <a:pPr marL="457200" indent="-457200">
+              <a:buFont typeface="Arial" panose="020B0604020202020204" pitchFamily="34" charset="0"/>
+              <a:buChar char="•"/>
+            </a:pPr>
+            <a:endParaRPr lang="en-IN" sz="2800" dirty="0"/>
+          </a:p>
+          <a:p>
+            <a:r>
+              <a:rPr lang="en-IN" sz="2800" dirty="0">
+                <a:solidFill>
+                  <a:srgbClr val="C00000"/>
+                </a:solidFill>
+                <a:highlight>
+                  <a:srgbClr val="C0C0C0"/>
+                </a:highlight>
+              </a:rPr>
+              <a:t>I do not have an answer for this now, I’d imagine that the time complexity will increase exponentially, but that’s just </a:t>
+            </a:r>
+            <a:r>
+              <a:rPr lang="en-IN" sz="2800">
+                <a:solidFill>
+                  <a:srgbClr val="C00000"/>
+                </a:solidFill>
+                <a:highlight>
+                  <a:srgbClr val="C0C0C0"/>
+                </a:highlight>
+              </a:rPr>
+              <a:t>my speculation.</a:t>
+            </a:r>
+            <a:endParaRPr lang="en-IN" sz="2800" dirty="0">
+              <a:solidFill>
+                <a:srgbClr val="C00000"/>
+              </a:solidFill>
+              <a:highlight>
+                <a:srgbClr val="C0C0C0"/>
+              </a:highlight>
+            </a:endParaRPr>
+          </a:p>
+          <a:p>
+            <a:pPr marL="457200" indent="-457200">
+              <a:buFont typeface="Arial" panose="020B0604020202020204" pitchFamily="34" charset="0"/>
+              <a:buChar char="•"/>
+            </a:pPr>
+            <a:endParaRPr lang="en-IN" sz="2800" dirty="0"/>
+          </a:p>
+        </p:txBody>
+      </p:sp>
+      <p:sp>
+        <p:nvSpPr>
+          <p:cNvPr id="3" name="Title 2">
+            <a:extLst>
+              <a:ext uri="{FF2B5EF4-FFF2-40B4-BE49-F238E27FC236}">
+                <a16:creationId xmlns:a16="http://schemas.microsoft.com/office/drawing/2014/main" id="{7E0B44CE-9DAE-23DB-0CD5-295D7AA6AFA4}"/>
               </a:ext>
             </a:extLst>
           </p:cNvPr>
@@ -7184,8 +7305,8 @@
         </p:nvSpPr>
         <p:spPr>
           <a:xfrm>
-            <a:off x="1079404" y="627807"/>
-            <a:ext cx="7171757" cy="1272756"/>
+            <a:off x="899821" y="161588"/>
+            <a:ext cx="10063163" cy="1073877"/>
           </a:xfrm>
         </p:spPr>
         <p:txBody>
@@ -7193,51 +7314,8 @@
           <a:lstStyle/>
           <a:p>
             <a:r>
-              <a:rPr lang="en-US" dirty="0"/>
-              <a:t>LOCA VORE CARDIGAN SHORTS CHARTREUSE</a:t>
-            </a:r>
-          </a:p>
-        </p:txBody>
-      </p:sp>
-      <p:sp>
-        <p:nvSpPr>
-          <p:cNvPr id="6" name="Content Placeholder 5">
-            <a:extLst>
-              <a:ext uri="{FF2B5EF4-FFF2-40B4-BE49-F238E27FC236}">
-                <a16:creationId xmlns:a16="http://schemas.microsoft.com/office/drawing/2014/main" id="{F79BD561-90E0-4007-A8CB-DAF84D917E20}"/>
-              </a:ext>
-            </a:extLst>
-          </p:cNvPr>
-          <p:cNvSpPr>
-            <a:spLocks noGrp="1"/>
-          </p:cNvSpPr>
-          <p:nvPr>
-            <p:ph type="body" sz="quarter" idx="13"/>
-          </p:nvPr>
-        </p:nvSpPr>
-        <p:spPr>
-          <a:xfrm>
-            <a:off x="1079404" y="2469732"/>
-            <a:ext cx="5264150" cy="4041599"/>
-          </a:xfrm>
-        </p:spPr>
-        <p:txBody>
-          <a:bodyPr>
-            <a:spAutoFit/>
-          </a:bodyPr>
-          <a:lstStyle/>
-          <a:p>
-            <a:r>
-              <a:rPr lang="en-US" dirty="0"/>
-              <a:t>Banh mi polaroid church-key skateboard gastropub, you probably haven't heard of them cardigan tofu hoodie. Health goth literally chartreuse, fixie hashtag hexagon humblebrag heirloom fashion axe </a:t>
-            </a:r>
-            <a:r>
-              <a:rPr lang="en-US" dirty="0" err="1"/>
-              <a:t>chicharrones</a:t>
-            </a:r>
-            <a:r>
-              <a:rPr lang="en-US" dirty="0"/>
-              <a:t>.</a:t>
+              <a:rPr lang="en-IN" dirty="0"/>
+              <a:t>Do we even need a dynamic programming formulation in Power Systems?</a:t>
             </a:r>
           </a:p>
         </p:txBody>
@@ -7245,7 +7323,7 @@
     </p:spTree>
     <p:extLst>
       <p:ext uri="{BB962C8B-B14F-4D97-AF65-F5344CB8AC3E}">
-        <p14:creationId xmlns:p14="http://schemas.microsoft.com/office/powerpoint/2010/main" val="1781137045"/>
+        <p14:creationId xmlns:p14="http://schemas.microsoft.com/office/powerpoint/2010/main" val="504984678"/>
       </p:ext>
     </p:extLst>
   </p:cSld>

--- a/research_showcase/dynamicProgramming_aryan_ritwajeet_jha.pptx
+++ b/research_showcase/dynamicProgramming_aryan_ritwajeet_jha.pptx
@@ -5,21 +5,22 @@
     <p:sldMasterId id="2147483686" r:id="rId1"/>
   </p:sldMasterIdLst>
   <p:notesMasterIdLst>
-    <p:notesMasterId r:id="rId11"/>
+    <p:notesMasterId r:id="rId12"/>
   </p:notesMasterIdLst>
   <p:handoutMasterIdLst>
-    <p:handoutMasterId r:id="rId12"/>
+    <p:handoutMasterId r:id="rId13"/>
   </p:handoutMasterIdLst>
   <p:sldIdLst>
     <p:sldId id="257" r:id="rId2"/>
     <p:sldId id="258" r:id="rId3"/>
     <p:sldId id="264" r:id="rId4"/>
-    <p:sldId id="282" r:id="rId5"/>
-    <p:sldId id="281" r:id="rId6"/>
-    <p:sldId id="283" r:id="rId7"/>
-    <p:sldId id="284" r:id="rId8"/>
-    <p:sldId id="285" r:id="rId9"/>
-    <p:sldId id="270" r:id="rId10"/>
+    <p:sldId id="286" r:id="rId5"/>
+    <p:sldId id="282" r:id="rId6"/>
+    <p:sldId id="281" r:id="rId7"/>
+    <p:sldId id="283" r:id="rId8"/>
+    <p:sldId id="284" r:id="rId9"/>
+    <p:sldId id="285" r:id="rId10"/>
+    <p:sldId id="270" r:id="rId11"/>
   </p:sldIdLst>
   <p:sldSz cx="12192000" cy="6858000"/>
   <p:notesSz cx="6858000" cy="9144000"/>
@@ -6250,6 +6251,578 @@
 </p:sld>
 </file>
 
+<file path=ppt/slides/slide10.xml><?xml version="1.0" encoding="utf-8"?>
+<p:sld xmlns:a="http://schemas.openxmlformats.org/drawingml/2006/main" xmlns:r="http://schemas.openxmlformats.org/officeDocument/2006/relationships" xmlns:p="http://schemas.openxmlformats.org/presentationml/2006/main">
+  <p:cSld>
+    <p:spTree>
+      <p:nvGrpSpPr>
+        <p:cNvPr id="1" name=""/>
+        <p:cNvGrpSpPr/>
+        <p:nvPr/>
+      </p:nvGrpSpPr>
+      <p:grpSpPr>
+        <a:xfrm>
+          <a:off x="0" y="0"/>
+          <a:ext cx="0" cy="0"/>
+          <a:chOff x="0" y="0"/>
+          <a:chExt cx="0" cy="0"/>
+        </a:xfrm>
+      </p:grpSpPr>
+      <p:sp>
+        <p:nvSpPr>
+          <p:cNvPr id="34" name="Title 33">
+            <a:extLst>
+              <a:ext uri="{FF2B5EF4-FFF2-40B4-BE49-F238E27FC236}">
+                <a16:creationId xmlns:a16="http://schemas.microsoft.com/office/drawing/2014/main" id="{8AC96926-49B1-4DFB-A717-827828860CC4}"/>
+              </a:ext>
+            </a:extLst>
+          </p:cNvPr>
+          <p:cNvSpPr>
+            <a:spLocks noGrp="1"/>
+          </p:cNvSpPr>
+          <p:nvPr>
+            <p:ph type="title"/>
+          </p:nvPr>
+        </p:nvSpPr>
+        <p:spPr>
+          <a:xfrm>
+            <a:off x="1294089" y="324901"/>
+            <a:ext cx="5578468" cy="553998"/>
+          </a:xfrm>
+        </p:spPr>
+        <p:txBody>
+          <a:bodyPr/>
+          <a:lstStyle/>
+          <a:p>
+            <a:r>
+              <a:rPr lang="en-US" dirty="0"/>
+              <a:t>References </a:t>
+            </a:r>
+            <a:r>
+              <a:rPr lang="en-US" sz="1600" dirty="0"/>
+              <a:t>(not in order)</a:t>
+            </a:r>
+            <a:endParaRPr lang="en-US" dirty="0"/>
+          </a:p>
+        </p:txBody>
+      </p:sp>
+      <p:sp>
+        <p:nvSpPr>
+          <p:cNvPr id="6" name="Content Placeholder 5">
+            <a:extLst>
+              <a:ext uri="{FF2B5EF4-FFF2-40B4-BE49-F238E27FC236}">
+                <a16:creationId xmlns:a16="http://schemas.microsoft.com/office/drawing/2014/main" id="{F79BD561-90E0-4007-A8CB-DAF84D917E20}"/>
+              </a:ext>
+            </a:extLst>
+          </p:cNvPr>
+          <p:cNvSpPr>
+            <a:spLocks noGrp="1"/>
+          </p:cNvSpPr>
+          <p:nvPr>
+            <p:ph type="body" sz="quarter" idx="13"/>
+          </p:nvPr>
+        </p:nvSpPr>
+        <p:spPr>
+          <a:xfrm>
+            <a:off x="1210123" y="1119528"/>
+            <a:ext cx="10231804" cy="7794954"/>
+          </a:xfrm>
+        </p:spPr>
+        <p:txBody>
+          <a:bodyPr wrap="square">
+            <a:spAutoFit/>
+          </a:bodyPr>
+          <a:lstStyle/>
+          <a:p>
+            <a:pPr marL="457200" indent="-457200">
+              <a:buAutoNum type="arabicPeriod"/>
+            </a:pPr>
+            <a:r>
+              <a:rPr lang="en-US" i="1" dirty="0">
+                <a:solidFill>
+                  <a:schemeClr val="accent4">
+                    <a:lumMod val="60000"/>
+                    <a:lumOff val="40000"/>
+                  </a:schemeClr>
+                </a:solidFill>
+                <a:hlinkClick r:id="rId2">
+                  <a:extLst>
+                    <a:ext uri="{A12FA001-AC4F-418D-AE19-62706E023703}">
+                      <ahyp:hlinkClr xmlns:ahyp="http://schemas.microsoft.com/office/drawing/2018/hyperlinkcolor" val="tx"/>
+                    </a:ext>
+                  </a:extLst>
+                </a:hlinkClick>
+              </a:rPr>
+              <a:t>CTU Prague Optimal and Robust Control -</a:t>
+            </a:r>
+            <a:r>
+              <a:rPr lang="en-US" dirty="0">
+                <a:solidFill>
+                  <a:schemeClr val="accent4">
+                    <a:lumMod val="60000"/>
+                    <a:lumOff val="40000"/>
+                  </a:schemeClr>
+                </a:solidFill>
+                <a:hlinkClick r:id="rId2">
+                  <a:extLst>
+                    <a:ext uri="{A12FA001-AC4F-418D-AE19-62706E023703}">
+                      <ahyp:hlinkClr xmlns:ahyp="http://schemas.microsoft.com/office/drawing/2018/hyperlinkcolor" val="tx"/>
+                    </a:ext>
+                  </a:extLst>
+                </a:hlinkClick>
+              </a:rPr>
+              <a:t> L5.1 - Introduction to dynamic programming and its application to discrete-time optimal control </a:t>
+            </a:r>
+            <a:endParaRPr lang="en-US" dirty="0">
+              <a:solidFill>
+                <a:schemeClr val="accent4">
+                  <a:lumMod val="60000"/>
+                  <a:lumOff val="40000"/>
+                </a:schemeClr>
+              </a:solidFill>
+            </a:endParaRPr>
+          </a:p>
+          <a:p>
+            <a:pPr marL="457200" indent="-457200">
+              <a:buFont typeface="Arial" panose="020B0604020202020204" pitchFamily="34" charset="0"/>
+              <a:buAutoNum type="arabicPeriod"/>
+            </a:pPr>
+            <a:r>
+              <a:rPr lang="en-US" i="1" dirty="0">
+                <a:solidFill>
+                  <a:schemeClr val="accent5">
+                    <a:lumMod val="60000"/>
+                    <a:lumOff val="40000"/>
+                  </a:schemeClr>
+                </a:solidFill>
+                <a:hlinkClick r:id="rId3">
+                  <a:extLst>
+                    <a:ext uri="{A12FA001-AC4F-418D-AE19-62706E023703}">
+                      <ahyp:hlinkClr xmlns:ahyp="http://schemas.microsoft.com/office/drawing/2018/hyperlinkcolor" val="tx"/>
+                    </a:ext>
+                  </a:extLst>
+                </a:hlinkClick>
+              </a:rPr>
+              <a:t>The Julia Programming Language - </a:t>
+            </a:r>
+            <a:r>
+              <a:rPr lang="en-US" dirty="0">
+                <a:solidFill>
+                  <a:schemeClr val="accent5">
+                    <a:lumMod val="60000"/>
+                    <a:lumOff val="40000"/>
+                  </a:schemeClr>
+                </a:solidFill>
+                <a:hlinkClick r:id="rId3">
+                  <a:extLst>
+                    <a:ext uri="{A12FA001-AC4F-418D-AE19-62706E023703}">
+                      <ahyp:hlinkClr xmlns:ahyp="http://schemas.microsoft.com/office/drawing/2018/hyperlinkcolor" val="tx"/>
+                    </a:ext>
+                  </a:extLst>
+                </a:hlinkClick>
+              </a:rPr>
+              <a:t>Dynamic Programming and Seam Carving | MIT Computational Thinking Spring 2021 | Lecture 6 </a:t>
+            </a:r>
+            <a:endParaRPr lang="en-US" dirty="0">
+              <a:solidFill>
+                <a:schemeClr val="accent5">
+                  <a:lumMod val="60000"/>
+                  <a:lumOff val="40000"/>
+                </a:schemeClr>
+              </a:solidFill>
+            </a:endParaRPr>
+          </a:p>
+          <a:p>
+            <a:pPr marL="457200" indent="-457200">
+              <a:buFont typeface="Arial" panose="020B0604020202020204" pitchFamily="34" charset="0"/>
+              <a:buAutoNum type="arabicPeriod"/>
+            </a:pPr>
+            <a:r>
+              <a:rPr lang="en-US" i="1" dirty="0">
+                <a:solidFill>
+                  <a:schemeClr val="accent4">
+                    <a:lumMod val="60000"/>
+                    <a:lumOff val="40000"/>
+                  </a:schemeClr>
+                </a:solidFill>
+                <a:hlinkClick r:id="rId4">
+                  <a:extLst>
+                    <a:ext uri="{A12FA001-AC4F-418D-AE19-62706E023703}">
+                      <ahyp:hlinkClr xmlns:ahyp="http://schemas.microsoft.com/office/drawing/2018/hyperlinkcolor" val="tx"/>
+                    </a:ext>
+                  </a:extLst>
+                </a:hlinkClick>
+              </a:rPr>
+              <a:t>Hu et al. (2016)</a:t>
+            </a:r>
+            <a:r>
+              <a:rPr lang="en-US" b="1" dirty="0">
+                <a:solidFill>
+                  <a:schemeClr val="accent4">
+                    <a:lumMod val="60000"/>
+                    <a:lumOff val="40000"/>
+                  </a:schemeClr>
+                </a:solidFill>
+                <a:hlinkClick r:id="rId4">
+                  <a:extLst>
+                    <a:ext uri="{A12FA001-AC4F-418D-AE19-62706E023703}">
+                      <ahyp:hlinkClr xmlns:ahyp="http://schemas.microsoft.com/office/drawing/2018/hyperlinkcolor" val="tx"/>
+                    </a:ext>
+                  </a:extLst>
+                </a:hlinkClick>
+              </a:rPr>
+              <a:t> - </a:t>
+            </a:r>
+            <a:r>
+              <a:rPr lang="en-US" dirty="0">
+                <a:solidFill>
+                  <a:schemeClr val="accent4">
+                    <a:lumMod val="60000"/>
+                    <a:lumOff val="40000"/>
+                  </a:schemeClr>
+                </a:solidFill>
+                <a:hlinkClick r:id="rId4">
+                  <a:extLst>
+                    <a:ext uri="{A12FA001-AC4F-418D-AE19-62706E023703}">
+                      <ahyp:hlinkClr xmlns:ahyp="http://schemas.microsoft.com/office/drawing/2018/hyperlinkcolor" val="tx"/>
+                    </a:ext>
+                  </a:extLst>
+                </a:hlinkClick>
+              </a:rPr>
+              <a:t>A Dynamic Programming based method for optimizing power system restoration with high wind power penetration</a:t>
+            </a:r>
+            <a:endParaRPr lang="en-US" dirty="0">
+              <a:solidFill>
+                <a:schemeClr val="accent4">
+                  <a:lumMod val="60000"/>
+                  <a:lumOff val="40000"/>
+                </a:schemeClr>
+              </a:solidFill>
+            </a:endParaRPr>
+          </a:p>
+          <a:p>
+            <a:pPr marL="457200" indent="-457200">
+              <a:buFont typeface="Arial" panose="020B0604020202020204" pitchFamily="34" charset="0"/>
+              <a:buAutoNum type="arabicPeriod"/>
+            </a:pPr>
+            <a:r>
+              <a:rPr lang="en-US" i="1" dirty="0">
+                <a:solidFill>
+                  <a:schemeClr val="accent5">
+                    <a:lumMod val="60000"/>
+                    <a:lumOff val="40000"/>
+                  </a:schemeClr>
+                </a:solidFill>
+                <a:hlinkClick r:id="rId5">
+                  <a:extLst>
+                    <a:ext uri="{A12FA001-AC4F-418D-AE19-62706E023703}">
+                      <ahyp:hlinkClr xmlns:ahyp="http://schemas.microsoft.com/office/drawing/2018/hyperlinkcolor" val="tx"/>
+                    </a:ext>
+                  </a:extLst>
+                </a:hlinkClick>
+              </a:rPr>
+              <a:t>Guerrero, </a:t>
+            </a:r>
+            <a:r>
+              <a:rPr lang="en-US" i="1" dirty="0" err="1">
+                <a:solidFill>
+                  <a:schemeClr val="accent5">
+                    <a:lumMod val="60000"/>
+                    <a:lumOff val="40000"/>
+                  </a:schemeClr>
+                </a:solidFill>
+                <a:hlinkClick r:id="rId5">
+                  <a:extLst>
+                    <a:ext uri="{A12FA001-AC4F-418D-AE19-62706E023703}">
+                      <ahyp:hlinkClr xmlns:ahyp="http://schemas.microsoft.com/office/drawing/2018/hyperlinkcolor" val="tx"/>
+                    </a:ext>
+                  </a:extLst>
+                </a:hlinkClick>
+              </a:rPr>
+              <a:t>Heydt</a:t>
+            </a:r>
+            <a:r>
+              <a:rPr lang="en-US" i="1" dirty="0">
+                <a:solidFill>
+                  <a:schemeClr val="accent5">
+                    <a:lumMod val="60000"/>
+                    <a:lumOff val="40000"/>
+                  </a:schemeClr>
+                </a:solidFill>
+                <a:hlinkClick r:id="rId5">
+                  <a:extLst>
+                    <a:ext uri="{A12FA001-AC4F-418D-AE19-62706E023703}">
+                      <ahyp:hlinkClr xmlns:ahyp="http://schemas.microsoft.com/office/drawing/2018/hyperlinkcolor" val="tx"/>
+                    </a:ext>
+                  </a:extLst>
+                </a:hlinkClick>
+              </a:rPr>
+              <a:t> et al (2008) </a:t>
+            </a:r>
+            <a:r>
+              <a:rPr lang="en-US" dirty="0">
+                <a:solidFill>
+                  <a:schemeClr val="accent5">
+                    <a:lumMod val="60000"/>
+                    <a:lumOff val="40000"/>
+                  </a:schemeClr>
+                </a:solidFill>
+                <a:hlinkClick r:id="rId5">
+                  <a:extLst>
+                    <a:ext uri="{A12FA001-AC4F-418D-AE19-62706E023703}">
+                      <ahyp:hlinkClr xmlns:ahyp="http://schemas.microsoft.com/office/drawing/2018/hyperlinkcolor" val="tx"/>
+                    </a:ext>
+                  </a:extLst>
+                </a:hlinkClick>
+              </a:rPr>
+              <a:t>- Optimal Restoration of Distribution Systems Using Dynamic Programming</a:t>
+            </a:r>
+            <a:endParaRPr lang="en-US" dirty="0">
+              <a:solidFill>
+                <a:schemeClr val="accent5">
+                  <a:lumMod val="60000"/>
+                  <a:lumOff val="40000"/>
+                </a:schemeClr>
+              </a:solidFill>
+            </a:endParaRPr>
+          </a:p>
+          <a:p>
+            <a:pPr marL="457200" indent="-457200">
+              <a:buFont typeface="Arial" panose="020B0604020202020204" pitchFamily="34" charset="0"/>
+              <a:buAutoNum type="arabicPeriod"/>
+            </a:pPr>
+            <a:r>
+              <a:rPr lang="en-US" i="1" dirty="0">
+                <a:solidFill>
+                  <a:schemeClr val="accent4">
+                    <a:lumMod val="60000"/>
+                    <a:lumOff val="40000"/>
+                  </a:schemeClr>
+                </a:solidFill>
+                <a:hlinkClick r:id="rId6">
+                  <a:extLst>
+                    <a:ext uri="{A12FA001-AC4F-418D-AE19-62706E023703}">
+                      <ahyp:hlinkClr xmlns:ahyp="http://schemas.microsoft.com/office/drawing/2018/hyperlinkcolor" val="tx"/>
+                    </a:ext>
+                  </a:extLst>
+                </a:hlinkClick>
+              </a:rPr>
+              <a:t>Anamika Dubey, Surya Santoso (2015)</a:t>
+            </a:r>
+            <a:r>
+              <a:rPr lang="en-US" dirty="0">
+                <a:solidFill>
+                  <a:schemeClr val="accent4">
+                    <a:lumMod val="60000"/>
+                    <a:lumOff val="40000"/>
+                  </a:schemeClr>
+                </a:solidFill>
+                <a:hlinkClick r:id="rId6">
+                  <a:extLst>
+                    <a:ext uri="{A12FA001-AC4F-418D-AE19-62706E023703}">
+                      <ahyp:hlinkClr xmlns:ahyp="http://schemas.microsoft.com/office/drawing/2018/hyperlinkcolor" val="tx"/>
+                    </a:ext>
+                  </a:extLst>
+                </a:hlinkClick>
+              </a:rPr>
+              <a:t> - Electric Vehicle Charging on Residential Distribution Systems: Impacts and Mitigations</a:t>
+            </a:r>
+            <a:endParaRPr lang="en-US" dirty="0">
+              <a:solidFill>
+                <a:schemeClr val="accent4">
+                  <a:lumMod val="60000"/>
+                  <a:lumOff val="40000"/>
+                </a:schemeClr>
+              </a:solidFill>
+            </a:endParaRPr>
+          </a:p>
+          <a:p>
+            <a:pPr marL="457200" indent="-457200">
+              <a:buFont typeface="Arial" panose="020B0604020202020204" pitchFamily="34" charset="0"/>
+              <a:buAutoNum type="arabicPeriod"/>
+            </a:pPr>
+            <a:r>
+              <a:rPr lang="en-US" i="1" dirty="0">
+                <a:solidFill>
+                  <a:schemeClr val="accent5">
+                    <a:lumMod val="60000"/>
+                    <a:lumOff val="40000"/>
+                  </a:schemeClr>
+                </a:solidFill>
+                <a:hlinkClick r:id="rId7">
+                  <a:extLst>
+                    <a:ext uri="{A12FA001-AC4F-418D-AE19-62706E023703}">
+                      <ahyp:hlinkClr xmlns:ahyp="http://schemas.microsoft.com/office/drawing/2018/hyperlinkcolor" val="tx"/>
+                    </a:ext>
+                  </a:extLst>
+                </a:hlinkClick>
+              </a:rPr>
+              <a:t>freeCodeCamp.org </a:t>
+            </a:r>
+            <a:r>
+              <a:rPr lang="en-US" dirty="0">
+                <a:solidFill>
+                  <a:schemeClr val="accent5">
+                    <a:lumMod val="60000"/>
+                    <a:lumOff val="40000"/>
+                  </a:schemeClr>
+                </a:solidFill>
+                <a:hlinkClick r:id="rId7">
+                  <a:extLst>
+                    <a:ext uri="{A12FA001-AC4F-418D-AE19-62706E023703}">
+                      <ahyp:hlinkClr xmlns:ahyp="http://schemas.microsoft.com/office/drawing/2018/hyperlinkcolor" val="tx"/>
+                    </a:ext>
+                  </a:extLst>
+                </a:hlinkClick>
+              </a:rPr>
+              <a:t>- Dynamic Programming - Learn to Solve Algorithmic Problems &amp; Coding Challenges</a:t>
+            </a:r>
+            <a:r>
+              <a:rPr lang="en-US" dirty="0">
+                <a:solidFill>
+                  <a:schemeClr val="accent5">
+                    <a:lumMod val="60000"/>
+                    <a:lumOff val="40000"/>
+                  </a:schemeClr>
+                </a:solidFill>
+              </a:rPr>
+              <a:t> </a:t>
+            </a:r>
+          </a:p>
+          <a:p>
+            <a:pPr marL="457200" indent="-457200">
+              <a:buFont typeface="Arial" panose="020B0604020202020204" pitchFamily="34" charset="0"/>
+              <a:buAutoNum type="arabicPeriod"/>
+            </a:pPr>
+            <a:r>
+              <a:rPr lang="en-US" i="1" dirty="0">
+                <a:solidFill>
+                  <a:schemeClr val="accent4">
+                    <a:lumMod val="60000"/>
+                    <a:lumOff val="40000"/>
+                  </a:schemeClr>
+                </a:solidFill>
+                <a:hlinkClick r:id="rId8">
+                  <a:extLst>
+                    <a:ext uri="{A12FA001-AC4F-418D-AE19-62706E023703}">
+                      <ahyp:hlinkClr xmlns:ahyp="http://schemas.microsoft.com/office/drawing/2018/hyperlinkcolor" val="tx"/>
+                    </a:ext>
+                  </a:extLst>
+                </a:hlinkClick>
+              </a:rPr>
+              <a:t>Johan </a:t>
+            </a:r>
+            <a:r>
+              <a:rPr lang="en-US" i="1" dirty="0" err="1">
+                <a:solidFill>
+                  <a:schemeClr val="accent4">
+                    <a:lumMod val="60000"/>
+                    <a:lumOff val="40000"/>
+                  </a:schemeClr>
+                </a:solidFill>
+                <a:hlinkClick r:id="rId8">
+                  <a:extLst>
+                    <a:ext uri="{A12FA001-AC4F-418D-AE19-62706E023703}">
+                      <ahyp:hlinkClr xmlns:ahyp="http://schemas.microsoft.com/office/drawing/2018/hyperlinkcolor" val="tx"/>
+                    </a:ext>
+                  </a:extLst>
+                </a:hlinkClick>
+              </a:rPr>
+              <a:t>Driesen</a:t>
+            </a:r>
+            <a:r>
+              <a:rPr lang="en-US" i="1" dirty="0">
+                <a:solidFill>
+                  <a:schemeClr val="accent4">
+                    <a:lumMod val="60000"/>
+                    <a:lumOff val="40000"/>
+                  </a:schemeClr>
+                </a:solidFill>
+                <a:hlinkClick r:id="rId8">
+                  <a:extLst>
+                    <a:ext uri="{A12FA001-AC4F-418D-AE19-62706E023703}">
+                      <ahyp:hlinkClr xmlns:ahyp="http://schemas.microsoft.com/office/drawing/2018/hyperlinkcolor" val="tx"/>
+                    </a:ext>
+                  </a:extLst>
+                </a:hlinkClick>
+              </a:rPr>
+              <a:t> et al (KU Leuven, 2009)</a:t>
+            </a:r>
+            <a:r>
+              <a:rPr lang="en-US" dirty="0">
+                <a:solidFill>
+                  <a:schemeClr val="accent4">
+                    <a:lumMod val="60000"/>
+                    <a:lumOff val="40000"/>
+                  </a:schemeClr>
+                </a:solidFill>
+                <a:hlinkClick r:id="rId8">
+                  <a:extLst>
+                    <a:ext uri="{A12FA001-AC4F-418D-AE19-62706E023703}">
+                      <ahyp:hlinkClr xmlns:ahyp="http://schemas.microsoft.com/office/drawing/2018/hyperlinkcolor" val="tx"/>
+                    </a:ext>
+                  </a:extLst>
+                </a:hlinkClick>
+              </a:rPr>
+              <a:t> - The Impact of Charging Plug-In Hybrid Electric Vehicles on a Residential Distribution Grid</a:t>
+            </a:r>
+            <a:endParaRPr lang="en-US" dirty="0">
+              <a:solidFill>
+                <a:schemeClr val="accent4">
+                  <a:lumMod val="60000"/>
+                  <a:lumOff val="40000"/>
+                </a:schemeClr>
+              </a:solidFill>
+            </a:endParaRPr>
+          </a:p>
+          <a:p>
+            <a:pPr marL="457200" indent="-457200">
+              <a:buFont typeface="Arial" panose="020B0604020202020204" pitchFamily="34" charset="0"/>
+              <a:buAutoNum type="arabicPeriod"/>
+            </a:pPr>
+            <a:endParaRPr lang="en-US" dirty="0">
+              <a:solidFill>
+                <a:schemeClr val="accent4">
+                  <a:lumMod val="60000"/>
+                  <a:lumOff val="40000"/>
+                </a:schemeClr>
+              </a:solidFill>
+            </a:endParaRPr>
+          </a:p>
+          <a:p>
+            <a:pPr marL="457200" indent="-457200">
+              <a:buFont typeface="Arial" panose="020B0604020202020204" pitchFamily="34" charset="0"/>
+              <a:buAutoNum type="arabicPeriod"/>
+            </a:pPr>
+            <a:endParaRPr lang="en-US" dirty="0"/>
+          </a:p>
+          <a:p>
+            <a:pPr marL="457200" indent="-457200">
+              <a:buAutoNum type="arabicPeriod"/>
+            </a:pPr>
+            <a:endParaRPr lang="en-US" dirty="0"/>
+          </a:p>
+          <a:p>
+            <a:endParaRPr lang="en-US" b="1" dirty="0"/>
+          </a:p>
+          <a:p>
+            <a:endParaRPr lang="en-US" dirty="0"/>
+          </a:p>
+        </p:txBody>
+      </p:sp>
+    </p:spTree>
+    <p:extLst>
+      <p:ext uri="{BB962C8B-B14F-4D97-AF65-F5344CB8AC3E}">
+        <p14:creationId xmlns:p14="http://schemas.microsoft.com/office/powerpoint/2010/main" val="1767751549"/>
+      </p:ext>
+    </p:extLst>
+  </p:cSld>
+  <p:clrMapOvr>
+    <a:masterClrMapping/>
+  </p:clrMapOvr>
+</p:sld>
+</file>
+
 <file path=ppt/slides/slide2.xml><?xml version="1.0" encoding="utf-8"?>
 <p:sld xmlns:a="http://schemas.openxmlformats.org/drawingml/2006/main" xmlns:r="http://schemas.openxmlformats.org/officeDocument/2006/relationships" xmlns:p="http://schemas.openxmlformats.org/presentationml/2006/main">
   <p:cSld>
@@ -6540,7 +7113,7 @@
                   </a:schemeClr>
                 </a:solidFill>
               </a:rPr>
-              <a:t>They aren’t leaving before 6AM, so no need to optimize the charging timings themselves.</a:t>
+              <a:t>They aren’t leaving before 6AM, so no hard constraints on the available charging timings themselves.</a:t>
             </a:r>
             <a:endParaRPr lang="en-US" dirty="0">
               <a:solidFill>
@@ -6649,8 +7222,8 @@
         </p:nvSpPr>
         <p:spPr>
           <a:xfrm>
-            <a:off x="1066799" y="3298376"/>
-            <a:ext cx="10063163" cy="1533002"/>
+            <a:off x="6096000" y="1895998"/>
+            <a:ext cx="5387915" cy="1533002"/>
           </a:xfrm>
         </p:spPr>
         <p:txBody>
@@ -6658,34 +7231,26 @@
           <a:lstStyle/>
           <a:p>
             <a:r>
-              <a:rPr lang="en-US" dirty="0"/>
-              <a:t>Objective:</a:t>
-            </a:r>
-          </a:p>
-          <a:p>
-            <a:pPr marL="514350" indent="-514350">
-              <a:buAutoNum type="arabicPeriod"/>
-            </a:pPr>
-            <a:r>
-              <a:rPr lang="en-US" dirty="0"/>
-              <a:t>minimize cost of the total charging, here taken as</a:t>
-            </a:r>
-            <a:r>
-              <a:rPr lang="en-US" b="1" i="1" dirty="0"/>
-              <a:t> </a:t>
-            </a:r>
-            <a:r>
-              <a:rPr lang="en-US" i="1" dirty="0"/>
-              <a:t>Voltage Variability</a:t>
-            </a:r>
-          </a:p>
-          <a:p>
-            <a:pPr marL="514350" indent="-514350">
-              <a:buAutoNum type="arabicPeriod"/>
-            </a:pPr>
-            <a:r>
-              <a:rPr lang="en-US" i="1" dirty="0"/>
-              <a:t>Design objective (constraint): Charge every EV fully by time T. </a:t>
+              <a:rPr lang="en-US" dirty="0">
+                <a:solidFill>
+                  <a:schemeClr val="bg1">
+                    <a:lumMod val="85000"/>
+                  </a:schemeClr>
+                </a:solidFill>
+              </a:rPr>
+              <a:t>EVs are plugged in during the night for charging.</a:t>
+            </a:r>
+          </a:p>
+          <a:p>
+            <a:r>
+              <a:rPr lang="en-US" dirty="0"/>
+              <a:t>Charging at multiple locations of the residential grid (a distribution network) at the same time causes voltage drops.</a:t>
+            </a:r>
+          </a:p>
+          <a:p>
+            <a:r>
+              <a:rPr lang="en-US" dirty="0"/>
+              <a:t>Such uncoordinated power consumption at the local scale can lead to grid problems.</a:t>
             </a:r>
           </a:p>
         </p:txBody>
@@ -6708,7 +7273,7 @@
         </p:nvSpPr>
         <p:spPr>
           <a:xfrm>
-            <a:off x="1066800" y="1017317"/>
+            <a:off x="1146313" y="63611"/>
             <a:ext cx="10063163" cy="1756027"/>
           </a:xfrm>
         </p:spPr>
@@ -6731,10 +7296,40 @@
           </a:p>
         </p:txBody>
       </p:sp>
+      <p:pic>
+        <p:nvPicPr>
+          <p:cNvPr id="5" name="Picture 4">
+            <a:extLst>
+              <a:ext uri="{FF2B5EF4-FFF2-40B4-BE49-F238E27FC236}">
+                <a16:creationId xmlns:a16="http://schemas.microsoft.com/office/drawing/2014/main" id="{38EF5DA3-2B2D-C8A3-FCD1-267EEA8600B2}"/>
+              </a:ext>
+            </a:extLst>
+          </p:cNvPr>
+          <p:cNvPicPr>
+            <a:picLocks noChangeAspect="1"/>
+          </p:cNvPicPr>
+          <p:nvPr/>
+        </p:nvPicPr>
+        <p:blipFill>
+          <a:blip r:embed="rId2"/>
+          <a:stretch>
+            <a:fillRect/>
+          </a:stretch>
+        </p:blipFill>
+        <p:spPr>
+          <a:xfrm>
+            <a:off x="195345" y="1885707"/>
+            <a:ext cx="5443577" cy="4853023"/>
+          </a:xfrm>
+          <a:prstGeom prst="rect">
+            <a:avLst/>
+          </a:prstGeom>
+        </p:spPr>
+      </p:pic>
     </p:spTree>
     <p:extLst>
       <p:ext uri="{BB962C8B-B14F-4D97-AF65-F5344CB8AC3E}">
-        <p14:creationId xmlns:p14="http://schemas.microsoft.com/office/powerpoint/2010/main" val="1132243170"/>
+        <p14:creationId xmlns:p14="http://schemas.microsoft.com/office/powerpoint/2010/main" val="3821229530"/>
       </p:ext>
     </p:extLst>
   </p:cSld>
@@ -6797,13 +7392,33 @@
           <a:p>
             <a:r>
               <a:rPr lang="en-US" dirty="0"/>
-              <a:t>NOT an Objective:</a:t>
-            </a:r>
-          </a:p>
-          <a:p>
-            <a:r>
-              <a:rPr lang="en-US" dirty="0"/>
-              <a:t>No optimization of time intended; every EV plugged in for the full time period from zero to T anyway.</a:t>
+              <a:t>Objective:</a:t>
+            </a:r>
+          </a:p>
+          <a:p>
+            <a:pPr marL="514350" indent="-514350">
+              <a:buAutoNum type="arabicPeriod"/>
+            </a:pPr>
+            <a:r>
+              <a:rPr lang="en-US" dirty="0"/>
+              <a:t>minimize cost of the total charging, here taken as</a:t>
+            </a:r>
+            <a:r>
+              <a:rPr lang="en-US" b="1" i="1" dirty="0"/>
+              <a:t> </a:t>
+            </a:r>
+            <a:r>
+              <a:rPr lang="en-US" i="1" dirty="0"/>
+              <a:t>Voltage Variability</a:t>
+            </a:r>
+          </a:p>
+          <a:p>
+            <a:pPr marL="514350" indent="-514350">
+              <a:buAutoNum type="arabicPeriod"/>
+            </a:pPr>
+            <a:r>
+              <a:rPr lang="en-US" i="1" dirty="0"/>
+              <a:t>Design objective (constraint): Charge every EV fully by time T. </a:t>
             </a:r>
           </a:p>
         </p:txBody>
@@ -6852,7 +7467,7 @@
     </p:spTree>
     <p:extLst>
       <p:ext uri="{BB962C8B-B14F-4D97-AF65-F5344CB8AC3E}">
-        <p14:creationId xmlns:p14="http://schemas.microsoft.com/office/powerpoint/2010/main" val="3786469568"/>
+        <p14:creationId xmlns:p14="http://schemas.microsoft.com/office/powerpoint/2010/main" val="1132243170"/>
       </p:ext>
     </p:extLst>
   </p:cSld>
@@ -6905,8 +7520,8 @@
         </p:nvSpPr>
         <p:spPr>
           <a:xfrm>
-            <a:off x="526111" y="1493429"/>
-            <a:ext cx="11321332" cy="4668831"/>
+            <a:off x="1066799" y="3298376"/>
+            <a:ext cx="10063163" cy="1533002"/>
           </a:xfrm>
         </p:spPr>
         <p:txBody>
@@ -6915,45 +7530,13 @@
           <a:p>
             <a:r>
               <a:rPr lang="en-US" dirty="0"/>
-              <a:t>Design Formulation:</a:t>
-            </a:r>
-          </a:p>
-          <a:p>
-            <a:pPr marL="457200" indent="-457200">
-              <a:buFontTx/>
-              <a:buChar char="-"/>
-            </a:pPr>
-            <a:r>
-              <a:rPr lang="en-US" dirty="0"/>
-              <a:t>Battery-charger power levels </a:t>
-            </a:r>
-            <a:r>
-              <a:rPr lang="en-US" i="1" dirty="0"/>
-              <a:t>P(t) </a:t>
-            </a:r>
-            <a:r>
-              <a:rPr lang="en-US" dirty="0"/>
-              <a:t>variable only in discrete-steps.</a:t>
-            </a:r>
-          </a:p>
-          <a:p>
-            <a:pPr marL="457200" indent="-457200">
-              <a:buFontTx/>
-              <a:buChar char="-"/>
-            </a:pPr>
-            <a:r>
-              <a:rPr lang="en-US" i="1" dirty="0"/>
-              <a:t>Power-flow-analysis also done in discrete time-steps.</a:t>
-            </a:r>
-          </a:p>
-          <a:p>
-            <a:pPr marL="457200" indent="-457200">
-              <a:buFontTx/>
-              <a:buChar char="-"/>
-            </a:pPr>
-            <a:r>
-              <a:rPr lang="en-US" i="1" dirty="0"/>
-              <a:t>We’re solving a discretized Optimal Control Problem.</a:t>
+              <a:t>NOT an Objective:</a:t>
+            </a:r>
+          </a:p>
+          <a:p>
+            <a:r>
+              <a:rPr lang="en-US" dirty="0"/>
+              <a:t>No optimization of time intended; every EV plugged in for the full time period from zero to T anyway.</a:t>
             </a:r>
           </a:p>
         </p:txBody>
@@ -6976,8 +7559,8 @@
         </p:nvSpPr>
         <p:spPr>
           <a:xfrm>
-            <a:off x="526111" y="206285"/>
-            <a:ext cx="10063163" cy="1137485"/>
+            <a:off x="1066800" y="1017317"/>
+            <a:ext cx="10063163" cy="1756027"/>
           </a:xfrm>
         </p:spPr>
         <p:txBody>
@@ -6985,24 +7568,24 @@
           <a:lstStyle/>
           <a:p>
             <a:r>
-              <a:rPr lang="en-US" sz="3200" dirty="0"/>
+              <a:rPr lang="en-US" dirty="0"/>
               <a:t>Electric Vehicle Charging on Residential Distribution Systems: Impacts and Mitigation</a:t>
             </a:r>
             <a:br>
-              <a:rPr lang="en-US" sz="3200" dirty="0"/>
+              <a:rPr lang="en-US" dirty="0"/>
             </a:br>
             <a:r>
-              <a:rPr lang="en-US" sz="1800" b="0" i="1" dirty="0"/>
+              <a:rPr lang="en-US" sz="2400" b="0" i="1" dirty="0"/>
               <a:t>Anamika Dubey and Surya Santoso</a:t>
             </a:r>
-            <a:endParaRPr lang="en-US" sz="3200" b="0" i="1" dirty="0"/>
+            <a:endParaRPr lang="en-US" b="0" i="1" dirty="0"/>
           </a:p>
         </p:txBody>
       </p:sp>
     </p:spTree>
     <p:extLst>
       <p:ext uri="{BB962C8B-B14F-4D97-AF65-F5344CB8AC3E}">
-        <p14:creationId xmlns:p14="http://schemas.microsoft.com/office/powerpoint/2010/main" val="1379508693"/>
+        <p14:creationId xmlns:p14="http://schemas.microsoft.com/office/powerpoint/2010/main" val="3786469568"/>
       </p:ext>
     </p:extLst>
   </p:cSld>
@@ -7015,6 +7598,14 @@
 <file path=ppt/slides/slide7.xml><?xml version="1.0" encoding="utf-8"?>
 <p:sld xmlns:a="http://schemas.openxmlformats.org/drawingml/2006/main" xmlns:r="http://schemas.openxmlformats.org/officeDocument/2006/relationships" xmlns:p="http://schemas.openxmlformats.org/presentationml/2006/main">
   <p:cSld>
+    <p:bg>
+      <p:bgPr>
+        <a:solidFill>
+          <a:schemeClr val="tx2"/>
+        </a:solidFill>
+        <a:effectLst/>
+      </p:bgPr>
+    </p:bg>
     <p:spTree>
       <p:nvGrpSpPr>
         <p:cNvPr id="1" name=""/>
@@ -7031,10 +7622,10 @@
       </p:grpSpPr>
       <p:sp>
         <p:nvSpPr>
-          <p:cNvPr id="2" name="Text Placeholder 1">
+          <p:cNvPr id="3" name="Text Placeholder 2">
             <a:extLst>
               <a:ext uri="{FF2B5EF4-FFF2-40B4-BE49-F238E27FC236}">
-                <a16:creationId xmlns:a16="http://schemas.microsoft.com/office/drawing/2014/main" id="{115CECA0-66F8-A232-293C-9BB14E71485D}"/>
+                <a16:creationId xmlns:a16="http://schemas.microsoft.com/office/drawing/2014/main" id="{799C5043-70C7-42B6-BC83-DD09FFA9C12A}"/>
               </a:ext>
             </a:extLst>
           </p:cNvPr>
@@ -7047,8 +7638,8 @@
         </p:nvSpPr>
         <p:spPr>
           <a:xfrm>
-            <a:off x="377719" y="1478942"/>
-            <a:ext cx="11059661" cy="5273130"/>
+            <a:off x="526111" y="1493429"/>
+            <a:ext cx="11321332" cy="4668831"/>
           </a:xfrm>
         </p:spPr>
         <p:txBody>
@@ -7056,101 +7647,56 @@
           <a:lstStyle/>
           <a:p>
             <a:r>
-              <a:rPr lang="en-IN" sz="2800" dirty="0"/>
-              <a:t>Instead of using dynamic programming and optimization on </a:t>
+              <a:rPr lang="en-US" dirty="0"/>
+              <a:t>Design Formulation:</a:t>
             </a:r>
           </a:p>
           <a:p>
             <a:pPr marL="457200" indent="-457200">
-              <a:buFont typeface="Arial" panose="020B0604020202020204" pitchFamily="34" charset="0"/>
-              <a:buChar char="•"/>
+              <a:buFontTx/>
+              <a:buChar char="-"/>
             </a:pPr>
             <a:r>
-              <a:rPr lang="en-IN" sz="2800" dirty="0"/>
-              <a:t>N state variables (including memory elements like Battery SOC) </a:t>
+              <a:rPr lang="en-US" dirty="0"/>
+              <a:t>Battery-charger power levels </a:t>
+            </a:r>
+            <a:r>
+              <a:rPr lang="en-US" i="1" dirty="0"/>
+              <a:t>P(t) </a:t>
+            </a:r>
+            <a:r>
+              <a:rPr lang="en-US" dirty="0"/>
+              <a:t>variable only in discrete-steps.</a:t>
             </a:r>
           </a:p>
           <a:p>
             <a:pPr marL="457200" indent="-457200">
-              <a:buFont typeface="Arial" panose="020B0604020202020204" pitchFamily="34" charset="0"/>
-              <a:buChar char="•"/>
+              <a:buFontTx/>
+              <a:buChar char="-"/>
             </a:pPr>
             <a:r>
-              <a:rPr lang="en-IN" sz="2800" dirty="0"/>
-              <a:t>C constraints for T time steps</a:t>
+              <a:rPr lang="en-US" i="1" dirty="0"/>
+              <a:t>Power-flow-analysis also done in discrete time-steps.</a:t>
             </a:r>
           </a:p>
           <a:p>
             <a:pPr marL="457200" indent="-457200">
-              <a:buFont typeface="Arial" panose="020B0604020202020204" pitchFamily="34" charset="0"/>
-              <a:buChar char="•"/>
+              <a:buFontTx/>
+              <a:buChar char="-"/>
             </a:pPr>
-            <a:endParaRPr lang="en-IN" sz="2800" dirty="0"/>
-          </a:p>
-          <a:p>
-            <a:r>
-              <a:rPr lang="en-IN" sz="2800" dirty="0"/>
-              <a:t>Why not just form:</a:t>
-            </a:r>
-          </a:p>
-          <a:p>
-            <a:pPr marL="457200" indent="-457200">
-              <a:buFont typeface="Arial" panose="020B0604020202020204" pitchFamily="34" charset="0"/>
-              <a:buChar char="•"/>
-            </a:pPr>
-            <a:r>
-              <a:rPr lang="en-IN" sz="2800" dirty="0"/>
-              <a:t> N*T state variables (including Battery SOC)</a:t>
-            </a:r>
-          </a:p>
-          <a:p>
-            <a:pPr marL="457200" indent="-457200">
-              <a:buFont typeface="Arial" panose="020B0604020202020204" pitchFamily="34" charset="0"/>
-              <a:buChar char="•"/>
-            </a:pPr>
-            <a:r>
-              <a:rPr lang="en-IN" sz="2800" dirty="0"/>
-              <a:t>C*T constraints plus T additional constraints to maintain </a:t>
-            </a:r>
-            <a:r>
-              <a:rPr lang="en-IN" sz="2800" i="1" dirty="0"/>
-              <a:t>continuity </a:t>
-            </a:r>
-            <a:r>
-              <a:rPr lang="en-IN" sz="2800" dirty="0"/>
-              <a:t>for those memory elements. </a:t>
-            </a:r>
-            <a:r>
-              <a:rPr lang="en-IN" sz="1800" dirty="0"/>
-              <a:t>(Let’s assume just one battery in our whole grid)</a:t>
-            </a:r>
-            <a:endParaRPr lang="en-IN" sz="2800" dirty="0"/>
-          </a:p>
-          <a:p>
-            <a:pPr marL="457200" indent="-457200">
-              <a:buFont typeface="Arial" panose="020B0604020202020204" pitchFamily="34" charset="0"/>
-              <a:buChar char="•"/>
-            </a:pPr>
-            <a:r>
-              <a:rPr lang="en-IN" sz="2800" dirty="0"/>
-              <a:t>All into one big ‘steady-state-like’ Optimization problem and plug it into a solver?</a:t>
-            </a:r>
-          </a:p>
-          <a:p>
-            <a:pPr marL="457200" indent="-457200">
-              <a:buFont typeface="Arial" panose="020B0604020202020204" pitchFamily="34" charset="0"/>
-              <a:buChar char="•"/>
-            </a:pPr>
-            <a:endParaRPr lang="en-IN" sz="2800" dirty="0"/>
+            <a:r>
+              <a:rPr lang="en-US" i="1" dirty="0"/>
+              <a:t>We’re solving a discretized Optimal Control Problem.</a:t>
+            </a:r>
           </a:p>
         </p:txBody>
       </p:sp>
       <p:sp>
         <p:nvSpPr>
-          <p:cNvPr id="3" name="Title 2">
+          <p:cNvPr id="2" name="Title 1">
             <a:extLst>
               <a:ext uri="{FF2B5EF4-FFF2-40B4-BE49-F238E27FC236}">
-                <a16:creationId xmlns:a16="http://schemas.microsoft.com/office/drawing/2014/main" id="{7E0B44CE-9DAE-23DB-0CD5-295D7AA6AFA4}"/>
+                <a16:creationId xmlns:a16="http://schemas.microsoft.com/office/drawing/2014/main" id="{2CFEBE16-0972-41CE-A8FA-A2F80D8FFFBB}"/>
               </a:ext>
             </a:extLst>
           </p:cNvPr>
@@ -7163,8 +7709,8 @@
         </p:nvSpPr>
         <p:spPr>
           <a:xfrm>
-            <a:off x="875967" y="190380"/>
-            <a:ext cx="10063163" cy="1073877"/>
+            <a:off x="526111" y="206285"/>
+            <a:ext cx="10063163" cy="1137485"/>
           </a:xfrm>
         </p:spPr>
         <p:txBody>
@@ -7172,16 +7718,24 @@
           <a:lstStyle/>
           <a:p>
             <a:r>
-              <a:rPr lang="en-IN" dirty="0"/>
-              <a:t>Do we even need a dynamic programming formulation in Power Systems?</a:t>
-            </a:r>
+              <a:rPr lang="en-US" sz="3200" dirty="0"/>
+              <a:t>Electric Vehicle Charging on Residential Distribution Systems: Impacts and Mitigation</a:t>
+            </a:r>
+            <a:br>
+              <a:rPr lang="en-US" sz="3200" dirty="0"/>
+            </a:br>
+            <a:r>
+              <a:rPr lang="en-US" sz="1800" b="0" i="1" dirty="0"/>
+              <a:t>Anamika Dubey and Surya Santoso</a:t>
+            </a:r>
+            <a:endParaRPr lang="en-US" sz="3200" b="0" i="1" dirty="0"/>
           </a:p>
         </p:txBody>
       </p:sp>
     </p:spTree>
     <p:extLst>
       <p:ext uri="{BB962C8B-B14F-4D97-AF65-F5344CB8AC3E}">
-        <p14:creationId xmlns:p14="http://schemas.microsoft.com/office/powerpoint/2010/main" val="3830537030"/>
+        <p14:creationId xmlns:p14="http://schemas.microsoft.com/office/powerpoint/2010/main" val="1379508693"/>
       </p:ext>
     </p:extLst>
   </p:cSld>
@@ -7226,7 +7780,7 @@
         </p:nvSpPr>
         <p:spPr>
           <a:xfrm>
-            <a:off x="401573" y="1423282"/>
+            <a:off x="377719" y="1478942"/>
             <a:ext cx="11059661" cy="5273130"/>
           </a:xfrm>
         </p:spPr>
@@ -7236,7 +7790,37 @@
           <a:p>
             <a:r>
               <a:rPr lang="en-IN" sz="2800" dirty="0"/>
-              <a:t>Instead of using dynamic programming and optimization, why not just incorporate more state variables, more constraints (both by a factor of the number of time-steps: T) into one big ‘steady-state-like’ Optimization problem and plug it into a solver?</a:t>
+              <a:t>Instead of using dynamic programming and optimization on </a:t>
+            </a:r>
+          </a:p>
+          <a:p>
+            <a:pPr marL="457200" indent="-457200">
+              <a:buFont typeface="Arial" panose="020B0604020202020204" pitchFamily="34" charset="0"/>
+              <a:buChar char="•"/>
+            </a:pPr>
+            <a:r>
+              <a:rPr lang="en-IN" sz="2800" dirty="0"/>
+              <a:t>N state variables (including memory elements like Battery SOC) </a:t>
+            </a:r>
+          </a:p>
+          <a:p>
+            <a:pPr marL="457200" indent="-457200">
+              <a:buFont typeface="Arial" panose="020B0604020202020204" pitchFamily="34" charset="0"/>
+              <a:buChar char="•"/>
+            </a:pPr>
+            <a:r>
+              <a:rPr lang="en-IN" sz="2800" dirty="0"/>
+              <a:t>C constraints </a:t>
+            </a:r>
+          </a:p>
+          <a:p>
+            <a:pPr marL="457200" indent="-457200">
+              <a:buFont typeface="Arial" panose="020B0604020202020204" pitchFamily="34" charset="0"/>
+              <a:buChar char="•"/>
+            </a:pPr>
+            <a:r>
+              <a:rPr lang="en-IN" sz="2800" dirty="0"/>
+              <a:t>- All for T time steps</a:t>
             </a:r>
           </a:p>
           <a:p>
@@ -7248,35 +7832,52 @@
           </a:p>
           <a:p>
             <a:r>
-              <a:rPr lang="en-IN" sz="2800" dirty="0">
-                <a:solidFill>
-                  <a:srgbClr val="C00000"/>
-                </a:solidFill>
-                <a:highlight>
-                  <a:srgbClr val="C0C0C0"/>
-                </a:highlight>
-              </a:rPr>
-              <a:t>I do not have an answer for this now, I’d imagine that the time complexity will increase exponentially, but that’s just </a:t>
-            </a:r>
-            <a:r>
-              <a:rPr lang="en-IN" sz="2800">
-                <a:solidFill>
-                  <a:srgbClr val="C00000"/>
-                </a:solidFill>
-                <a:highlight>
-                  <a:srgbClr val="C0C0C0"/>
-                </a:highlight>
-              </a:rPr>
-              <a:t>my speculation.</a:t>
-            </a:r>
-            <a:endParaRPr lang="en-IN" sz="2800" dirty="0">
-              <a:solidFill>
-                <a:srgbClr val="C00000"/>
-              </a:solidFill>
-              <a:highlight>
-                <a:srgbClr val="C0C0C0"/>
-              </a:highlight>
-            </a:endParaRPr>
+              <a:rPr lang="en-IN" sz="2800" dirty="0"/>
+              <a:t>Why not just form:</a:t>
+            </a:r>
+          </a:p>
+          <a:p>
+            <a:pPr marL="457200" indent="-457200">
+              <a:buFont typeface="Arial" panose="020B0604020202020204" pitchFamily="34" charset="0"/>
+              <a:buChar char="•"/>
+            </a:pPr>
+            <a:r>
+              <a:rPr lang="en-IN" sz="2800" dirty="0"/>
+              <a:t> N*T state variables (including Battery SOC)</a:t>
+            </a:r>
+          </a:p>
+          <a:p>
+            <a:pPr marL="457200" indent="-457200">
+              <a:buFont typeface="Arial" panose="020B0604020202020204" pitchFamily="34" charset="0"/>
+              <a:buChar char="•"/>
+            </a:pPr>
+            <a:r>
+              <a:rPr lang="en-IN" sz="2800" dirty="0"/>
+              <a:t>C*T constraints plus T additional constraints to maintain </a:t>
+            </a:r>
+            <a:r>
+              <a:rPr lang="en-IN" sz="2800" i="1" dirty="0"/>
+              <a:t>continuity </a:t>
+            </a:r>
+            <a:r>
+              <a:rPr lang="en-IN" sz="2800" dirty="0"/>
+              <a:t>for those memory elements. </a:t>
+            </a:r>
+            <a:r>
+              <a:rPr lang="en-IN" sz="1800" dirty="0"/>
+              <a:t>(Let’s assume just one battery in our whole grid)</a:t>
+            </a:r>
+            <a:endParaRPr lang="en-IN" sz="2800" dirty="0"/>
+          </a:p>
+          <a:p>
+            <a:pPr marL="457200" indent="-457200">
+              <a:buFont typeface="Arial" panose="020B0604020202020204" pitchFamily="34" charset="0"/>
+              <a:buChar char="•"/>
+            </a:pPr>
+            <a:r>
+              <a:rPr lang="en-IN" sz="2800" dirty="0"/>
+              <a:t>All into one big ‘steady-state-like’ Optimization problem and plug it into a solver?</a:t>
+            </a:r>
           </a:p>
           <a:p>
             <a:pPr marL="457200" indent="-457200">
@@ -7305,7 +7906,7 @@
         </p:nvSpPr>
         <p:spPr>
           <a:xfrm>
-            <a:off x="899821" y="161588"/>
+            <a:off x="875967" y="190380"/>
             <a:ext cx="10063163" cy="1073877"/>
           </a:xfrm>
         </p:spPr>
@@ -7323,7 +7924,7 @@
     </p:spTree>
     <p:extLst>
       <p:ext uri="{BB962C8B-B14F-4D97-AF65-F5344CB8AC3E}">
-        <p14:creationId xmlns:p14="http://schemas.microsoft.com/office/powerpoint/2010/main" val="504984678"/>
+        <p14:creationId xmlns:p14="http://schemas.microsoft.com/office/powerpoint/2010/main" val="3830537030"/>
       </p:ext>
     </p:extLst>
   </p:cSld>
@@ -7352,10 +7953,70 @@
       </p:grpSpPr>
       <p:sp>
         <p:nvSpPr>
-          <p:cNvPr id="34" name="Title 33">
+          <p:cNvPr id="2" name="Text Placeholder 1">
             <a:extLst>
               <a:ext uri="{FF2B5EF4-FFF2-40B4-BE49-F238E27FC236}">
-                <a16:creationId xmlns:a16="http://schemas.microsoft.com/office/drawing/2014/main" id="{8AC96926-49B1-4DFB-A717-827828860CC4}"/>
+                <a16:creationId xmlns:a16="http://schemas.microsoft.com/office/drawing/2014/main" id="{115CECA0-66F8-A232-293C-9BB14E71485D}"/>
+              </a:ext>
+            </a:extLst>
+          </p:cNvPr>
+          <p:cNvSpPr>
+            <a:spLocks noGrp="1"/>
+          </p:cNvSpPr>
+          <p:nvPr>
+            <p:ph type="body" idx="1"/>
+          </p:nvPr>
+        </p:nvSpPr>
+        <p:spPr>
+          <a:xfrm>
+            <a:off x="401573" y="1423282"/>
+            <a:ext cx="11059661" cy="5273130"/>
+          </a:xfrm>
+        </p:spPr>
+        <p:txBody>
+          <a:bodyPr/>
+          <a:lstStyle/>
+          <a:p>
+            <a:r>
+              <a:rPr lang="en-IN" sz="2800" dirty="0"/>
+              <a:t>Instead of using dynamic programming and optimization, why not just incorporate more state variables, more constraints (both by a factor of the number of time-steps: T) into one big ‘steady-state-like’ Optimization problem and plug it into a solver?</a:t>
+            </a:r>
+          </a:p>
+          <a:p>
+            <a:pPr marL="457200" indent="-457200">
+              <a:buFont typeface="Arial" panose="020B0604020202020204" pitchFamily="34" charset="0"/>
+              <a:buChar char="•"/>
+            </a:pPr>
+            <a:endParaRPr lang="en-IN" sz="2800" dirty="0"/>
+          </a:p>
+          <a:p>
+            <a:r>
+              <a:rPr lang="en-IN" sz="2800" dirty="0">
+                <a:solidFill>
+                  <a:srgbClr val="C00000"/>
+                </a:solidFill>
+                <a:highlight>
+                  <a:srgbClr val="C0C0C0"/>
+                </a:highlight>
+              </a:rPr>
+              <a:t>I do not have an answer for this now, I’d imagine that the time complexity will increase exponentially, but that’s just my speculation.</a:t>
+            </a:r>
+          </a:p>
+          <a:p>
+            <a:pPr marL="457200" indent="-457200">
+              <a:buFont typeface="Arial" panose="020B0604020202020204" pitchFamily="34" charset="0"/>
+              <a:buChar char="•"/>
+            </a:pPr>
+            <a:endParaRPr lang="en-IN" sz="2800" dirty="0"/>
+          </a:p>
+        </p:txBody>
+      </p:sp>
+      <p:sp>
+        <p:nvSpPr>
+          <p:cNvPr id="3" name="Title 2">
+            <a:extLst>
+              <a:ext uri="{FF2B5EF4-FFF2-40B4-BE49-F238E27FC236}">
+                <a16:creationId xmlns:a16="http://schemas.microsoft.com/office/drawing/2014/main" id="{7E0B44CE-9DAE-23DB-0CD5-295D7AA6AFA4}"/>
               </a:ext>
             </a:extLst>
           </p:cNvPr>
@@ -7368,8 +8029,8 @@
         </p:nvSpPr>
         <p:spPr>
           <a:xfrm>
-            <a:off x="1294089" y="324901"/>
-            <a:ext cx="5578468" cy="553998"/>
+            <a:off x="899821" y="161588"/>
+            <a:ext cx="10063163" cy="1073877"/>
           </a:xfrm>
         </p:spPr>
         <p:txBody>
@@ -7377,525 +8038,16 @@
           <a:lstStyle/>
           <a:p>
             <a:r>
-              <a:rPr lang="en-US" dirty="0"/>
-              <a:t>References </a:t>
-            </a:r>
-            <a:r>
-              <a:rPr lang="en-US" sz="1600" dirty="0"/>
-              <a:t>(not in order)</a:t>
-            </a:r>
-            <a:endParaRPr lang="en-US" dirty="0"/>
-          </a:p>
-        </p:txBody>
-      </p:sp>
-      <p:sp>
-        <p:nvSpPr>
-          <p:cNvPr id="6" name="Content Placeholder 5">
-            <a:extLst>
-              <a:ext uri="{FF2B5EF4-FFF2-40B4-BE49-F238E27FC236}">
-                <a16:creationId xmlns:a16="http://schemas.microsoft.com/office/drawing/2014/main" id="{F79BD561-90E0-4007-A8CB-DAF84D917E20}"/>
-              </a:ext>
-            </a:extLst>
-          </p:cNvPr>
-          <p:cNvSpPr>
-            <a:spLocks noGrp="1"/>
-          </p:cNvSpPr>
-          <p:nvPr>
-            <p:ph type="body" sz="quarter" idx="13"/>
-          </p:nvPr>
-        </p:nvSpPr>
-        <p:spPr>
-          <a:xfrm>
-            <a:off x="1210123" y="1119528"/>
-            <a:ext cx="10231804" cy="7794954"/>
-          </a:xfrm>
-        </p:spPr>
-        <p:txBody>
-          <a:bodyPr wrap="square">
-            <a:spAutoFit/>
-          </a:bodyPr>
-          <a:lstStyle/>
-          <a:p>
-            <a:pPr marL="457200" indent="-457200">
-              <a:buAutoNum type="arabicPeriod"/>
-            </a:pPr>
-            <a:r>
-              <a:rPr lang="en-US" i="1" dirty="0">
-                <a:solidFill>
-                  <a:schemeClr val="accent4">
-                    <a:lumMod val="60000"/>
-                    <a:lumOff val="40000"/>
-                  </a:schemeClr>
-                </a:solidFill>
-                <a:hlinkClick r:id="rId2">
-                  <a:extLst>
-                    <a:ext uri="{A12FA001-AC4F-418D-AE19-62706E023703}">
-                      <ahyp:hlinkClr xmlns:ahyp="http://schemas.microsoft.com/office/drawing/2018/hyperlinkcolor" val="tx"/>
-                    </a:ext>
-                  </a:extLst>
-                </a:hlinkClick>
-              </a:rPr>
-              <a:t>CTU Prague Optimal and Robust Control -</a:t>
-            </a:r>
-            <a:r>
-              <a:rPr lang="en-US" dirty="0">
-                <a:solidFill>
-                  <a:schemeClr val="accent4">
-                    <a:lumMod val="60000"/>
-                    <a:lumOff val="40000"/>
-                  </a:schemeClr>
-                </a:solidFill>
-                <a:hlinkClick r:id="rId2">
-                  <a:extLst>
-                    <a:ext uri="{A12FA001-AC4F-418D-AE19-62706E023703}">
-                      <ahyp:hlinkClr xmlns:ahyp="http://schemas.microsoft.com/office/drawing/2018/hyperlinkcolor" val="tx"/>
-                    </a:ext>
-                  </a:extLst>
-                </a:hlinkClick>
-              </a:rPr>
-              <a:t> L5.1 - Introduction to dynamic programming and its application to discrete-time optimal control </a:t>
-            </a:r>
-            <a:endParaRPr lang="en-US" dirty="0">
-              <a:solidFill>
-                <a:schemeClr val="accent4">
-                  <a:lumMod val="60000"/>
-                  <a:lumOff val="40000"/>
-                </a:schemeClr>
-              </a:solidFill>
-            </a:endParaRPr>
-          </a:p>
-          <a:p>
-            <a:pPr marL="457200" indent="-457200">
-              <a:buFont typeface="Arial" panose="020B0604020202020204" pitchFamily="34" charset="0"/>
-              <a:buAutoNum type="arabicPeriod"/>
-            </a:pPr>
-            <a:r>
-              <a:rPr lang="en-US" i="1" dirty="0">
-                <a:solidFill>
-                  <a:schemeClr val="accent5">
-                    <a:lumMod val="60000"/>
-                    <a:lumOff val="40000"/>
-                  </a:schemeClr>
-                </a:solidFill>
-                <a:hlinkClick r:id="rId3">
-                  <a:extLst>
-                    <a:ext uri="{A12FA001-AC4F-418D-AE19-62706E023703}">
-                      <ahyp:hlinkClr xmlns:ahyp="http://schemas.microsoft.com/office/drawing/2018/hyperlinkcolor" val="tx"/>
-                    </a:ext>
-                  </a:extLst>
-                </a:hlinkClick>
-              </a:rPr>
-              <a:t>The Julia Programming Language - </a:t>
-            </a:r>
-            <a:r>
-              <a:rPr lang="en-US" dirty="0">
-                <a:solidFill>
-                  <a:schemeClr val="accent5">
-                    <a:lumMod val="60000"/>
-                    <a:lumOff val="40000"/>
-                  </a:schemeClr>
-                </a:solidFill>
-                <a:hlinkClick r:id="rId3">
-                  <a:extLst>
-                    <a:ext uri="{A12FA001-AC4F-418D-AE19-62706E023703}">
-                      <ahyp:hlinkClr xmlns:ahyp="http://schemas.microsoft.com/office/drawing/2018/hyperlinkcolor" val="tx"/>
-                    </a:ext>
-                  </a:extLst>
-                </a:hlinkClick>
-              </a:rPr>
-              <a:t>Dynamic Programming and Seam Carving | MIT Computational Thinking Spring 2021 | Lecture 6 </a:t>
-            </a:r>
-            <a:endParaRPr lang="en-US" dirty="0">
-              <a:solidFill>
-                <a:schemeClr val="accent5">
-                  <a:lumMod val="60000"/>
-                  <a:lumOff val="40000"/>
-                </a:schemeClr>
-              </a:solidFill>
-            </a:endParaRPr>
-          </a:p>
-          <a:p>
-            <a:pPr marL="457200" indent="-457200">
-              <a:buFont typeface="Arial" panose="020B0604020202020204" pitchFamily="34" charset="0"/>
-              <a:buAutoNum type="arabicPeriod"/>
-            </a:pPr>
-            <a:r>
-              <a:rPr lang="en-US" i="1" dirty="0">
-                <a:solidFill>
-                  <a:schemeClr val="accent4">
-                    <a:lumMod val="60000"/>
-                    <a:lumOff val="40000"/>
-                  </a:schemeClr>
-                </a:solidFill>
-                <a:hlinkClick r:id="rId4">
-                  <a:extLst>
-                    <a:ext uri="{A12FA001-AC4F-418D-AE19-62706E023703}">
-                      <ahyp:hlinkClr xmlns:ahyp="http://schemas.microsoft.com/office/drawing/2018/hyperlinkcolor" val="tx"/>
-                    </a:ext>
-                  </a:extLst>
-                </a:hlinkClick>
-              </a:rPr>
-              <a:t>Hu et al. (2016)</a:t>
-            </a:r>
-            <a:r>
-              <a:rPr lang="en-US" b="1" dirty="0">
-                <a:solidFill>
-                  <a:schemeClr val="accent4">
-                    <a:lumMod val="60000"/>
-                    <a:lumOff val="40000"/>
-                  </a:schemeClr>
-                </a:solidFill>
-                <a:hlinkClick r:id="rId4">
-                  <a:extLst>
-                    <a:ext uri="{A12FA001-AC4F-418D-AE19-62706E023703}">
-                      <ahyp:hlinkClr xmlns:ahyp="http://schemas.microsoft.com/office/drawing/2018/hyperlinkcolor" val="tx"/>
-                    </a:ext>
-                  </a:extLst>
-                </a:hlinkClick>
-              </a:rPr>
-              <a:t> - </a:t>
-            </a:r>
-            <a:r>
-              <a:rPr lang="en-US" dirty="0">
-                <a:solidFill>
-                  <a:schemeClr val="accent4">
-                    <a:lumMod val="60000"/>
-                    <a:lumOff val="40000"/>
-                  </a:schemeClr>
-                </a:solidFill>
-                <a:hlinkClick r:id="rId4">
-                  <a:extLst>
-                    <a:ext uri="{A12FA001-AC4F-418D-AE19-62706E023703}">
-                      <ahyp:hlinkClr xmlns:ahyp="http://schemas.microsoft.com/office/drawing/2018/hyperlinkcolor" val="tx"/>
-                    </a:ext>
-                  </a:extLst>
-                </a:hlinkClick>
-              </a:rPr>
-              <a:t>A Dynamic Programming based method for optimizing power system restoration with high wind power penetration</a:t>
-            </a:r>
-            <a:endParaRPr lang="en-US" dirty="0">
-              <a:solidFill>
-                <a:schemeClr val="accent4">
-                  <a:lumMod val="60000"/>
-                  <a:lumOff val="40000"/>
-                </a:schemeClr>
-              </a:solidFill>
-            </a:endParaRPr>
-          </a:p>
-          <a:p>
-            <a:pPr marL="457200" indent="-457200">
-              <a:buFont typeface="Arial" panose="020B0604020202020204" pitchFamily="34" charset="0"/>
-              <a:buAutoNum type="arabicPeriod"/>
-            </a:pPr>
-            <a:r>
-              <a:rPr lang="en-US" i="1" dirty="0">
-                <a:solidFill>
-                  <a:schemeClr val="accent5">
-                    <a:lumMod val="60000"/>
-                    <a:lumOff val="40000"/>
-                  </a:schemeClr>
-                </a:solidFill>
-                <a:hlinkClick r:id="rId5">
-                  <a:extLst>
-                    <a:ext uri="{A12FA001-AC4F-418D-AE19-62706E023703}">
-                      <ahyp:hlinkClr xmlns:ahyp="http://schemas.microsoft.com/office/drawing/2018/hyperlinkcolor" val="tx"/>
-                    </a:ext>
-                  </a:extLst>
-                </a:hlinkClick>
-              </a:rPr>
-              <a:t>Guerrero, </a:t>
-            </a:r>
-            <a:r>
-              <a:rPr lang="en-US" i="1" dirty="0" err="1">
-                <a:solidFill>
-                  <a:schemeClr val="accent5">
-                    <a:lumMod val="60000"/>
-                    <a:lumOff val="40000"/>
-                  </a:schemeClr>
-                </a:solidFill>
-                <a:hlinkClick r:id="rId5">
-                  <a:extLst>
-                    <a:ext uri="{A12FA001-AC4F-418D-AE19-62706E023703}">
-                      <ahyp:hlinkClr xmlns:ahyp="http://schemas.microsoft.com/office/drawing/2018/hyperlinkcolor" val="tx"/>
-                    </a:ext>
-                  </a:extLst>
-                </a:hlinkClick>
-              </a:rPr>
-              <a:t>Heydt</a:t>
-            </a:r>
-            <a:r>
-              <a:rPr lang="en-US" i="1" dirty="0">
-                <a:solidFill>
-                  <a:schemeClr val="accent5">
-                    <a:lumMod val="60000"/>
-                    <a:lumOff val="40000"/>
-                  </a:schemeClr>
-                </a:solidFill>
-                <a:hlinkClick r:id="rId5">
-                  <a:extLst>
-                    <a:ext uri="{A12FA001-AC4F-418D-AE19-62706E023703}">
-                      <ahyp:hlinkClr xmlns:ahyp="http://schemas.microsoft.com/office/drawing/2018/hyperlinkcolor" val="tx"/>
-                    </a:ext>
-                  </a:extLst>
-                </a:hlinkClick>
-              </a:rPr>
-              <a:t> et al (2008) </a:t>
-            </a:r>
-            <a:r>
-              <a:rPr lang="en-US" dirty="0">
-                <a:solidFill>
-                  <a:schemeClr val="accent5">
-                    <a:lumMod val="60000"/>
-                    <a:lumOff val="40000"/>
-                  </a:schemeClr>
-                </a:solidFill>
-                <a:hlinkClick r:id="rId5">
-                  <a:extLst>
-                    <a:ext uri="{A12FA001-AC4F-418D-AE19-62706E023703}">
-                      <ahyp:hlinkClr xmlns:ahyp="http://schemas.microsoft.com/office/drawing/2018/hyperlinkcolor" val="tx"/>
-                    </a:ext>
-                  </a:extLst>
-                </a:hlinkClick>
-              </a:rPr>
-              <a:t>- Optimal Restoration of Distribution Systems Using Dynamic Programming</a:t>
-            </a:r>
-            <a:endParaRPr lang="en-US" dirty="0">
-              <a:solidFill>
-                <a:schemeClr val="accent5">
-                  <a:lumMod val="60000"/>
-                  <a:lumOff val="40000"/>
-                </a:schemeClr>
-              </a:solidFill>
-            </a:endParaRPr>
-          </a:p>
-          <a:p>
-            <a:pPr marL="457200" indent="-457200">
-              <a:buFont typeface="Arial" panose="020B0604020202020204" pitchFamily="34" charset="0"/>
-              <a:buAutoNum type="arabicPeriod"/>
-            </a:pPr>
-            <a:r>
-              <a:rPr lang="en-US" i="1" dirty="0">
-                <a:solidFill>
-                  <a:schemeClr val="accent4">
-                    <a:lumMod val="60000"/>
-                    <a:lumOff val="40000"/>
-                  </a:schemeClr>
-                </a:solidFill>
-                <a:hlinkClick r:id="rId6">
-                  <a:extLst>
-                    <a:ext uri="{A12FA001-AC4F-418D-AE19-62706E023703}">
-                      <ahyp:hlinkClr xmlns:ahyp="http://schemas.microsoft.com/office/drawing/2018/hyperlinkcolor" val="tx"/>
-                    </a:ext>
-                  </a:extLst>
-                </a:hlinkClick>
-              </a:rPr>
-              <a:t>Anamika Dubey, Surya Santoso (2015)</a:t>
-            </a:r>
-            <a:r>
-              <a:rPr lang="en-US" dirty="0">
-                <a:solidFill>
-                  <a:schemeClr val="accent4">
-                    <a:lumMod val="60000"/>
-                    <a:lumOff val="40000"/>
-                  </a:schemeClr>
-                </a:solidFill>
-                <a:hlinkClick r:id="rId6">
-                  <a:extLst>
-                    <a:ext uri="{A12FA001-AC4F-418D-AE19-62706E023703}">
-                      <ahyp:hlinkClr xmlns:ahyp="http://schemas.microsoft.com/office/drawing/2018/hyperlinkcolor" val="tx"/>
-                    </a:ext>
-                  </a:extLst>
-                </a:hlinkClick>
-              </a:rPr>
-              <a:t> - Electric Vehicle Charging on Residential Distribution Systems: Impacts and Mitigations</a:t>
-            </a:r>
-            <a:endParaRPr lang="en-US" dirty="0">
-              <a:solidFill>
-                <a:schemeClr val="accent4">
-                  <a:lumMod val="60000"/>
-                  <a:lumOff val="40000"/>
-                </a:schemeClr>
-              </a:solidFill>
-            </a:endParaRPr>
-          </a:p>
-          <a:p>
-            <a:pPr marL="457200" indent="-457200">
-              <a:buFont typeface="Arial" panose="020B0604020202020204" pitchFamily="34" charset="0"/>
-              <a:buAutoNum type="arabicPeriod"/>
-            </a:pPr>
-            <a:r>
-              <a:rPr lang="en-US" i="1" dirty="0">
-                <a:solidFill>
-                  <a:schemeClr val="accent5">
-                    <a:lumMod val="60000"/>
-                    <a:lumOff val="40000"/>
-                  </a:schemeClr>
-                </a:solidFill>
-                <a:hlinkClick r:id="rId7">
-                  <a:extLst>
-                    <a:ext uri="{A12FA001-AC4F-418D-AE19-62706E023703}">
-                      <ahyp:hlinkClr xmlns:ahyp="http://schemas.microsoft.com/office/drawing/2018/hyperlinkcolor" val="tx"/>
-                    </a:ext>
-                  </a:extLst>
-                </a:hlinkClick>
-              </a:rPr>
-              <a:t>freeCodeCamp.org </a:t>
-            </a:r>
-            <a:r>
-              <a:rPr lang="en-US" dirty="0">
-                <a:solidFill>
-                  <a:schemeClr val="accent5">
-                    <a:lumMod val="60000"/>
-                    <a:lumOff val="40000"/>
-                  </a:schemeClr>
-                </a:solidFill>
-                <a:hlinkClick r:id="rId7">
-                  <a:extLst>
-                    <a:ext uri="{A12FA001-AC4F-418D-AE19-62706E023703}">
-                      <ahyp:hlinkClr xmlns:ahyp="http://schemas.microsoft.com/office/drawing/2018/hyperlinkcolor" val="tx"/>
-                    </a:ext>
-                  </a:extLst>
-                </a:hlinkClick>
-              </a:rPr>
-              <a:t>- Dynamic Programming - Learn to Solve Algorithmic Problems &amp; Coding Challenges</a:t>
-            </a:r>
-            <a:r>
-              <a:rPr lang="en-US" dirty="0">
-                <a:solidFill>
-                  <a:schemeClr val="accent5">
-                    <a:lumMod val="60000"/>
-                    <a:lumOff val="40000"/>
-                  </a:schemeClr>
-                </a:solidFill>
-              </a:rPr>
-              <a:t> </a:t>
-            </a:r>
-          </a:p>
-          <a:p>
-            <a:pPr marL="457200" indent="-457200">
-              <a:buFont typeface="Arial" panose="020B0604020202020204" pitchFamily="34" charset="0"/>
-              <a:buAutoNum type="arabicPeriod"/>
-            </a:pPr>
-            <a:r>
-              <a:rPr lang="en-US" i="1" dirty="0">
-                <a:solidFill>
-                  <a:schemeClr val="accent4">
-                    <a:lumMod val="60000"/>
-                    <a:lumOff val="40000"/>
-                  </a:schemeClr>
-                </a:solidFill>
-                <a:hlinkClick r:id="rId8">
-                  <a:extLst>
-                    <a:ext uri="{A12FA001-AC4F-418D-AE19-62706E023703}">
-                      <ahyp:hlinkClr xmlns:ahyp="http://schemas.microsoft.com/office/drawing/2018/hyperlinkcolor" val="tx"/>
-                    </a:ext>
-                  </a:extLst>
-                </a:hlinkClick>
-              </a:rPr>
-              <a:t>Johan </a:t>
-            </a:r>
-            <a:r>
-              <a:rPr lang="en-US" i="1" dirty="0" err="1">
-                <a:solidFill>
-                  <a:schemeClr val="accent4">
-                    <a:lumMod val="60000"/>
-                    <a:lumOff val="40000"/>
-                  </a:schemeClr>
-                </a:solidFill>
-                <a:hlinkClick r:id="rId8">
-                  <a:extLst>
-                    <a:ext uri="{A12FA001-AC4F-418D-AE19-62706E023703}">
-                      <ahyp:hlinkClr xmlns:ahyp="http://schemas.microsoft.com/office/drawing/2018/hyperlinkcolor" val="tx"/>
-                    </a:ext>
-                  </a:extLst>
-                </a:hlinkClick>
-              </a:rPr>
-              <a:t>Driesen</a:t>
-            </a:r>
-            <a:r>
-              <a:rPr lang="en-US" i="1" dirty="0">
-                <a:solidFill>
-                  <a:schemeClr val="accent4">
-                    <a:lumMod val="60000"/>
-                    <a:lumOff val="40000"/>
-                  </a:schemeClr>
-                </a:solidFill>
-                <a:hlinkClick r:id="rId8">
-                  <a:extLst>
-                    <a:ext uri="{A12FA001-AC4F-418D-AE19-62706E023703}">
-                      <ahyp:hlinkClr xmlns:ahyp="http://schemas.microsoft.com/office/drawing/2018/hyperlinkcolor" val="tx"/>
-                    </a:ext>
-                  </a:extLst>
-                </a:hlinkClick>
-              </a:rPr>
-              <a:t> et al (KU Leuven, 2009)</a:t>
-            </a:r>
-            <a:r>
-              <a:rPr lang="en-US" dirty="0">
-                <a:solidFill>
-                  <a:schemeClr val="accent4">
-                    <a:lumMod val="60000"/>
-                    <a:lumOff val="40000"/>
-                  </a:schemeClr>
-                </a:solidFill>
-                <a:hlinkClick r:id="rId8">
-                  <a:extLst>
-                    <a:ext uri="{A12FA001-AC4F-418D-AE19-62706E023703}">
-                      <ahyp:hlinkClr xmlns:ahyp="http://schemas.microsoft.com/office/drawing/2018/hyperlinkcolor" val="tx"/>
-                    </a:ext>
-                  </a:extLst>
-                </a:hlinkClick>
-              </a:rPr>
-              <a:t> - The Impact of Charging Plug-In Hybrid Electric Vehicles on a Residential Distribution Grid</a:t>
-            </a:r>
-            <a:endParaRPr lang="en-US" dirty="0">
-              <a:solidFill>
-                <a:schemeClr val="accent4">
-                  <a:lumMod val="60000"/>
-                  <a:lumOff val="40000"/>
-                </a:schemeClr>
-              </a:solidFill>
-            </a:endParaRPr>
-          </a:p>
-          <a:p>
-            <a:pPr marL="457200" indent="-457200">
-              <a:buFont typeface="Arial" panose="020B0604020202020204" pitchFamily="34" charset="0"/>
-              <a:buAutoNum type="arabicPeriod"/>
-            </a:pPr>
-            <a:endParaRPr lang="en-US" dirty="0">
-              <a:solidFill>
-                <a:schemeClr val="accent4">
-                  <a:lumMod val="60000"/>
-                  <a:lumOff val="40000"/>
-                </a:schemeClr>
-              </a:solidFill>
-            </a:endParaRPr>
-          </a:p>
-          <a:p>
-            <a:pPr marL="457200" indent="-457200">
-              <a:buFont typeface="Arial" panose="020B0604020202020204" pitchFamily="34" charset="0"/>
-              <a:buAutoNum type="arabicPeriod"/>
-            </a:pPr>
-            <a:endParaRPr lang="en-US" dirty="0"/>
-          </a:p>
-          <a:p>
-            <a:pPr marL="457200" indent="-457200">
-              <a:buAutoNum type="arabicPeriod"/>
-            </a:pPr>
-            <a:endParaRPr lang="en-US" dirty="0"/>
-          </a:p>
-          <a:p>
-            <a:endParaRPr lang="en-US" b="1" dirty="0"/>
-          </a:p>
-          <a:p>
-            <a:endParaRPr lang="en-US" dirty="0"/>
+              <a:rPr lang="en-IN" dirty="0"/>
+              <a:t>Do we even need a dynamic programming formulation in Power Systems?</a:t>
+            </a:r>
           </a:p>
         </p:txBody>
       </p:sp>
     </p:spTree>
     <p:extLst>
       <p:ext uri="{BB962C8B-B14F-4D97-AF65-F5344CB8AC3E}">
-        <p14:creationId xmlns:p14="http://schemas.microsoft.com/office/powerpoint/2010/main" val="1767751549"/>
+        <p14:creationId xmlns:p14="http://schemas.microsoft.com/office/powerpoint/2010/main" val="504984678"/>
       </p:ext>
     </p:extLst>
   </p:cSld>

--- a/research_showcase/dynamicProgramming_aryan_ritwajeet_jha.pptx
+++ b/research_showcase/dynamicProgramming_aryan_ritwajeet_jha.pptx
@@ -13,8 +13,8 @@
   <p:sldIdLst>
     <p:sldId id="257" r:id="rId2"/>
     <p:sldId id="258" r:id="rId3"/>
-    <p:sldId id="264" r:id="rId4"/>
-    <p:sldId id="286" r:id="rId5"/>
+    <p:sldId id="286" r:id="rId4"/>
+    <p:sldId id="264" r:id="rId5"/>
     <p:sldId id="282" r:id="rId6"/>
     <p:sldId id="281" r:id="rId7"/>
     <p:sldId id="283" r:id="rId8"/>
@@ -7017,75 +7017,14 @@
         </p:nvSpPr>
         <p:spPr>
           <a:xfrm>
-            <a:off x="1877832" y="2431684"/>
-            <a:ext cx="10063163" cy="1533002"/>
+            <a:off x="6096000" y="1895998"/>
+            <a:ext cx="5387915" cy="1533002"/>
           </a:xfrm>
         </p:spPr>
         <p:txBody>
           <a:bodyPr/>
           <a:lstStyle/>
           <a:p>
-            <a:r>
-              <a:rPr lang="en-US" b="1" dirty="0"/>
-              <a:t>Context:</a:t>
-            </a:r>
-          </a:p>
-          <a:p>
-            <a:pPr marL="457200" indent="-457200">
-              <a:buClr>
-                <a:srgbClr val="00B050"/>
-              </a:buClr>
-              <a:buFont typeface="Wingdings" panose="05000000000000000000" pitchFamily="2" charset="2"/>
-              <a:buChar char="ü"/>
-            </a:pPr>
-            <a:r>
-              <a:rPr lang="en-US" dirty="0"/>
-              <a:t>Charge </a:t>
-            </a:r>
-            <a:r>
-              <a:rPr lang="en-US" b="1" i="1" dirty="0"/>
-              <a:t>M </a:t>
-            </a:r>
-            <a:r>
-              <a:rPr lang="en-US" dirty="0"/>
-              <a:t>vehicles (loads) during night-time from </a:t>
-            </a:r>
-            <a:r>
-              <a:rPr lang="en-US" b="1" i="1" dirty="0"/>
-              <a:t>M</a:t>
-            </a:r>
-            <a:r>
-              <a:rPr lang="en-US" dirty="0"/>
-              <a:t> charging stations (nodes). </a:t>
-            </a:r>
-          </a:p>
-          <a:p>
-            <a:pPr marL="914400" lvl="1" indent="-457200">
-              <a:buClr>
-                <a:srgbClr val="00B050"/>
-              </a:buClr>
-              <a:buFont typeface="Wingdings" panose="05000000000000000000" pitchFamily="2" charset="2"/>
-              <a:buChar char="§"/>
-            </a:pPr>
-            <a:r>
-              <a:rPr lang="en-US" sz="2800" dirty="0">
-                <a:solidFill>
-                  <a:schemeClr val="bg1">
-                    <a:lumMod val="85000"/>
-                  </a:schemeClr>
-                </a:solidFill>
-              </a:rPr>
-              <a:t>Night-time = 6PM to 6AM.</a:t>
-            </a:r>
-          </a:p>
-          <a:p>
-            <a:pPr marL="457200" indent="-457200">
-              <a:buClr>
-                <a:srgbClr val="00B050"/>
-              </a:buClr>
-              <a:buFont typeface="Wingdings" panose="05000000000000000000" pitchFamily="2" charset="2"/>
-              <a:buChar char="ü"/>
-            </a:pPr>
             <a:r>
               <a:rPr lang="en-US" dirty="0">
                 <a:solidFill>
@@ -7094,34 +7033,20 @@
                   </a:schemeClr>
                 </a:solidFill>
               </a:rPr>
-              <a:t>Charge them fully before the next morning. </a:t>
-            </a:r>
-          </a:p>
-          <a:p>
-            <a:pPr marL="914400" lvl="1" indent="-457200">
-              <a:buClr>
-                <a:srgbClr val="00B050"/>
-              </a:buClr>
-              <a:buFont typeface="Wingdings" panose="05000000000000000000" pitchFamily="2" charset="2"/>
-              <a:buChar char="§"/>
-            </a:pPr>
-            <a:r>
-              <a:rPr lang="en-US" sz="2800" dirty="0">
-                <a:solidFill>
-                  <a:schemeClr val="bg1">
-                    <a:lumMod val="85000"/>
-                  </a:schemeClr>
-                </a:solidFill>
-              </a:rPr>
-              <a:t>They aren’t leaving before 6AM, so no hard constraints on the available charging timings themselves.</a:t>
-            </a:r>
-            <a:endParaRPr lang="en-US" dirty="0">
-              <a:solidFill>
-                <a:schemeClr val="bg1">
-                  <a:lumMod val="85000"/>
-                </a:schemeClr>
-              </a:solidFill>
-            </a:endParaRPr>
+              <a:t>EVs are plugged in during the night for charging.</a:t>
+            </a:r>
+          </a:p>
+          <a:p>
+            <a:r>
+              <a:rPr lang="en-US" dirty="0"/>
+              <a:t>Charging at multiple locations of the residential grid (a distribution network) at the same time causes voltage drops.</a:t>
+            </a:r>
+          </a:p>
+          <a:p>
+            <a:r>
+              <a:rPr lang="en-US" dirty="0"/>
+              <a:t>Such uncoordinated power consumption at the local scale can lead to grid problems.</a:t>
+            </a:r>
           </a:p>
         </p:txBody>
       </p:sp>
@@ -7143,7 +7068,7 @@
         </p:nvSpPr>
         <p:spPr>
           <a:xfrm>
-            <a:off x="1122459" y="126771"/>
+            <a:off x="1146313" y="63611"/>
             <a:ext cx="10063163" cy="1756027"/>
           </a:xfrm>
         </p:spPr>
@@ -7160,16 +7085,46 @@
             </a:br>
             <a:r>
               <a:rPr lang="en-US" sz="2400" b="0" i="1" dirty="0"/>
-              <a:t>Anamika Dubey and Surya Santoso  (2015)</a:t>
+              <a:t>Anamika Dubey and Surya Santoso (2015)</a:t>
             </a:r>
             <a:endParaRPr lang="en-US" b="0" i="1" dirty="0"/>
           </a:p>
         </p:txBody>
       </p:sp>
+      <p:pic>
+        <p:nvPicPr>
+          <p:cNvPr id="5" name="Picture 4">
+            <a:extLst>
+              <a:ext uri="{FF2B5EF4-FFF2-40B4-BE49-F238E27FC236}">
+                <a16:creationId xmlns:a16="http://schemas.microsoft.com/office/drawing/2014/main" id="{38EF5DA3-2B2D-C8A3-FCD1-267EEA8600B2}"/>
+              </a:ext>
+            </a:extLst>
+          </p:cNvPr>
+          <p:cNvPicPr>
+            <a:picLocks noChangeAspect="1"/>
+          </p:cNvPicPr>
+          <p:nvPr/>
+        </p:nvPicPr>
+        <p:blipFill>
+          <a:blip r:embed="rId2"/>
+          <a:stretch>
+            <a:fillRect/>
+          </a:stretch>
+        </p:blipFill>
+        <p:spPr>
+          <a:xfrm>
+            <a:off x="195345" y="1885707"/>
+            <a:ext cx="5443577" cy="4853023"/>
+          </a:xfrm>
+          <a:prstGeom prst="rect">
+            <a:avLst/>
+          </a:prstGeom>
+        </p:spPr>
+      </p:pic>
     </p:spTree>
     <p:extLst>
       <p:ext uri="{BB962C8B-B14F-4D97-AF65-F5344CB8AC3E}">
-        <p14:creationId xmlns:p14="http://schemas.microsoft.com/office/powerpoint/2010/main" val="3573548137"/>
+        <p14:creationId xmlns:p14="http://schemas.microsoft.com/office/powerpoint/2010/main" val="3821229530"/>
       </p:ext>
     </p:extLst>
   </p:cSld>
@@ -7222,14 +7177,75 @@
         </p:nvSpPr>
         <p:spPr>
           <a:xfrm>
-            <a:off x="6096000" y="1895998"/>
-            <a:ext cx="5387915" cy="1533002"/>
+            <a:off x="1877832" y="2431684"/>
+            <a:ext cx="10063163" cy="1533002"/>
           </a:xfrm>
         </p:spPr>
         <p:txBody>
           <a:bodyPr/>
           <a:lstStyle/>
           <a:p>
+            <a:r>
+              <a:rPr lang="en-US" b="1" dirty="0"/>
+              <a:t>Context:</a:t>
+            </a:r>
+          </a:p>
+          <a:p>
+            <a:pPr marL="457200" indent="-457200">
+              <a:buClr>
+                <a:srgbClr val="00B050"/>
+              </a:buClr>
+              <a:buFont typeface="Wingdings" panose="05000000000000000000" pitchFamily="2" charset="2"/>
+              <a:buChar char="ü"/>
+            </a:pPr>
+            <a:r>
+              <a:rPr lang="en-US" dirty="0"/>
+              <a:t>Charge </a:t>
+            </a:r>
+            <a:r>
+              <a:rPr lang="en-US" b="1" i="1" dirty="0"/>
+              <a:t>M </a:t>
+            </a:r>
+            <a:r>
+              <a:rPr lang="en-US" dirty="0"/>
+              <a:t>vehicles (loads) during night-time from </a:t>
+            </a:r>
+            <a:r>
+              <a:rPr lang="en-US" b="1" i="1" dirty="0"/>
+              <a:t>M</a:t>
+            </a:r>
+            <a:r>
+              <a:rPr lang="en-US" dirty="0"/>
+              <a:t> charging stations (nodes). </a:t>
+            </a:r>
+          </a:p>
+          <a:p>
+            <a:pPr marL="914400" lvl="1" indent="-457200">
+              <a:buClr>
+                <a:srgbClr val="00B050"/>
+              </a:buClr>
+              <a:buFont typeface="Wingdings" panose="05000000000000000000" pitchFamily="2" charset="2"/>
+              <a:buChar char="§"/>
+            </a:pPr>
+            <a:r>
+              <a:rPr lang="en-US" sz="2800" dirty="0">
+                <a:solidFill>
+                  <a:schemeClr val="bg1">
+                    <a:lumMod val="85000"/>
+                  </a:schemeClr>
+                </a:solidFill>
+              </a:rPr>
+              <a:t>Night-time = 6PM to 6AM.</a:t>
+            </a:r>
+          </a:p>
+          <a:p>
+            <a:pPr marL="457200" indent="-457200">
+              <a:buClr>
+                <a:srgbClr val="00B050"/>
+              </a:buClr>
+              <a:buFont typeface="Wingdings" panose="05000000000000000000" pitchFamily="2" charset="2"/>
+              <a:buChar char="ü"/>
+            </a:pPr>
             <a:r>
               <a:rPr lang="en-US" dirty="0">
                 <a:solidFill>
@@ -7238,20 +7254,34 @@
                   </a:schemeClr>
                 </a:solidFill>
               </a:rPr>
-              <a:t>EVs are plugged in during the night for charging.</a:t>
-            </a:r>
-          </a:p>
-          <a:p>
-            <a:r>
-              <a:rPr lang="en-US" dirty="0"/>
-              <a:t>Charging at multiple locations of the residential grid (a distribution network) at the same time causes voltage drops.</a:t>
-            </a:r>
-          </a:p>
-          <a:p>
-            <a:r>
-              <a:rPr lang="en-US" dirty="0"/>
-              <a:t>Such uncoordinated power consumption at the local scale can lead to grid problems.</a:t>
-            </a:r>
+              <a:t>Charge them fully before the next morning. </a:t>
+            </a:r>
+          </a:p>
+          <a:p>
+            <a:pPr marL="914400" lvl="1" indent="-457200">
+              <a:buClr>
+                <a:srgbClr val="00B050"/>
+              </a:buClr>
+              <a:buFont typeface="Wingdings" panose="05000000000000000000" pitchFamily="2" charset="2"/>
+              <a:buChar char="§"/>
+            </a:pPr>
+            <a:r>
+              <a:rPr lang="en-US" sz="2800" dirty="0">
+                <a:solidFill>
+                  <a:schemeClr val="bg1">
+                    <a:lumMod val="85000"/>
+                  </a:schemeClr>
+                </a:solidFill>
+              </a:rPr>
+              <a:t>They aren’t leaving before 6AM, so no hard constraints on the available charging timings themselves.</a:t>
+            </a:r>
+            <a:endParaRPr lang="en-US" dirty="0">
+              <a:solidFill>
+                <a:schemeClr val="bg1">
+                  <a:lumMod val="85000"/>
+                </a:schemeClr>
+              </a:solidFill>
+            </a:endParaRPr>
           </a:p>
         </p:txBody>
       </p:sp>
@@ -7273,7 +7303,7 @@
         </p:nvSpPr>
         <p:spPr>
           <a:xfrm>
-            <a:off x="1146313" y="63611"/>
+            <a:off x="1122459" y="126771"/>
             <a:ext cx="10063163" cy="1756027"/>
           </a:xfrm>
         </p:spPr>
@@ -7290,46 +7320,16 @@
             </a:br>
             <a:r>
               <a:rPr lang="en-US" sz="2400" b="0" i="1" dirty="0"/>
-              <a:t>Anamika Dubey and Surya Santoso</a:t>
+              <a:t>Anamika Dubey and Surya Santoso  (2015)</a:t>
             </a:r>
             <a:endParaRPr lang="en-US" b="0" i="1" dirty="0"/>
           </a:p>
         </p:txBody>
       </p:sp>
-      <p:pic>
-        <p:nvPicPr>
-          <p:cNvPr id="5" name="Picture 4">
-            <a:extLst>
-              <a:ext uri="{FF2B5EF4-FFF2-40B4-BE49-F238E27FC236}">
-                <a16:creationId xmlns:a16="http://schemas.microsoft.com/office/drawing/2014/main" id="{38EF5DA3-2B2D-C8A3-FCD1-267EEA8600B2}"/>
-              </a:ext>
-            </a:extLst>
-          </p:cNvPr>
-          <p:cNvPicPr>
-            <a:picLocks noChangeAspect="1"/>
-          </p:cNvPicPr>
-          <p:nvPr/>
-        </p:nvPicPr>
-        <p:blipFill>
-          <a:blip r:embed="rId2"/>
-          <a:stretch>
-            <a:fillRect/>
-          </a:stretch>
-        </p:blipFill>
-        <p:spPr>
-          <a:xfrm>
-            <a:off x="195345" y="1885707"/>
-            <a:ext cx="5443577" cy="4853023"/>
-          </a:xfrm>
-          <a:prstGeom prst="rect">
-            <a:avLst/>
-          </a:prstGeom>
-        </p:spPr>
-      </p:pic>
     </p:spTree>
     <p:extLst>
       <p:ext uri="{BB962C8B-B14F-4D97-AF65-F5344CB8AC3E}">
-        <p14:creationId xmlns:p14="http://schemas.microsoft.com/office/powerpoint/2010/main" val="3821229530"/>
+        <p14:creationId xmlns:p14="http://schemas.microsoft.com/office/powerpoint/2010/main" val="3573548137"/>
       </p:ext>
     </p:extLst>
   </p:cSld>
@@ -7345,7 +7345,7 @@
     <p:bg>
       <p:bgPr>
         <a:solidFill>
-          <a:schemeClr val="tx2"/>
+          <a:schemeClr val="bg1"/>
         </a:solidFill>
         <a:effectLst/>
       </p:bgPr>
@@ -7366,6 +7366,1820 @@
       </p:grpSpPr>
       <p:sp>
         <p:nvSpPr>
+          <p:cNvPr id="28" name="Rectangle 16">
+            <a:extLst>
+              <a:ext uri="{FF2B5EF4-FFF2-40B4-BE49-F238E27FC236}">
+                <a16:creationId xmlns:a16="http://schemas.microsoft.com/office/drawing/2014/main" id="{D7A453D2-15D8-4403-815F-291FA16340D9}"/>
+              </a:ext>
+              <a:ext uri="{C183D7F6-B498-43B3-948B-1728B52AA6E4}">
+                <adec:decorative xmlns:adec="http://schemas.microsoft.com/office/drawing/2017/decorative" val="1"/>
+              </a:ext>
+            </a:extLst>
+          </p:cNvPr>
+          <p:cNvSpPr>
+            <a:spLocks noGrp="1" noRot="1" noChangeAspect="1" noMove="1" noResize="1" noEditPoints="1" noAdjustHandles="1" noChangeArrowheads="1" noChangeShapeType="1" noTextEdit="1"/>
+          </p:cNvSpPr>
+          <p:nvPr>
+            <p:extLst>
+              <p:ext uri="{386F3935-93C4-4BCD-93E2-E3B085C9AB24}">
+                <p16:designElem xmlns:p16="http://schemas.microsoft.com/office/powerpoint/2015/main" val="1"/>
+              </p:ext>
+            </p:extLst>
+          </p:nvPr>
+        </p:nvSpPr>
+        <p:spPr>
+          <a:xfrm>
+            <a:off x="3048" y="0"/>
+            <a:ext cx="12188952" cy="6858000"/>
+          </a:xfrm>
+          <a:prstGeom prst="rect">
+            <a:avLst/>
+          </a:prstGeom>
+          <a:solidFill>
+            <a:schemeClr val="tx2"/>
+          </a:solidFill>
+          <a:ln>
+            <a:noFill/>
+          </a:ln>
+        </p:spPr>
+        <p:style>
+          <a:lnRef idx="2">
+            <a:schemeClr val="accent1">
+              <a:shade val="50000"/>
+            </a:schemeClr>
+          </a:lnRef>
+          <a:fillRef idx="1">
+            <a:schemeClr val="accent1"/>
+          </a:fillRef>
+          <a:effectRef idx="0">
+            <a:schemeClr val="accent1"/>
+          </a:effectRef>
+          <a:fontRef idx="minor">
+            <a:schemeClr val="lt1"/>
+          </a:fontRef>
+        </p:style>
+        <p:txBody>
+          <a:bodyPr rtlCol="0" anchor="ctr"/>
+          <a:lstStyle/>
+          <a:p>
+            <a:pPr algn="ctr"/>
+            <a:endParaRPr lang="en-US"/>
+          </a:p>
+        </p:txBody>
+      </p:sp>
+      <p:sp>
+        <p:nvSpPr>
+          <p:cNvPr id="30" name="Rectangle 18">
+            <a:extLst>
+              <a:ext uri="{FF2B5EF4-FFF2-40B4-BE49-F238E27FC236}">
+                <a16:creationId xmlns:a16="http://schemas.microsoft.com/office/drawing/2014/main" id="{8161EA6B-09CA-445B-AB0D-8DF76FA92DEF}"/>
+              </a:ext>
+              <a:ext uri="{C183D7F6-B498-43B3-948B-1728B52AA6E4}">
+                <adec:decorative xmlns:adec="http://schemas.microsoft.com/office/drawing/2017/decorative" val="1"/>
+              </a:ext>
+            </a:extLst>
+          </p:cNvPr>
+          <p:cNvSpPr>
+            <a:spLocks noGrp="1" noRot="1" noChangeAspect="1" noMove="1" noResize="1" noEditPoints="1" noAdjustHandles="1" noChangeArrowheads="1" noChangeShapeType="1" noTextEdit="1"/>
+          </p:cNvSpPr>
+          <p:nvPr>
+            <p:extLst>
+              <p:ext uri="{386F3935-93C4-4BCD-93E2-E3B085C9AB24}">
+                <p16:designElem xmlns:p16="http://schemas.microsoft.com/office/powerpoint/2015/main" val="1"/>
+              </p:ext>
+            </p:extLst>
+          </p:nvPr>
+        </p:nvSpPr>
+        <p:spPr>
+          <a:xfrm>
+            <a:off x="0" y="0"/>
+            <a:ext cx="12188952" cy="6858000"/>
+          </a:xfrm>
+          <a:prstGeom prst="rect">
+            <a:avLst/>
+          </a:prstGeom>
+          <a:solidFill>
+            <a:schemeClr val="tx1">
+              <a:alpha val="53000"/>
+            </a:schemeClr>
+          </a:solidFill>
+          <a:ln>
+            <a:noFill/>
+          </a:ln>
+        </p:spPr>
+        <p:style>
+          <a:lnRef idx="2">
+            <a:schemeClr val="accent1">
+              <a:shade val="50000"/>
+            </a:schemeClr>
+          </a:lnRef>
+          <a:fillRef idx="1">
+            <a:schemeClr val="accent1"/>
+          </a:fillRef>
+          <a:effectRef idx="0">
+            <a:schemeClr val="accent1"/>
+          </a:effectRef>
+          <a:fontRef idx="minor">
+            <a:schemeClr val="lt1"/>
+          </a:fontRef>
+        </p:style>
+        <p:txBody>
+          <a:bodyPr rtlCol="0" anchor="ctr"/>
+          <a:lstStyle/>
+          <a:p>
+            <a:pPr algn="ctr"/>
+            <a:endParaRPr lang="en-US"/>
+          </a:p>
+        </p:txBody>
+      </p:sp>
+      <p:grpSp>
+        <p:nvGrpSpPr>
+          <p:cNvPr id="36" name="Group 20">
+            <a:extLst>
+              <a:ext uri="{FF2B5EF4-FFF2-40B4-BE49-F238E27FC236}">
+                <a16:creationId xmlns:a16="http://schemas.microsoft.com/office/drawing/2014/main" id="{913B067F-3154-4968-A886-DF93A787EC44}"/>
+              </a:ext>
+              <a:ext uri="{C183D7F6-B498-43B3-948B-1728B52AA6E4}">
+                <adec:decorative xmlns:adec="http://schemas.microsoft.com/office/drawing/2017/decorative" val="1"/>
+              </a:ext>
+            </a:extLst>
+          </p:cNvPr>
+          <p:cNvGrpSpPr>
+            <a:grpSpLocks noGrp="1" noUngrp="1" noRot="1" noChangeAspect="1" noMove="1" noResize="1"/>
+          </p:cNvGrpSpPr>
+          <p:nvPr>
+            <p:extLst>
+              <p:ext uri="{386F3935-93C4-4BCD-93E2-E3B085C9AB24}">
+                <p16:designElem xmlns:p16="http://schemas.microsoft.com/office/powerpoint/2015/main" val="1"/>
+              </p:ext>
+            </p:extLst>
+          </p:nvPr>
+        </p:nvGrpSpPr>
+        <p:grpSpPr>
+          <a:xfrm>
+            <a:off x="1" y="2075420"/>
+            <a:ext cx="12048729" cy="4093306"/>
+            <a:chOff x="1" y="2075420"/>
+            <a:chExt cx="12048729" cy="4093306"/>
+          </a:xfrm>
+        </p:grpSpPr>
+        <p:sp>
+          <p:nvSpPr>
+            <p:cNvPr id="22" name="Oval 21">
+              <a:extLst>
+                <a:ext uri="{FF2B5EF4-FFF2-40B4-BE49-F238E27FC236}">
+                  <a16:creationId xmlns:a16="http://schemas.microsoft.com/office/drawing/2014/main" id="{97583D6C-C05B-47AB-8540-B2700B82A4AE}"/>
+                </a:ext>
+                <a:ext uri="{C183D7F6-B498-43B3-948B-1728B52AA6E4}">
+                  <adec:decorative xmlns:adec="http://schemas.microsoft.com/office/drawing/2017/decorative" val="1"/>
+                </a:ext>
+              </a:extLst>
+            </p:cNvPr>
+            <p:cNvSpPr/>
+            <p:nvPr>
+              <p:extLst>
+                <p:ext uri="{386F3935-93C4-4BCD-93E2-E3B085C9AB24}">
+                  <p16:designElem xmlns:p16="http://schemas.microsoft.com/office/powerpoint/2015/main" val="1"/>
+                </p:ext>
+              </p:extLst>
+            </p:nvPr>
+          </p:nvSpPr>
+          <p:spPr>
+            <a:xfrm rot="4500000">
+              <a:off x="7942191" y="2507571"/>
+              <a:ext cx="3563871" cy="3563871"/>
+            </a:xfrm>
+            <a:prstGeom prst="ellipse">
+              <a:avLst/>
+            </a:prstGeom>
+            <a:noFill/>
+            <a:ln w="31750">
+              <a:gradFill>
+                <a:gsLst>
+                  <a:gs pos="0">
+                    <a:schemeClr val="tx2">
+                      <a:lumMod val="60000"/>
+                      <a:lumOff val="40000"/>
+                      <a:alpha val="10000"/>
+                    </a:schemeClr>
+                  </a:gs>
+                  <a:gs pos="100000">
+                    <a:schemeClr val="tx2">
+                      <a:lumMod val="50000"/>
+                      <a:alpha val="20000"/>
+                    </a:schemeClr>
+                  </a:gs>
+                </a:gsLst>
+                <a:lin ang="5400000" scaled="1"/>
+              </a:gradFill>
+              <a:prstDash val="sysDot"/>
+            </a:ln>
+          </p:spPr>
+          <p:style>
+            <a:lnRef idx="2">
+              <a:schemeClr val="accent1">
+                <a:shade val="50000"/>
+              </a:schemeClr>
+            </a:lnRef>
+            <a:fillRef idx="1">
+              <a:schemeClr val="accent1"/>
+            </a:fillRef>
+            <a:effectRef idx="0">
+              <a:schemeClr val="accent1"/>
+            </a:effectRef>
+            <a:fontRef idx="minor">
+              <a:schemeClr val="lt1"/>
+            </a:fontRef>
+          </p:style>
+          <p:txBody>
+            <a:bodyPr rtlCol="0" anchor="ctr"/>
+            <a:lstStyle/>
+            <a:p>
+              <a:pPr algn="ctr"/>
+              <a:endParaRPr lang="en-US"/>
+            </a:p>
+          </p:txBody>
+        </p:sp>
+        <p:sp>
+          <p:nvSpPr>
+            <p:cNvPr id="38" name="Oval 22">
+              <a:extLst>
+                <a:ext uri="{FF2B5EF4-FFF2-40B4-BE49-F238E27FC236}">
+                  <a16:creationId xmlns:a16="http://schemas.microsoft.com/office/drawing/2014/main" id="{6501AD91-D973-4968-95E4-4C26CFDF8F79}"/>
+                </a:ext>
+                <a:ext uri="{C183D7F6-B498-43B3-948B-1728B52AA6E4}">
+                  <adec:decorative xmlns:adec="http://schemas.microsoft.com/office/drawing/2017/decorative" val="1"/>
+                </a:ext>
+              </a:extLst>
+            </p:cNvPr>
+            <p:cNvSpPr/>
+            <p:nvPr>
+              <p:extLst>
+                <p:ext uri="{386F3935-93C4-4BCD-93E2-E3B085C9AB24}">
+                  <p16:designElem xmlns:p16="http://schemas.microsoft.com/office/powerpoint/2015/main" val="1"/>
+                </p:ext>
+              </p:extLst>
+            </p:nvPr>
+          </p:nvSpPr>
+          <p:spPr>
+            <a:xfrm rot="16200000">
+              <a:off x="10435065" y="4048931"/>
+              <a:ext cx="1381607" cy="1381607"/>
+            </a:xfrm>
+            <a:prstGeom prst="ellipse">
+              <a:avLst/>
+            </a:prstGeom>
+            <a:noFill/>
+            <a:ln w="31750">
+              <a:gradFill>
+                <a:gsLst>
+                  <a:gs pos="0">
+                    <a:schemeClr val="tx2">
+                      <a:lumMod val="60000"/>
+                      <a:lumOff val="40000"/>
+                      <a:alpha val="20000"/>
+                    </a:schemeClr>
+                  </a:gs>
+                  <a:gs pos="100000">
+                    <a:schemeClr val="tx2">
+                      <a:lumMod val="50000"/>
+                      <a:alpha val="20000"/>
+                    </a:schemeClr>
+                  </a:gs>
+                </a:gsLst>
+                <a:lin ang="5400000" scaled="1"/>
+              </a:gradFill>
+              <a:prstDash val="sysDot"/>
+            </a:ln>
+          </p:spPr>
+          <p:style>
+            <a:lnRef idx="2">
+              <a:schemeClr val="accent1">
+                <a:shade val="50000"/>
+              </a:schemeClr>
+            </a:lnRef>
+            <a:fillRef idx="1">
+              <a:schemeClr val="accent1"/>
+            </a:fillRef>
+            <a:effectRef idx="0">
+              <a:schemeClr val="accent1"/>
+            </a:effectRef>
+            <a:fontRef idx="minor">
+              <a:schemeClr val="lt1"/>
+            </a:fontRef>
+          </p:style>
+          <p:txBody>
+            <a:bodyPr rtlCol="0" anchor="ctr"/>
+            <a:lstStyle/>
+            <a:p>
+              <a:pPr algn="ctr"/>
+              <a:endParaRPr lang="en-US"/>
+            </a:p>
+          </p:txBody>
+        </p:sp>
+        <p:sp>
+          <p:nvSpPr>
+            <p:cNvPr id="24" name="Oval 23">
+              <a:extLst>
+                <a:ext uri="{FF2B5EF4-FFF2-40B4-BE49-F238E27FC236}">
+                  <a16:creationId xmlns:a16="http://schemas.microsoft.com/office/drawing/2014/main" id="{5C165989-F5FE-4BB6-9817-E7828CB1D6E0}"/>
+                </a:ext>
+                <a:ext uri="{C183D7F6-B498-43B3-948B-1728B52AA6E4}">
+                  <adec:decorative xmlns:adec="http://schemas.microsoft.com/office/drawing/2017/decorative" val="1"/>
+                </a:ext>
+              </a:extLst>
+            </p:cNvPr>
+            <p:cNvSpPr/>
+            <p:nvPr>
+              <p:extLst>
+                <p:ext uri="{386F3935-93C4-4BCD-93E2-E3B085C9AB24}">
+                  <p16:designElem xmlns:p16="http://schemas.microsoft.com/office/powerpoint/2015/main" val="1"/>
+                </p:ext>
+              </p:extLst>
+            </p:nvPr>
+          </p:nvSpPr>
+          <p:spPr>
+            <a:xfrm rot="16200000">
+              <a:off x="1" y="2075420"/>
+              <a:ext cx="3144364" cy="3144364"/>
+            </a:xfrm>
+            <a:prstGeom prst="ellipse">
+              <a:avLst/>
+            </a:prstGeom>
+            <a:gradFill>
+              <a:gsLst>
+                <a:gs pos="0">
+                  <a:schemeClr val="tx2">
+                    <a:lumMod val="75000"/>
+                    <a:alpha val="20000"/>
+                  </a:schemeClr>
+                </a:gs>
+                <a:gs pos="100000">
+                  <a:schemeClr val="tx2">
+                    <a:lumMod val="50000"/>
+                    <a:alpha val="10000"/>
+                  </a:schemeClr>
+                </a:gs>
+              </a:gsLst>
+              <a:lin ang="5400000" scaled="1"/>
+            </a:gradFill>
+            <a:ln>
+              <a:noFill/>
+            </a:ln>
+          </p:spPr>
+          <p:style>
+            <a:lnRef idx="2">
+              <a:schemeClr val="accent1">
+                <a:shade val="50000"/>
+              </a:schemeClr>
+            </a:lnRef>
+            <a:fillRef idx="1">
+              <a:schemeClr val="accent1"/>
+            </a:fillRef>
+            <a:effectRef idx="0">
+              <a:schemeClr val="accent1"/>
+            </a:effectRef>
+            <a:fontRef idx="minor">
+              <a:schemeClr val="lt1"/>
+            </a:fontRef>
+          </p:style>
+          <p:txBody>
+            <a:bodyPr rtlCol="0" anchor="ctr"/>
+            <a:lstStyle/>
+            <a:p>
+              <a:pPr algn="ctr"/>
+              <a:endParaRPr lang="en-US"/>
+            </a:p>
+          </p:txBody>
+        </p:sp>
+        <p:sp>
+          <p:nvSpPr>
+            <p:cNvPr id="25" name="Oval 24">
+              <a:extLst>
+                <a:ext uri="{FF2B5EF4-FFF2-40B4-BE49-F238E27FC236}">
+                  <a16:creationId xmlns:a16="http://schemas.microsoft.com/office/drawing/2014/main" id="{6B0649CC-B912-4E82-BEA0-DA75ECB19A67}"/>
+                </a:ext>
+                <a:ext uri="{C183D7F6-B498-43B3-948B-1728B52AA6E4}">
+                  <adec:decorative xmlns:adec="http://schemas.microsoft.com/office/drawing/2017/decorative" val="1"/>
+                </a:ext>
+              </a:extLst>
+            </p:cNvPr>
+            <p:cNvSpPr/>
+            <p:nvPr>
+              <p:extLst>
+                <p:ext uri="{386F3935-93C4-4BCD-93E2-E3B085C9AB24}">
+                  <p16:designElem xmlns:p16="http://schemas.microsoft.com/office/powerpoint/2015/main" val="1"/>
+                </p:ext>
+              </p:extLst>
+            </p:nvPr>
+          </p:nvSpPr>
+          <p:spPr>
+            <a:xfrm rot="12600000">
+              <a:off x="10150845" y="4270841"/>
+              <a:ext cx="1897885" cy="1897885"/>
+            </a:xfrm>
+            <a:prstGeom prst="ellipse">
+              <a:avLst/>
+            </a:prstGeom>
+            <a:gradFill>
+              <a:gsLst>
+                <a:gs pos="0">
+                  <a:schemeClr val="tx2">
+                    <a:lumMod val="75000"/>
+                    <a:alpha val="10000"/>
+                  </a:schemeClr>
+                </a:gs>
+                <a:gs pos="100000">
+                  <a:schemeClr val="tx2">
+                    <a:lumMod val="75000"/>
+                    <a:alpha val="20000"/>
+                  </a:schemeClr>
+                </a:gs>
+              </a:gsLst>
+              <a:lin ang="5400000" scaled="1"/>
+            </a:gradFill>
+            <a:ln>
+              <a:noFill/>
+            </a:ln>
+          </p:spPr>
+          <p:style>
+            <a:lnRef idx="2">
+              <a:schemeClr val="accent1">
+                <a:shade val="50000"/>
+              </a:schemeClr>
+            </a:lnRef>
+            <a:fillRef idx="1">
+              <a:schemeClr val="accent1"/>
+            </a:fillRef>
+            <a:effectRef idx="0">
+              <a:schemeClr val="accent1"/>
+            </a:effectRef>
+            <a:fontRef idx="minor">
+              <a:schemeClr val="lt1"/>
+            </a:fontRef>
+          </p:style>
+          <p:txBody>
+            <a:bodyPr rtlCol="0" anchor="ctr"/>
+            <a:lstStyle/>
+            <a:p>
+              <a:pPr algn="ctr"/>
+              <a:endParaRPr lang="en-US" dirty="0"/>
+            </a:p>
+          </p:txBody>
+        </p:sp>
+        <p:sp>
+          <p:nvSpPr>
+            <p:cNvPr id="26" name="Oval 25">
+              <a:extLst>
+                <a:ext uri="{FF2B5EF4-FFF2-40B4-BE49-F238E27FC236}">
+                  <a16:creationId xmlns:a16="http://schemas.microsoft.com/office/drawing/2014/main" id="{6BA08C17-C9A5-4FA8-ABC4-44FB3B869672}"/>
+                </a:ext>
+                <a:ext uri="{C183D7F6-B498-43B3-948B-1728B52AA6E4}">
+                  <adec:decorative xmlns:adec="http://schemas.microsoft.com/office/drawing/2017/decorative" val="1"/>
+                </a:ext>
+              </a:extLst>
+            </p:cNvPr>
+            <p:cNvSpPr/>
+            <p:nvPr>
+              <p:extLst>
+                <p:ext uri="{386F3935-93C4-4BCD-93E2-E3B085C9AB24}">
+                  <p16:designElem xmlns:p16="http://schemas.microsoft.com/office/powerpoint/2015/main" val="1"/>
+                </p:ext>
+              </p:extLst>
+            </p:nvPr>
+          </p:nvSpPr>
+          <p:spPr>
+            <a:xfrm rot="4500000">
+              <a:off x="2046780" y="3040492"/>
+              <a:ext cx="2579322" cy="2579322"/>
+            </a:xfrm>
+            <a:prstGeom prst="ellipse">
+              <a:avLst/>
+            </a:prstGeom>
+            <a:noFill/>
+            <a:ln w="31750">
+              <a:gradFill>
+                <a:gsLst>
+                  <a:gs pos="0">
+                    <a:schemeClr val="tx2">
+                      <a:lumMod val="60000"/>
+                      <a:lumOff val="40000"/>
+                      <a:alpha val="20000"/>
+                    </a:schemeClr>
+                  </a:gs>
+                  <a:gs pos="100000">
+                    <a:schemeClr val="tx2">
+                      <a:lumMod val="50000"/>
+                      <a:alpha val="20000"/>
+                    </a:schemeClr>
+                  </a:gs>
+                </a:gsLst>
+                <a:lin ang="5400000" scaled="1"/>
+              </a:gradFill>
+              <a:prstDash val="sysDot"/>
+            </a:ln>
+          </p:spPr>
+          <p:style>
+            <a:lnRef idx="2">
+              <a:schemeClr val="accent1">
+                <a:shade val="50000"/>
+              </a:schemeClr>
+            </a:lnRef>
+            <a:fillRef idx="1">
+              <a:schemeClr val="accent1"/>
+            </a:fillRef>
+            <a:effectRef idx="0">
+              <a:schemeClr val="accent1"/>
+            </a:effectRef>
+            <a:fontRef idx="minor">
+              <a:schemeClr val="lt1"/>
+            </a:fontRef>
+          </p:style>
+          <p:txBody>
+            <a:bodyPr rtlCol="0" anchor="ctr"/>
+            <a:lstStyle/>
+            <a:p>
+              <a:pPr algn="ctr"/>
+              <a:endParaRPr lang="en-US"/>
+            </a:p>
+          </p:txBody>
+        </p:sp>
+        <p:sp>
+          <p:nvSpPr>
+            <p:cNvPr id="27" name="Oval 26">
+              <a:extLst>
+                <a:ext uri="{FF2B5EF4-FFF2-40B4-BE49-F238E27FC236}">
+                  <a16:creationId xmlns:a16="http://schemas.microsoft.com/office/drawing/2014/main" id="{70DEAC6C-553C-437E-BC17-D44952337564}"/>
+                </a:ext>
+                <a:ext uri="{C183D7F6-B498-43B3-948B-1728B52AA6E4}">
+                  <adec:decorative xmlns:adec="http://schemas.microsoft.com/office/drawing/2017/decorative" val="1"/>
+                </a:ext>
+              </a:extLst>
+            </p:cNvPr>
+            <p:cNvSpPr/>
+            <p:nvPr>
+              <p:extLst>
+                <p:ext uri="{386F3935-93C4-4BCD-93E2-E3B085C9AB24}">
+                  <p16:designElem xmlns:p16="http://schemas.microsoft.com/office/powerpoint/2015/main" val="1"/>
+                </p:ext>
+              </p:extLst>
+            </p:nvPr>
+          </p:nvSpPr>
+          <p:spPr>
+            <a:xfrm rot="4500000">
+              <a:off x="2224640" y="3193975"/>
+              <a:ext cx="2243193" cy="2243193"/>
+            </a:xfrm>
+            <a:prstGeom prst="ellipse">
+              <a:avLst/>
+            </a:prstGeom>
+            <a:noFill/>
+            <a:ln w="31750">
+              <a:gradFill>
+                <a:gsLst>
+                  <a:gs pos="0">
+                    <a:schemeClr val="tx2">
+                      <a:lumMod val="60000"/>
+                      <a:lumOff val="40000"/>
+                      <a:alpha val="10000"/>
+                    </a:schemeClr>
+                  </a:gs>
+                  <a:gs pos="100000">
+                    <a:schemeClr val="tx2">
+                      <a:lumMod val="50000"/>
+                      <a:alpha val="10000"/>
+                    </a:schemeClr>
+                  </a:gs>
+                </a:gsLst>
+                <a:lin ang="5400000" scaled="1"/>
+              </a:gradFill>
+            </a:ln>
+          </p:spPr>
+          <p:style>
+            <a:lnRef idx="2">
+              <a:schemeClr val="accent1">
+                <a:shade val="50000"/>
+              </a:schemeClr>
+            </a:lnRef>
+            <a:fillRef idx="1">
+              <a:schemeClr val="accent1"/>
+            </a:fillRef>
+            <a:effectRef idx="0">
+              <a:schemeClr val="accent1"/>
+            </a:effectRef>
+            <a:fontRef idx="minor">
+              <a:schemeClr val="lt1"/>
+            </a:fontRef>
+          </p:style>
+          <p:txBody>
+            <a:bodyPr rtlCol="0" anchor="ctr"/>
+            <a:lstStyle/>
+            <a:p>
+              <a:pPr algn="ctr"/>
+              <a:endParaRPr lang="en-US"/>
+            </a:p>
+          </p:txBody>
+        </p:sp>
+      </p:grpSp>
+      <p:sp>
+        <p:nvSpPr>
+          <p:cNvPr id="29" name="Rectangle 28">
+            <a:extLst>
+              <a:ext uri="{FF2B5EF4-FFF2-40B4-BE49-F238E27FC236}">
+                <a16:creationId xmlns:a16="http://schemas.microsoft.com/office/drawing/2014/main" id="{B8114C98-A349-4111-A123-E8EAB86ABE30}"/>
+              </a:ext>
+              <a:ext uri="{C183D7F6-B498-43B3-948B-1728B52AA6E4}">
+                <adec:decorative xmlns:adec="http://schemas.microsoft.com/office/drawing/2017/decorative" val="1"/>
+              </a:ext>
+            </a:extLst>
+          </p:cNvPr>
+          <p:cNvSpPr>
+            <a:spLocks noGrp="1" noRot="1" noChangeAspect="1" noMove="1" noResize="1" noEditPoints="1" noAdjustHandles="1" noChangeArrowheads="1" noChangeShapeType="1" noTextEdit="1"/>
+          </p:cNvSpPr>
+          <p:nvPr>
+            <p:extLst>
+              <p:ext uri="{386F3935-93C4-4BCD-93E2-E3B085C9AB24}">
+                <p16:designElem xmlns:p16="http://schemas.microsoft.com/office/powerpoint/2015/main" val="1"/>
+              </p:ext>
+            </p:extLst>
+          </p:nvPr>
+        </p:nvSpPr>
+        <p:spPr>
+          <a:xfrm rot="16200000">
+            <a:off x="10438146" y="1042605"/>
+            <a:ext cx="2796461" cy="711252"/>
+          </a:xfrm>
+          <a:prstGeom prst="rect">
+            <a:avLst/>
+          </a:prstGeom>
+          <a:gradFill flip="none" rotWithShape="1">
+            <a:gsLst>
+              <a:gs pos="0">
+                <a:schemeClr val="tx2">
+                  <a:lumMod val="40000"/>
+                  <a:lumOff val="60000"/>
+                  <a:alpha val="0"/>
+                </a:schemeClr>
+              </a:gs>
+              <a:gs pos="100000">
+                <a:schemeClr val="tx2">
+                  <a:lumMod val="75000"/>
+                  <a:alpha val="10000"/>
+                </a:schemeClr>
+              </a:gs>
+            </a:gsLst>
+            <a:lin ang="8400000" scaled="0"/>
+            <a:tileRect/>
+          </a:gradFill>
+          <a:ln>
+            <a:noFill/>
+          </a:ln>
+        </p:spPr>
+        <p:style>
+          <a:lnRef idx="2">
+            <a:schemeClr val="accent1">
+              <a:shade val="50000"/>
+            </a:schemeClr>
+          </a:lnRef>
+          <a:fillRef idx="1">
+            <a:schemeClr val="accent1"/>
+          </a:fillRef>
+          <a:effectRef idx="0">
+            <a:schemeClr val="accent1"/>
+          </a:effectRef>
+          <a:fontRef idx="minor">
+            <a:schemeClr val="lt1"/>
+          </a:fontRef>
+        </p:style>
+        <p:txBody>
+          <a:bodyPr rtlCol="0" anchor="ctr"/>
+          <a:lstStyle/>
+          <a:p>
+            <a:pPr algn="ctr"/>
+            <a:endParaRPr lang="en-US"/>
+          </a:p>
+        </p:txBody>
+      </p:sp>
+      <p:grpSp>
+        <p:nvGrpSpPr>
+          <p:cNvPr id="31" name="Group 30">
+            <a:extLst>
+              <a:ext uri="{FF2B5EF4-FFF2-40B4-BE49-F238E27FC236}">
+                <a16:creationId xmlns:a16="http://schemas.microsoft.com/office/drawing/2014/main" id="{670FB431-AE18-414D-92F4-1D12D1991152}"/>
+              </a:ext>
+              <a:ext uri="{C183D7F6-B498-43B3-948B-1728B52AA6E4}">
+                <adec:decorative xmlns:adec="http://schemas.microsoft.com/office/drawing/2017/decorative" val="1"/>
+              </a:ext>
+            </a:extLst>
+          </p:cNvPr>
+          <p:cNvGrpSpPr>
+            <a:grpSpLocks noGrp="1" noUngrp="1" noRot="1" noChangeAspect="1" noMove="1" noResize="1"/>
+          </p:cNvGrpSpPr>
+          <p:nvPr>
+            <p:extLst>
+              <p:ext uri="{386F3935-93C4-4BCD-93E2-E3B085C9AB24}">
+                <p16:designElem xmlns:p16="http://schemas.microsoft.com/office/powerpoint/2015/main" val="1"/>
+              </p:ext>
+            </p:extLst>
+          </p:nvPr>
+        </p:nvGrpSpPr>
+        <p:grpSpPr>
+          <a:xfrm>
+            <a:off x="11259539" y="317578"/>
+            <a:ext cx="548640" cy="549007"/>
+            <a:chOff x="7029447" y="3514725"/>
+            <a:chExt cx="1285875" cy="549007"/>
+          </a:xfrm>
+        </p:grpSpPr>
+        <p:cxnSp>
+          <p:nvCxnSpPr>
+            <p:cNvPr id="32" name="Straight Connector 31">
+              <a:extLst>
+                <a:ext uri="{FF2B5EF4-FFF2-40B4-BE49-F238E27FC236}">
+                  <a16:creationId xmlns:a16="http://schemas.microsoft.com/office/drawing/2014/main" id="{24467063-D74E-4D42-8790-B9F6D69584BE}"/>
+                </a:ext>
+                <a:ext uri="{C183D7F6-B498-43B3-948B-1728B52AA6E4}">
+                  <adec:decorative xmlns:adec="http://schemas.microsoft.com/office/drawing/2017/decorative" val="1"/>
+                </a:ext>
+              </a:extLst>
+            </p:cNvPr>
+            <p:cNvCxnSpPr>
+              <a:cxnSpLocks/>
+            </p:cNvCxnSpPr>
+            <p:nvPr>
+              <p:extLst>
+                <p:ext uri="{386F3935-93C4-4BCD-93E2-E3B085C9AB24}">
+                  <p16:designElem xmlns:p16="http://schemas.microsoft.com/office/powerpoint/2015/main" val="1"/>
+                </p:ext>
+              </p:extLst>
+            </p:nvPr>
+          </p:nvCxnSpPr>
+          <p:spPr>
+            <a:xfrm>
+              <a:off x="7029447" y="3514725"/>
+              <a:ext cx="1285875" cy="0"/>
+            </a:xfrm>
+            <a:prstGeom prst="line">
+              <a:avLst/>
+            </a:prstGeom>
+            <a:ln w="31750" cap="rnd" cmpd="sng">
+              <a:gradFill>
+                <a:gsLst>
+                  <a:gs pos="0">
+                    <a:schemeClr val="tx2">
+                      <a:lumMod val="60000"/>
+                      <a:lumOff val="40000"/>
+                      <a:alpha val="40000"/>
+                    </a:schemeClr>
+                  </a:gs>
+                  <a:gs pos="100000">
+                    <a:schemeClr val="tx2">
+                      <a:lumMod val="75000"/>
+                      <a:alpha val="40000"/>
+                    </a:schemeClr>
+                  </a:gs>
+                </a:gsLst>
+                <a:lin ang="5400000" scaled="1"/>
+              </a:gradFill>
+              <a:prstDash val="sysDot"/>
+              <a:round/>
+            </a:ln>
+          </p:spPr>
+          <p:style>
+            <a:lnRef idx="1">
+              <a:schemeClr val="accent1"/>
+            </a:lnRef>
+            <a:fillRef idx="0">
+              <a:schemeClr val="accent1"/>
+            </a:fillRef>
+            <a:effectRef idx="0">
+              <a:schemeClr val="accent1"/>
+            </a:effectRef>
+            <a:fontRef idx="minor">
+              <a:schemeClr val="tx1"/>
+            </a:fontRef>
+          </p:style>
+        </p:cxnSp>
+        <p:cxnSp>
+          <p:nvCxnSpPr>
+            <p:cNvPr id="33" name="Straight Connector 32">
+              <a:extLst>
+                <a:ext uri="{FF2B5EF4-FFF2-40B4-BE49-F238E27FC236}">
+                  <a16:creationId xmlns:a16="http://schemas.microsoft.com/office/drawing/2014/main" id="{A1D19BAC-1681-47BC-AAF5-92FAFFF6F4CE}"/>
+                </a:ext>
+                <a:ext uri="{C183D7F6-B498-43B3-948B-1728B52AA6E4}">
+                  <adec:decorative xmlns:adec="http://schemas.microsoft.com/office/drawing/2017/decorative" val="1"/>
+                </a:ext>
+              </a:extLst>
+            </p:cNvPr>
+            <p:cNvCxnSpPr>
+              <a:cxnSpLocks/>
+            </p:cNvCxnSpPr>
+            <p:nvPr>
+              <p:extLst>
+                <p:ext uri="{386F3935-93C4-4BCD-93E2-E3B085C9AB24}">
+                  <p16:designElem xmlns:p16="http://schemas.microsoft.com/office/powerpoint/2015/main" val="1"/>
+                </p:ext>
+              </p:extLst>
+            </p:nvPr>
+          </p:nvCxnSpPr>
+          <p:spPr>
+            <a:xfrm>
+              <a:off x="7029447" y="3697727"/>
+              <a:ext cx="1285875" cy="0"/>
+            </a:xfrm>
+            <a:prstGeom prst="line">
+              <a:avLst/>
+            </a:prstGeom>
+            <a:ln w="31750" cap="rnd" cmpd="sng">
+              <a:gradFill>
+                <a:gsLst>
+                  <a:gs pos="0">
+                    <a:schemeClr val="tx2">
+                      <a:lumMod val="60000"/>
+                      <a:lumOff val="40000"/>
+                      <a:alpha val="40000"/>
+                    </a:schemeClr>
+                  </a:gs>
+                  <a:gs pos="100000">
+                    <a:schemeClr val="tx2">
+                      <a:lumMod val="75000"/>
+                      <a:alpha val="40000"/>
+                    </a:schemeClr>
+                  </a:gs>
+                </a:gsLst>
+                <a:lin ang="5400000" scaled="1"/>
+              </a:gradFill>
+              <a:prstDash val="sysDot"/>
+              <a:round/>
+            </a:ln>
+          </p:spPr>
+          <p:style>
+            <a:lnRef idx="1">
+              <a:schemeClr val="accent1"/>
+            </a:lnRef>
+            <a:fillRef idx="0">
+              <a:schemeClr val="accent1"/>
+            </a:fillRef>
+            <a:effectRef idx="0">
+              <a:schemeClr val="accent1"/>
+            </a:effectRef>
+            <a:fontRef idx="minor">
+              <a:schemeClr val="tx1"/>
+            </a:fontRef>
+          </p:style>
+        </p:cxnSp>
+        <p:cxnSp>
+          <p:nvCxnSpPr>
+            <p:cNvPr id="34" name="Straight Connector 33">
+              <a:extLst>
+                <a:ext uri="{FF2B5EF4-FFF2-40B4-BE49-F238E27FC236}">
+                  <a16:creationId xmlns:a16="http://schemas.microsoft.com/office/drawing/2014/main" id="{94347C2B-E846-452C-97AA-7E254FC1CE8F}"/>
+                </a:ext>
+                <a:ext uri="{C183D7F6-B498-43B3-948B-1728B52AA6E4}">
+                  <adec:decorative xmlns:adec="http://schemas.microsoft.com/office/drawing/2017/decorative" val="1"/>
+                </a:ext>
+              </a:extLst>
+            </p:cNvPr>
+            <p:cNvCxnSpPr>
+              <a:cxnSpLocks/>
+            </p:cNvCxnSpPr>
+            <p:nvPr>
+              <p:extLst>
+                <p:ext uri="{386F3935-93C4-4BCD-93E2-E3B085C9AB24}">
+                  <p16:designElem xmlns:p16="http://schemas.microsoft.com/office/powerpoint/2015/main" val="1"/>
+                </p:ext>
+              </p:extLst>
+            </p:nvPr>
+          </p:nvCxnSpPr>
+          <p:spPr>
+            <a:xfrm>
+              <a:off x="7029447" y="3880729"/>
+              <a:ext cx="1285875" cy="0"/>
+            </a:xfrm>
+            <a:prstGeom prst="line">
+              <a:avLst/>
+            </a:prstGeom>
+            <a:ln w="31750" cap="rnd" cmpd="sng">
+              <a:gradFill>
+                <a:gsLst>
+                  <a:gs pos="0">
+                    <a:schemeClr val="tx2">
+                      <a:lumMod val="60000"/>
+                      <a:lumOff val="40000"/>
+                      <a:alpha val="40000"/>
+                    </a:schemeClr>
+                  </a:gs>
+                  <a:gs pos="100000">
+                    <a:schemeClr val="tx2">
+                      <a:lumMod val="75000"/>
+                      <a:alpha val="40000"/>
+                    </a:schemeClr>
+                  </a:gs>
+                </a:gsLst>
+                <a:lin ang="5400000" scaled="1"/>
+              </a:gradFill>
+              <a:prstDash val="sysDot"/>
+              <a:round/>
+            </a:ln>
+          </p:spPr>
+          <p:style>
+            <a:lnRef idx="1">
+              <a:schemeClr val="accent1"/>
+            </a:lnRef>
+            <a:fillRef idx="0">
+              <a:schemeClr val="accent1"/>
+            </a:fillRef>
+            <a:effectRef idx="0">
+              <a:schemeClr val="accent1"/>
+            </a:effectRef>
+            <a:fontRef idx="minor">
+              <a:schemeClr val="tx1"/>
+            </a:fontRef>
+          </p:style>
+        </p:cxnSp>
+        <p:cxnSp>
+          <p:nvCxnSpPr>
+            <p:cNvPr id="35" name="Straight Connector 34">
+              <a:extLst>
+                <a:ext uri="{FF2B5EF4-FFF2-40B4-BE49-F238E27FC236}">
+                  <a16:creationId xmlns:a16="http://schemas.microsoft.com/office/drawing/2014/main" id="{10EA2B35-7959-4C2A-84AA-FF5D94FEDE90}"/>
+                </a:ext>
+                <a:ext uri="{C183D7F6-B498-43B3-948B-1728B52AA6E4}">
+                  <adec:decorative xmlns:adec="http://schemas.microsoft.com/office/drawing/2017/decorative" val="1"/>
+                </a:ext>
+              </a:extLst>
+            </p:cNvPr>
+            <p:cNvCxnSpPr>
+              <a:cxnSpLocks/>
+            </p:cNvCxnSpPr>
+            <p:nvPr>
+              <p:extLst>
+                <p:ext uri="{386F3935-93C4-4BCD-93E2-E3B085C9AB24}">
+                  <p16:designElem xmlns:p16="http://schemas.microsoft.com/office/powerpoint/2015/main" val="1"/>
+                </p:ext>
+              </p:extLst>
+            </p:nvPr>
+          </p:nvCxnSpPr>
+          <p:spPr>
+            <a:xfrm>
+              <a:off x="7029447" y="4063732"/>
+              <a:ext cx="1285875" cy="0"/>
+            </a:xfrm>
+            <a:prstGeom prst="line">
+              <a:avLst/>
+            </a:prstGeom>
+            <a:ln w="31750" cap="rnd" cmpd="sng">
+              <a:gradFill>
+                <a:gsLst>
+                  <a:gs pos="0">
+                    <a:schemeClr val="tx2">
+                      <a:lumMod val="60000"/>
+                      <a:lumOff val="40000"/>
+                      <a:alpha val="40000"/>
+                    </a:schemeClr>
+                  </a:gs>
+                  <a:gs pos="100000">
+                    <a:schemeClr val="tx2">
+                      <a:lumMod val="75000"/>
+                      <a:alpha val="40000"/>
+                    </a:schemeClr>
+                  </a:gs>
+                </a:gsLst>
+                <a:lin ang="5400000" scaled="1"/>
+              </a:gradFill>
+              <a:prstDash val="sysDot"/>
+              <a:round/>
+            </a:ln>
+          </p:spPr>
+          <p:style>
+            <a:lnRef idx="1">
+              <a:schemeClr val="accent1"/>
+            </a:lnRef>
+            <a:fillRef idx="0">
+              <a:schemeClr val="accent1"/>
+            </a:fillRef>
+            <a:effectRef idx="0">
+              <a:schemeClr val="accent1"/>
+            </a:effectRef>
+            <a:fontRef idx="minor">
+              <a:schemeClr val="tx1"/>
+            </a:fontRef>
+          </p:style>
+        </p:cxnSp>
+      </p:grpSp>
+      <p:sp>
+        <p:nvSpPr>
+          <p:cNvPr id="37" name="Rectangle 36">
+            <a:extLst>
+              <a:ext uri="{FF2B5EF4-FFF2-40B4-BE49-F238E27FC236}">
+                <a16:creationId xmlns:a16="http://schemas.microsoft.com/office/drawing/2014/main" id="{E2D3D3F2-ABBB-4453-B1C5-1BEBF7E4DD56}"/>
+              </a:ext>
+              <a:ext uri="{C183D7F6-B498-43B3-948B-1728B52AA6E4}">
+                <adec:decorative xmlns:adec="http://schemas.microsoft.com/office/drawing/2017/decorative" val="1"/>
+              </a:ext>
+            </a:extLst>
+          </p:cNvPr>
+          <p:cNvSpPr>
+            <a:spLocks noGrp="1" noRot="1" noChangeAspect="1" noMove="1" noResize="1" noEditPoints="1" noAdjustHandles="1" noChangeArrowheads="1" noChangeShapeType="1" noTextEdit="1"/>
+          </p:cNvSpPr>
+          <p:nvPr>
+            <p:extLst>
+              <p:ext uri="{386F3935-93C4-4BCD-93E2-E3B085C9AB24}">
+                <p16:designElem xmlns:p16="http://schemas.microsoft.com/office/powerpoint/2015/main" val="1"/>
+              </p:ext>
+            </p:extLst>
+          </p:nvPr>
+        </p:nvSpPr>
+        <p:spPr>
+          <a:xfrm rot="10800000">
+            <a:off x="-1" y="6140785"/>
+            <a:ext cx="6095997" cy="711252"/>
+          </a:xfrm>
+          <a:prstGeom prst="rect">
+            <a:avLst/>
+          </a:prstGeom>
+          <a:gradFill flip="none" rotWithShape="1">
+            <a:gsLst>
+              <a:gs pos="10000">
+                <a:schemeClr val="tx2">
+                  <a:lumMod val="50000"/>
+                  <a:alpha val="10000"/>
+                </a:schemeClr>
+              </a:gs>
+              <a:gs pos="100000">
+                <a:schemeClr val="tx2">
+                  <a:lumMod val="60000"/>
+                  <a:lumOff val="40000"/>
+                  <a:alpha val="0"/>
+                </a:schemeClr>
+              </a:gs>
+            </a:gsLst>
+            <a:lin ang="8400000" scaled="0"/>
+            <a:tileRect/>
+          </a:gradFill>
+          <a:ln>
+            <a:noFill/>
+          </a:ln>
+        </p:spPr>
+        <p:style>
+          <a:lnRef idx="2">
+            <a:schemeClr val="accent1">
+              <a:shade val="50000"/>
+            </a:schemeClr>
+          </a:lnRef>
+          <a:fillRef idx="1">
+            <a:schemeClr val="accent1"/>
+          </a:fillRef>
+          <a:effectRef idx="0">
+            <a:schemeClr val="accent1"/>
+          </a:effectRef>
+          <a:fontRef idx="minor">
+            <a:schemeClr val="lt1"/>
+          </a:fontRef>
+        </p:style>
+        <p:txBody>
+          <a:bodyPr rtlCol="0" anchor="ctr"/>
+          <a:lstStyle/>
+          <a:p>
+            <a:pPr algn="ctr"/>
+            <a:endParaRPr lang="en-US"/>
+          </a:p>
+        </p:txBody>
+      </p:sp>
+      <p:grpSp>
+        <p:nvGrpSpPr>
+          <p:cNvPr id="39" name="Group 38">
+            <a:extLst>
+              <a:ext uri="{FF2B5EF4-FFF2-40B4-BE49-F238E27FC236}">
+                <a16:creationId xmlns:a16="http://schemas.microsoft.com/office/drawing/2014/main" id="{8214E4A5-A0D2-42C4-8D14-D2A7E495F041}"/>
+              </a:ext>
+              <a:ext uri="{C183D7F6-B498-43B3-948B-1728B52AA6E4}">
+                <adec:decorative xmlns:adec="http://schemas.microsoft.com/office/drawing/2017/decorative" val="1"/>
+              </a:ext>
+            </a:extLst>
+          </p:cNvPr>
+          <p:cNvGrpSpPr>
+            <a:grpSpLocks noGrp="1" noUngrp="1" noRot="1" noChangeAspect="1" noMove="1" noResize="1"/>
+          </p:cNvGrpSpPr>
+          <p:nvPr>
+            <p:extLst>
+              <p:ext uri="{386F3935-93C4-4BCD-93E2-E3B085C9AB24}">
+                <p16:designElem xmlns:p16="http://schemas.microsoft.com/office/powerpoint/2015/main" val="1"/>
+              </p:ext>
+            </p:extLst>
+          </p:nvPr>
+        </p:nvGrpSpPr>
+        <p:grpSpPr>
+          <a:xfrm rot="5400000">
+            <a:off x="616345" y="5940560"/>
+            <a:ext cx="1285875" cy="549007"/>
+            <a:chOff x="7029447" y="3514725"/>
+            <a:chExt cx="1285875" cy="549007"/>
+          </a:xfrm>
+        </p:grpSpPr>
+        <p:cxnSp>
+          <p:nvCxnSpPr>
+            <p:cNvPr id="40" name="Straight Connector 39">
+              <a:extLst>
+                <a:ext uri="{FF2B5EF4-FFF2-40B4-BE49-F238E27FC236}">
+                  <a16:creationId xmlns:a16="http://schemas.microsoft.com/office/drawing/2014/main" id="{7494D7A0-6B21-41E8-A7D3-0033BBB79156}"/>
+                </a:ext>
+                <a:ext uri="{C183D7F6-B498-43B3-948B-1728B52AA6E4}">
+                  <adec:decorative xmlns:adec="http://schemas.microsoft.com/office/drawing/2017/decorative" val="1"/>
+                </a:ext>
+              </a:extLst>
+            </p:cNvPr>
+            <p:cNvCxnSpPr>
+              <a:cxnSpLocks/>
+            </p:cNvCxnSpPr>
+            <p:nvPr>
+              <p:extLst>
+                <p:ext uri="{386F3935-93C4-4BCD-93E2-E3B085C9AB24}">
+                  <p16:designElem xmlns:p16="http://schemas.microsoft.com/office/powerpoint/2015/main" val="1"/>
+                </p:ext>
+              </p:extLst>
+            </p:nvPr>
+          </p:nvCxnSpPr>
+          <p:spPr>
+            <a:xfrm>
+              <a:off x="7029447" y="3514725"/>
+              <a:ext cx="1285875" cy="0"/>
+            </a:xfrm>
+            <a:prstGeom prst="line">
+              <a:avLst/>
+            </a:prstGeom>
+            <a:ln w="31750" cap="rnd" cmpd="sng">
+              <a:gradFill>
+                <a:gsLst>
+                  <a:gs pos="0">
+                    <a:schemeClr val="tx2">
+                      <a:lumMod val="60000"/>
+                      <a:lumOff val="40000"/>
+                      <a:alpha val="40000"/>
+                    </a:schemeClr>
+                  </a:gs>
+                  <a:gs pos="100000">
+                    <a:schemeClr val="tx2">
+                      <a:lumMod val="50000"/>
+                      <a:alpha val="40000"/>
+                    </a:schemeClr>
+                  </a:gs>
+                </a:gsLst>
+                <a:lin ang="5400000" scaled="1"/>
+              </a:gradFill>
+              <a:prstDash val="sysDot"/>
+              <a:round/>
+            </a:ln>
+          </p:spPr>
+          <p:style>
+            <a:lnRef idx="1">
+              <a:schemeClr val="accent1"/>
+            </a:lnRef>
+            <a:fillRef idx="0">
+              <a:schemeClr val="accent1"/>
+            </a:fillRef>
+            <a:effectRef idx="0">
+              <a:schemeClr val="accent1"/>
+            </a:effectRef>
+            <a:fontRef idx="minor">
+              <a:schemeClr val="tx1"/>
+            </a:fontRef>
+          </p:style>
+        </p:cxnSp>
+        <p:cxnSp>
+          <p:nvCxnSpPr>
+            <p:cNvPr id="41" name="Straight Connector 40">
+              <a:extLst>
+                <a:ext uri="{FF2B5EF4-FFF2-40B4-BE49-F238E27FC236}">
+                  <a16:creationId xmlns:a16="http://schemas.microsoft.com/office/drawing/2014/main" id="{1E141D7D-32B0-448E-A666-EA8703AFCF2C}"/>
+                </a:ext>
+                <a:ext uri="{C183D7F6-B498-43B3-948B-1728B52AA6E4}">
+                  <adec:decorative xmlns:adec="http://schemas.microsoft.com/office/drawing/2017/decorative" val="1"/>
+                </a:ext>
+              </a:extLst>
+            </p:cNvPr>
+            <p:cNvCxnSpPr>
+              <a:cxnSpLocks/>
+            </p:cNvCxnSpPr>
+            <p:nvPr>
+              <p:extLst>
+                <p:ext uri="{386F3935-93C4-4BCD-93E2-E3B085C9AB24}">
+                  <p16:designElem xmlns:p16="http://schemas.microsoft.com/office/powerpoint/2015/main" val="1"/>
+                </p:ext>
+              </p:extLst>
+            </p:nvPr>
+          </p:nvCxnSpPr>
+          <p:spPr>
+            <a:xfrm>
+              <a:off x="7029447" y="3697727"/>
+              <a:ext cx="1285875" cy="0"/>
+            </a:xfrm>
+            <a:prstGeom prst="line">
+              <a:avLst/>
+            </a:prstGeom>
+            <a:ln w="31750" cap="rnd" cmpd="sng">
+              <a:gradFill>
+                <a:gsLst>
+                  <a:gs pos="0">
+                    <a:schemeClr val="tx2">
+                      <a:lumMod val="60000"/>
+                      <a:lumOff val="40000"/>
+                      <a:alpha val="40000"/>
+                    </a:schemeClr>
+                  </a:gs>
+                  <a:gs pos="100000">
+                    <a:schemeClr val="tx2">
+                      <a:lumMod val="50000"/>
+                      <a:alpha val="40000"/>
+                    </a:schemeClr>
+                  </a:gs>
+                </a:gsLst>
+                <a:lin ang="5400000" scaled="1"/>
+              </a:gradFill>
+              <a:prstDash val="sysDot"/>
+              <a:round/>
+            </a:ln>
+          </p:spPr>
+          <p:style>
+            <a:lnRef idx="1">
+              <a:schemeClr val="accent1"/>
+            </a:lnRef>
+            <a:fillRef idx="0">
+              <a:schemeClr val="accent1"/>
+            </a:fillRef>
+            <a:effectRef idx="0">
+              <a:schemeClr val="accent1"/>
+            </a:effectRef>
+            <a:fontRef idx="minor">
+              <a:schemeClr val="tx1"/>
+            </a:fontRef>
+          </p:style>
+        </p:cxnSp>
+        <p:cxnSp>
+          <p:nvCxnSpPr>
+            <p:cNvPr id="42" name="Straight Connector 41">
+              <a:extLst>
+                <a:ext uri="{FF2B5EF4-FFF2-40B4-BE49-F238E27FC236}">
+                  <a16:creationId xmlns:a16="http://schemas.microsoft.com/office/drawing/2014/main" id="{8D87E268-6345-420F-8B97-B37ED04100EC}"/>
+                </a:ext>
+                <a:ext uri="{C183D7F6-B498-43B3-948B-1728B52AA6E4}">
+                  <adec:decorative xmlns:adec="http://schemas.microsoft.com/office/drawing/2017/decorative" val="1"/>
+                </a:ext>
+              </a:extLst>
+            </p:cNvPr>
+            <p:cNvCxnSpPr>
+              <a:cxnSpLocks/>
+            </p:cNvCxnSpPr>
+            <p:nvPr>
+              <p:extLst>
+                <p:ext uri="{386F3935-93C4-4BCD-93E2-E3B085C9AB24}">
+                  <p16:designElem xmlns:p16="http://schemas.microsoft.com/office/powerpoint/2015/main" val="1"/>
+                </p:ext>
+              </p:extLst>
+            </p:nvPr>
+          </p:nvCxnSpPr>
+          <p:spPr>
+            <a:xfrm>
+              <a:off x="7029447" y="3880729"/>
+              <a:ext cx="1285875" cy="0"/>
+            </a:xfrm>
+            <a:prstGeom prst="line">
+              <a:avLst/>
+            </a:prstGeom>
+            <a:ln w="31750" cap="rnd" cmpd="sng">
+              <a:gradFill>
+                <a:gsLst>
+                  <a:gs pos="0">
+                    <a:schemeClr val="tx2">
+                      <a:lumMod val="60000"/>
+                      <a:lumOff val="40000"/>
+                      <a:alpha val="40000"/>
+                    </a:schemeClr>
+                  </a:gs>
+                  <a:gs pos="100000">
+                    <a:schemeClr val="tx2">
+                      <a:lumMod val="50000"/>
+                      <a:alpha val="40000"/>
+                    </a:schemeClr>
+                  </a:gs>
+                </a:gsLst>
+                <a:lin ang="5400000" scaled="1"/>
+              </a:gradFill>
+              <a:prstDash val="sysDot"/>
+              <a:round/>
+            </a:ln>
+          </p:spPr>
+          <p:style>
+            <a:lnRef idx="1">
+              <a:schemeClr val="accent1"/>
+            </a:lnRef>
+            <a:fillRef idx="0">
+              <a:schemeClr val="accent1"/>
+            </a:fillRef>
+            <a:effectRef idx="0">
+              <a:schemeClr val="accent1"/>
+            </a:effectRef>
+            <a:fontRef idx="minor">
+              <a:schemeClr val="tx1"/>
+            </a:fontRef>
+          </p:style>
+        </p:cxnSp>
+        <p:cxnSp>
+          <p:nvCxnSpPr>
+            <p:cNvPr id="43" name="Straight Connector 42">
+              <a:extLst>
+                <a:ext uri="{FF2B5EF4-FFF2-40B4-BE49-F238E27FC236}">
+                  <a16:creationId xmlns:a16="http://schemas.microsoft.com/office/drawing/2014/main" id="{35E1622E-7FA6-4760-A2BF-A8105EBF7BB9}"/>
+                </a:ext>
+                <a:ext uri="{C183D7F6-B498-43B3-948B-1728B52AA6E4}">
+                  <adec:decorative xmlns:adec="http://schemas.microsoft.com/office/drawing/2017/decorative" val="1"/>
+                </a:ext>
+              </a:extLst>
+            </p:cNvPr>
+            <p:cNvCxnSpPr>
+              <a:cxnSpLocks/>
+            </p:cNvCxnSpPr>
+            <p:nvPr>
+              <p:extLst>
+                <p:ext uri="{386F3935-93C4-4BCD-93E2-E3B085C9AB24}">
+                  <p16:designElem xmlns:p16="http://schemas.microsoft.com/office/powerpoint/2015/main" val="1"/>
+                </p:ext>
+              </p:extLst>
+            </p:nvPr>
+          </p:nvCxnSpPr>
+          <p:spPr>
+            <a:xfrm>
+              <a:off x="7029447" y="4063732"/>
+              <a:ext cx="1285875" cy="0"/>
+            </a:xfrm>
+            <a:prstGeom prst="line">
+              <a:avLst/>
+            </a:prstGeom>
+            <a:ln w="31750" cap="rnd" cmpd="sng">
+              <a:gradFill>
+                <a:gsLst>
+                  <a:gs pos="0">
+                    <a:schemeClr val="tx2">
+                      <a:lumMod val="60000"/>
+                      <a:lumOff val="40000"/>
+                      <a:alpha val="40000"/>
+                    </a:schemeClr>
+                  </a:gs>
+                  <a:gs pos="100000">
+                    <a:schemeClr val="tx2">
+                      <a:lumMod val="50000"/>
+                      <a:alpha val="40000"/>
+                    </a:schemeClr>
+                  </a:gs>
+                </a:gsLst>
+                <a:lin ang="5400000" scaled="1"/>
+              </a:gradFill>
+              <a:prstDash val="sysDot"/>
+              <a:round/>
+            </a:ln>
+          </p:spPr>
+          <p:style>
+            <a:lnRef idx="1">
+              <a:schemeClr val="accent1"/>
+            </a:lnRef>
+            <a:fillRef idx="0">
+              <a:schemeClr val="accent1"/>
+            </a:fillRef>
+            <a:effectRef idx="0">
+              <a:schemeClr val="accent1"/>
+            </a:effectRef>
+            <a:fontRef idx="minor">
+              <a:schemeClr val="tx1"/>
+            </a:fontRef>
+          </p:style>
+        </p:cxnSp>
+      </p:grpSp>
+      <p:sp>
+        <p:nvSpPr>
+          <p:cNvPr id="2" name="Title 1">
+            <a:extLst>
+              <a:ext uri="{FF2B5EF4-FFF2-40B4-BE49-F238E27FC236}">
+                <a16:creationId xmlns:a16="http://schemas.microsoft.com/office/drawing/2014/main" id="{2CFEBE16-0972-41CE-A8FA-A2F80D8FFFBB}"/>
+              </a:ext>
+            </a:extLst>
+          </p:cNvPr>
+          <p:cNvSpPr>
+            <a:spLocks noGrp="1"/>
+          </p:cNvSpPr>
+          <p:nvPr>
+            <p:ph type="title"/>
+          </p:nvPr>
+        </p:nvSpPr>
+        <p:spPr>
+          <a:xfrm>
+            <a:off x="630935" y="4018137"/>
+            <a:ext cx="5071221" cy="2129586"/>
+          </a:xfrm>
+          <a:noFill/>
+        </p:spPr>
+        <p:txBody>
+          <a:bodyPr vert="horz" lIns="91440" tIns="45720" rIns="91440" bIns="45720" rtlCol="0" anchor="t">
+            <a:normAutofit/>
+          </a:bodyPr>
+          <a:lstStyle/>
+          <a:p>
+            <a:r>
+              <a:rPr lang="en-US" sz="2600" kern="1200">
+                <a:latin typeface="+mj-lt"/>
+                <a:ea typeface="+mj-ea"/>
+                <a:cs typeface="+mj-cs"/>
+              </a:rPr>
+              <a:t>Electric Vehicle Charging on Residential Distribution Systems: Impacts and Mitigation</a:t>
+            </a:r>
+            <a:br>
+              <a:rPr lang="en-US" sz="2600" kern="1200">
+                <a:latin typeface="+mj-lt"/>
+                <a:ea typeface="+mj-ea"/>
+                <a:cs typeface="+mj-cs"/>
+              </a:rPr>
+            </a:br>
+            <a:r>
+              <a:rPr lang="en-US" sz="2600" b="0" i="1" kern="1200">
+                <a:latin typeface="+mj-lt"/>
+                <a:ea typeface="+mj-ea"/>
+                <a:cs typeface="+mj-cs"/>
+              </a:rPr>
+              <a:t>Anamika Dubey and Surya Santoso</a:t>
+            </a:r>
+          </a:p>
+        </p:txBody>
+      </p:sp>
+      <p:pic>
+        <p:nvPicPr>
+          <p:cNvPr id="5" name="Picture 4">
+            <a:extLst>
+              <a:ext uri="{FF2B5EF4-FFF2-40B4-BE49-F238E27FC236}">
+                <a16:creationId xmlns:a16="http://schemas.microsoft.com/office/drawing/2014/main" id="{58740570-C81C-104C-D3F3-B484D65FED9B}"/>
+              </a:ext>
+            </a:extLst>
+          </p:cNvPr>
+          <p:cNvPicPr>
+            <a:picLocks noChangeAspect="1"/>
+          </p:cNvPicPr>
+          <p:nvPr/>
+        </p:nvPicPr>
+        <p:blipFill>
+          <a:blip r:embed="rId2"/>
+          <a:stretch>
+            <a:fillRect/>
+          </a:stretch>
+        </p:blipFill>
+        <p:spPr>
+          <a:xfrm>
+            <a:off x="672943" y="539923"/>
+            <a:ext cx="10843065" cy="1707784"/>
+          </a:xfrm>
+          <a:prstGeom prst="rect">
+            <a:avLst/>
+          </a:prstGeom>
+        </p:spPr>
+      </p:pic>
+      <p:grpSp>
+        <p:nvGrpSpPr>
+          <p:cNvPr id="45" name="Group 44">
+            <a:extLst>
+              <a:ext uri="{FF2B5EF4-FFF2-40B4-BE49-F238E27FC236}">
+                <a16:creationId xmlns:a16="http://schemas.microsoft.com/office/drawing/2014/main" id="{1F4E1649-4D1F-4A91-AF97-A254BFDD524D}"/>
+              </a:ext>
+              <a:ext uri="{C183D7F6-B498-43B3-948B-1728B52AA6E4}">
+                <adec:decorative xmlns:adec="http://schemas.microsoft.com/office/drawing/2017/decorative" val="1"/>
+              </a:ext>
+            </a:extLst>
+          </p:cNvPr>
+          <p:cNvGrpSpPr>
+            <a:grpSpLocks noGrp="1" noUngrp="1" noRot="1" noChangeAspect="1" noMove="1" noResize="1"/>
+          </p:cNvGrpSpPr>
+          <p:nvPr>
+            <p:extLst>
+              <p:ext uri="{386F3935-93C4-4BCD-93E2-E3B085C9AB24}">
+                <p16:designElem xmlns:p16="http://schemas.microsoft.com/office/powerpoint/2015/main" val="1"/>
+              </p:ext>
+            </p:extLst>
+          </p:nvPr>
+        </p:nvGrpSpPr>
+        <p:grpSpPr>
+          <a:xfrm rot="16200000">
+            <a:off x="474192" y="776904"/>
+            <a:ext cx="304800" cy="429768"/>
+            <a:chOff x="215328" y="-46937"/>
+            <a:chExt cx="304800" cy="2773841"/>
+          </a:xfrm>
+        </p:grpSpPr>
+        <p:cxnSp>
+          <p:nvCxnSpPr>
+            <p:cNvPr id="46" name="Straight Connector 45">
+              <a:extLst>
+                <a:ext uri="{FF2B5EF4-FFF2-40B4-BE49-F238E27FC236}">
+                  <a16:creationId xmlns:a16="http://schemas.microsoft.com/office/drawing/2014/main" id="{FE483602-62F9-474D-9C9B-5EE4CD7671CB}"/>
+                </a:ext>
+                <a:ext uri="{C183D7F6-B498-43B3-948B-1728B52AA6E4}">
+                  <adec:decorative xmlns:adec="http://schemas.microsoft.com/office/drawing/2017/decorative" val="1"/>
+                </a:ext>
+              </a:extLst>
+            </p:cNvPr>
+            <p:cNvCxnSpPr>
+              <a:cxnSpLocks/>
+            </p:cNvCxnSpPr>
+            <p:nvPr>
+              <p:extLst>
+                <p:ext uri="{386F3935-93C4-4BCD-93E2-E3B085C9AB24}">
+                  <p16:designElem xmlns:p16="http://schemas.microsoft.com/office/powerpoint/2015/main" val="1"/>
+                </p:ext>
+              </p:extLst>
+            </p:nvPr>
+          </p:nvCxnSpPr>
+          <p:spPr>
+            <a:xfrm>
+              <a:off x="215328" y="-46937"/>
+              <a:ext cx="0" cy="2773841"/>
+            </a:xfrm>
+            <a:prstGeom prst="line">
+              <a:avLst/>
+            </a:prstGeom>
+            <a:ln w="25400" cmpd="sng">
+              <a:solidFill>
+                <a:schemeClr val="bg2">
+                  <a:lumMod val="60000"/>
+                  <a:lumOff val="40000"/>
+                  <a:alpha val="50000"/>
+                </a:schemeClr>
+              </a:solidFill>
+              <a:prstDash val="sysDot"/>
+            </a:ln>
+          </p:spPr>
+          <p:style>
+            <a:lnRef idx="1">
+              <a:schemeClr val="accent1"/>
+            </a:lnRef>
+            <a:fillRef idx="0">
+              <a:schemeClr val="accent1"/>
+            </a:fillRef>
+            <a:effectRef idx="0">
+              <a:schemeClr val="accent1"/>
+            </a:effectRef>
+            <a:fontRef idx="minor">
+              <a:schemeClr val="tx1"/>
+            </a:fontRef>
+          </p:style>
+        </p:cxnSp>
+        <p:cxnSp>
+          <p:nvCxnSpPr>
+            <p:cNvPr id="47" name="Straight Connector 46">
+              <a:extLst>
+                <a:ext uri="{FF2B5EF4-FFF2-40B4-BE49-F238E27FC236}">
+                  <a16:creationId xmlns:a16="http://schemas.microsoft.com/office/drawing/2014/main" id="{DD7D1AC0-A6C7-40E3-9841-F34AC831A483}"/>
+                </a:ext>
+                <a:ext uri="{C183D7F6-B498-43B3-948B-1728B52AA6E4}">
+                  <adec:decorative xmlns:adec="http://schemas.microsoft.com/office/drawing/2017/decorative" val="1"/>
+                </a:ext>
+              </a:extLst>
+            </p:cNvPr>
+            <p:cNvCxnSpPr>
+              <a:cxnSpLocks/>
+            </p:cNvCxnSpPr>
+            <p:nvPr>
+              <p:extLst>
+                <p:ext uri="{386F3935-93C4-4BCD-93E2-E3B085C9AB24}">
+                  <p16:designElem xmlns:p16="http://schemas.microsoft.com/office/powerpoint/2015/main" val="1"/>
+                </p:ext>
+              </p:extLst>
+            </p:nvPr>
+          </p:nvCxnSpPr>
+          <p:spPr>
+            <a:xfrm>
+              <a:off x="316928" y="-46937"/>
+              <a:ext cx="0" cy="2773841"/>
+            </a:xfrm>
+            <a:prstGeom prst="line">
+              <a:avLst/>
+            </a:prstGeom>
+            <a:ln w="25400" cmpd="sng">
+              <a:solidFill>
+                <a:schemeClr val="bg2">
+                  <a:lumMod val="60000"/>
+                  <a:lumOff val="40000"/>
+                  <a:alpha val="50000"/>
+                </a:schemeClr>
+              </a:solidFill>
+              <a:prstDash val="sysDot"/>
+            </a:ln>
+          </p:spPr>
+          <p:style>
+            <a:lnRef idx="1">
+              <a:schemeClr val="accent1"/>
+            </a:lnRef>
+            <a:fillRef idx="0">
+              <a:schemeClr val="accent1"/>
+            </a:fillRef>
+            <a:effectRef idx="0">
+              <a:schemeClr val="accent1"/>
+            </a:effectRef>
+            <a:fontRef idx="minor">
+              <a:schemeClr val="tx1"/>
+            </a:fontRef>
+          </p:style>
+        </p:cxnSp>
+        <p:cxnSp>
+          <p:nvCxnSpPr>
+            <p:cNvPr id="48" name="Straight Connector 47">
+              <a:extLst>
+                <a:ext uri="{FF2B5EF4-FFF2-40B4-BE49-F238E27FC236}">
+                  <a16:creationId xmlns:a16="http://schemas.microsoft.com/office/drawing/2014/main" id="{F951C4DD-7427-497D-9DE3-9D731D3F456E}"/>
+                </a:ext>
+                <a:ext uri="{C183D7F6-B498-43B3-948B-1728B52AA6E4}">
+                  <adec:decorative xmlns:adec="http://schemas.microsoft.com/office/drawing/2017/decorative" val="1"/>
+                </a:ext>
+              </a:extLst>
+            </p:cNvPr>
+            <p:cNvCxnSpPr>
+              <a:cxnSpLocks/>
+            </p:cNvCxnSpPr>
+            <p:nvPr>
+              <p:extLst>
+                <p:ext uri="{386F3935-93C4-4BCD-93E2-E3B085C9AB24}">
+                  <p16:designElem xmlns:p16="http://schemas.microsoft.com/office/powerpoint/2015/main" val="1"/>
+                </p:ext>
+              </p:extLst>
+            </p:nvPr>
+          </p:nvCxnSpPr>
+          <p:spPr>
+            <a:xfrm>
+              <a:off x="418528" y="-46937"/>
+              <a:ext cx="0" cy="2773841"/>
+            </a:xfrm>
+            <a:prstGeom prst="line">
+              <a:avLst/>
+            </a:prstGeom>
+            <a:ln w="25400" cmpd="sng">
+              <a:solidFill>
+                <a:schemeClr val="bg2">
+                  <a:lumMod val="60000"/>
+                  <a:lumOff val="40000"/>
+                  <a:alpha val="50000"/>
+                </a:schemeClr>
+              </a:solidFill>
+              <a:prstDash val="sysDot"/>
+            </a:ln>
+          </p:spPr>
+          <p:style>
+            <a:lnRef idx="1">
+              <a:schemeClr val="accent1"/>
+            </a:lnRef>
+            <a:fillRef idx="0">
+              <a:schemeClr val="accent1"/>
+            </a:fillRef>
+            <a:effectRef idx="0">
+              <a:schemeClr val="accent1"/>
+            </a:effectRef>
+            <a:fontRef idx="minor">
+              <a:schemeClr val="tx1"/>
+            </a:fontRef>
+          </p:style>
+        </p:cxnSp>
+        <p:cxnSp>
+          <p:nvCxnSpPr>
+            <p:cNvPr id="49" name="Straight Connector 48">
+              <a:extLst>
+                <a:ext uri="{FF2B5EF4-FFF2-40B4-BE49-F238E27FC236}">
+                  <a16:creationId xmlns:a16="http://schemas.microsoft.com/office/drawing/2014/main" id="{0EE18298-0BF5-4D7A-921A-2F4186E8D96A}"/>
+                </a:ext>
+                <a:ext uri="{C183D7F6-B498-43B3-948B-1728B52AA6E4}">
+                  <adec:decorative xmlns:adec="http://schemas.microsoft.com/office/drawing/2017/decorative" val="1"/>
+                </a:ext>
+              </a:extLst>
+            </p:cNvPr>
+            <p:cNvCxnSpPr>
+              <a:cxnSpLocks/>
+            </p:cNvCxnSpPr>
+            <p:nvPr>
+              <p:extLst>
+                <p:ext uri="{386F3935-93C4-4BCD-93E2-E3B085C9AB24}">
+                  <p16:designElem xmlns:p16="http://schemas.microsoft.com/office/powerpoint/2015/main" val="1"/>
+                </p:ext>
+              </p:extLst>
+            </p:nvPr>
+          </p:nvCxnSpPr>
+          <p:spPr>
+            <a:xfrm>
+              <a:off x="520128" y="-46937"/>
+              <a:ext cx="0" cy="2773841"/>
+            </a:xfrm>
+            <a:prstGeom prst="line">
+              <a:avLst/>
+            </a:prstGeom>
+            <a:ln w="25400" cmpd="sng">
+              <a:solidFill>
+                <a:schemeClr val="bg2">
+                  <a:lumMod val="60000"/>
+                  <a:lumOff val="40000"/>
+                  <a:alpha val="50000"/>
+                </a:schemeClr>
+              </a:solidFill>
+              <a:prstDash val="sysDot"/>
+            </a:ln>
+          </p:spPr>
+          <p:style>
+            <a:lnRef idx="1">
+              <a:schemeClr val="accent1"/>
+            </a:lnRef>
+            <a:fillRef idx="0">
+              <a:schemeClr val="accent1"/>
+            </a:fillRef>
+            <a:effectRef idx="0">
+              <a:schemeClr val="accent1"/>
+            </a:effectRef>
+            <a:fontRef idx="minor">
+              <a:schemeClr val="tx1"/>
+            </a:fontRef>
+          </p:style>
+        </p:cxnSp>
+      </p:grpSp>
+      <p:sp>
+        <p:nvSpPr>
+          <p:cNvPr id="51" name="Oval 50">
+            <a:extLst>
+              <a:ext uri="{FF2B5EF4-FFF2-40B4-BE49-F238E27FC236}">
+                <a16:creationId xmlns:a16="http://schemas.microsoft.com/office/drawing/2014/main" id="{773AEA78-C03B-40B7-9D11-DC022119D577}"/>
+              </a:ext>
+              <a:ext uri="{C183D7F6-B498-43B3-948B-1728B52AA6E4}">
+                <adec:decorative xmlns:adec="http://schemas.microsoft.com/office/drawing/2017/decorative" val="1"/>
+              </a:ext>
+            </a:extLst>
+          </p:cNvPr>
+          <p:cNvSpPr>
+            <a:spLocks noGrp="1" noRot="1" noChangeAspect="1" noMove="1" noResize="1" noEditPoints="1" noAdjustHandles="1" noChangeArrowheads="1" noChangeShapeType="1" noTextEdit="1"/>
+          </p:cNvSpPr>
+          <p:nvPr>
+            <p:extLst>
+              <p:ext uri="{386F3935-93C4-4BCD-93E2-E3B085C9AB24}">
+                <p16:designElem xmlns:p16="http://schemas.microsoft.com/office/powerpoint/2015/main" val="1"/>
+              </p:ext>
+            </p:extLst>
+          </p:nvPr>
+        </p:nvSpPr>
+        <p:spPr>
+          <a:xfrm rot="12600000">
+            <a:off x="10150845" y="4270841"/>
+            <a:ext cx="1897885" cy="1897885"/>
+          </a:xfrm>
+          <a:prstGeom prst="ellipse">
+            <a:avLst/>
+          </a:prstGeom>
+          <a:gradFill>
+            <a:gsLst>
+              <a:gs pos="0">
+                <a:schemeClr val="tx2">
+                  <a:lumMod val="75000"/>
+                  <a:alpha val="10000"/>
+                </a:schemeClr>
+              </a:gs>
+              <a:gs pos="100000">
+                <a:schemeClr val="tx2">
+                  <a:lumMod val="60000"/>
+                  <a:lumOff val="40000"/>
+                  <a:alpha val="10000"/>
+                </a:schemeClr>
+              </a:gs>
+            </a:gsLst>
+            <a:lin ang="5400000" scaled="1"/>
+          </a:gradFill>
+          <a:ln>
+            <a:noFill/>
+          </a:ln>
+        </p:spPr>
+        <p:style>
+          <a:lnRef idx="2">
+            <a:schemeClr val="accent1">
+              <a:shade val="50000"/>
+            </a:schemeClr>
+          </a:lnRef>
+          <a:fillRef idx="1">
+            <a:schemeClr val="accent1"/>
+          </a:fillRef>
+          <a:effectRef idx="0">
+            <a:schemeClr val="accent1"/>
+          </a:effectRef>
+          <a:fontRef idx="minor">
+            <a:schemeClr val="lt1"/>
+          </a:fontRef>
+        </p:style>
+        <p:txBody>
+          <a:bodyPr rtlCol="0" anchor="ctr"/>
+          <a:lstStyle/>
+          <a:p>
+            <a:pPr algn="ctr"/>
+            <a:endParaRPr lang="en-US"/>
+          </a:p>
+        </p:txBody>
+      </p:sp>
+      <p:sp>
+        <p:nvSpPr>
           <p:cNvPr id="3" name="Text Placeholder 2">
             <a:extLst>
               <a:ext uri="{FF2B5EF4-FFF2-40B4-BE49-F238E27FC236}">
@@ -7382,88 +9196,103 @@
         </p:nvSpPr>
         <p:spPr>
           <a:xfrm>
-            <a:off x="1066799" y="3298376"/>
-            <a:ext cx="10063163" cy="1533002"/>
-          </a:xfrm>
+            <a:off x="5925304" y="4018143"/>
+            <a:ext cx="5549111" cy="2129599"/>
+          </a:xfrm>
+          <a:noFill/>
         </p:spPr>
         <p:txBody>
-          <a:bodyPr/>
+          <a:bodyPr vert="horz" lIns="91440" tIns="45720" rIns="91440" bIns="45720" rtlCol="0" anchor="t">
+            <a:normAutofit/>
+          </a:bodyPr>
           <a:lstStyle/>
           <a:p>
-            <a:r>
-              <a:rPr lang="en-US" dirty="0"/>
+            <a:pPr indent="-228600">
+              <a:buFont typeface="Arial" panose="020B0604020202020204" pitchFamily="34" charset="0"/>
+              <a:buChar char="•"/>
+            </a:pPr>
+            <a:r>
+              <a:rPr lang="en-US" sz="1800">
+                <a:solidFill>
+                  <a:schemeClr val="bg1"/>
+                </a:solidFill>
+              </a:rPr>
               <a:t>Objective:</a:t>
             </a:r>
           </a:p>
           <a:p>
-            <a:pPr marL="514350" indent="-514350">
-              <a:buAutoNum type="arabicPeriod"/>
+            <a:pPr marL="514350" indent="-228600">
+              <a:buFont typeface="Arial" panose="020B0604020202020204" pitchFamily="34" charset="0"/>
+              <a:buChar char="•"/>
             </a:pPr>
             <a:r>
-              <a:rPr lang="en-US" dirty="0"/>
-              <a:t>minimize cost of the total charging, here taken as</a:t>
-            </a:r>
-            <a:r>
-              <a:rPr lang="en-US" b="1" i="1" dirty="0"/>
-              <a:t> </a:t>
-            </a:r>
-            <a:r>
-              <a:rPr lang="en-US" i="1" dirty="0"/>
-              <a:t>Voltage Variability</a:t>
-            </a:r>
-          </a:p>
-          <a:p>
-            <a:pPr marL="514350" indent="-514350">
-              <a:buAutoNum type="arabicPeriod"/>
+              <a:rPr lang="en-US" sz="1800">
+                <a:solidFill>
+                  <a:schemeClr val="bg1"/>
+                </a:solidFill>
+              </a:rPr>
+              <a:t>minimize impact on residential grid voltage, for the whole night. </a:t>
+            </a:r>
+            <a:endParaRPr lang="en-US" sz="1800" i="1">
+              <a:solidFill>
+                <a:schemeClr val="bg1"/>
+              </a:solidFill>
+            </a:endParaRPr>
+          </a:p>
+          <a:p>
+            <a:pPr marL="514350" indent="-228600">
+              <a:buFont typeface="Arial" panose="020B0604020202020204" pitchFamily="34" charset="0"/>
+              <a:buChar char="•"/>
             </a:pPr>
             <a:r>
-              <a:rPr lang="en-US" i="1" dirty="0"/>
-              <a:t>Design objective (constraint): Charge every EV fully by time T. </a:t>
+              <a:rPr lang="en-US" sz="1800">
+                <a:solidFill>
+                  <a:schemeClr val="bg1"/>
+                </a:solidFill>
+              </a:rPr>
+              <a:t>Design objective (constraint): Charge every EV fully by time </a:t>
+            </a:r>
+            <a:r>
+              <a:rPr lang="en-US" sz="1800" i="1">
+                <a:solidFill>
+                  <a:schemeClr val="bg1"/>
+                </a:solidFill>
+              </a:rPr>
+              <a:t>T. </a:t>
             </a:r>
           </a:p>
         </p:txBody>
       </p:sp>
-      <p:sp>
-        <p:nvSpPr>
-          <p:cNvPr id="2" name="Title 1">
+      <p:pic>
+        <p:nvPicPr>
+          <p:cNvPr id="7" name="Picture 6">
             <a:extLst>
               <a:ext uri="{FF2B5EF4-FFF2-40B4-BE49-F238E27FC236}">
-                <a16:creationId xmlns:a16="http://schemas.microsoft.com/office/drawing/2014/main" id="{2CFEBE16-0972-41CE-A8FA-A2F80D8FFFBB}"/>
+                <a16:creationId xmlns:a16="http://schemas.microsoft.com/office/drawing/2014/main" id="{FF23DF60-4B58-67E3-C996-2A878DC8D6EC}"/>
               </a:ext>
             </a:extLst>
           </p:cNvPr>
-          <p:cNvSpPr>
-            <a:spLocks noGrp="1"/>
-          </p:cNvSpPr>
-          <p:nvPr>
-            <p:ph type="title"/>
-          </p:nvPr>
-        </p:nvSpPr>
+          <p:cNvPicPr>
+            <a:picLocks noChangeAspect="1"/>
+          </p:cNvPicPr>
+          <p:nvPr/>
+        </p:nvPicPr>
+        <p:blipFill>
+          <a:blip r:embed="rId3"/>
+          <a:stretch>
+            <a:fillRect/>
+          </a:stretch>
+        </p:blipFill>
         <p:spPr>
           <a:xfrm>
-            <a:off x="1066800" y="1017317"/>
-            <a:ext cx="10063163" cy="1756027"/>
-          </a:xfrm>
+            <a:off x="626591" y="2374884"/>
+            <a:ext cx="7555301" cy="1422835"/>
+          </a:xfrm>
+          <a:prstGeom prst="rect">
+            <a:avLst/>
+          </a:prstGeom>
         </p:spPr>
-        <p:txBody>
-          <a:bodyPr/>
-          <a:lstStyle/>
-          <a:p>
-            <a:r>
-              <a:rPr lang="en-US" dirty="0"/>
-              <a:t>Electric Vehicle Charging on Residential Distribution Systems: Impacts and Mitigation</a:t>
-            </a:r>
-            <a:br>
-              <a:rPr lang="en-US" dirty="0"/>
-            </a:br>
-            <a:r>
-              <a:rPr lang="en-US" sz="2400" b="0" i="1" dirty="0"/>
-              <a:t>Anamika Dubey and Surya Santoso</a:t>
-            </a:r>
-            <a:endParaRPr lang="en-US" b="0" i="1" dirty="0"/>
-          </a:p>
-        </p:txBody>
-      </p:sp>
+      </p:pic>
     </p:spTree>
     <p:extLst>
       <p:ext uri="{BB962C8B-B14F-4D97-AF65-F5344CB8AC3E}">
